--- a/Documentacion/Proyecto_Data_Warehouse.pptx
+++ b/Documentacion/Proyecto_Data_Warehouse.pptx
@@ -118,6 +118,11 @@
       </a:defRPr>
     </a:lvl9pPr>
   </p:defaultTextStyle>
+  <p:extLst>
+    <p:ext uri="{EFAFB233-063F-42B5-8137-9DF3F51BA10A}">
+      <p15:sldGuideLst xmlns:p15="http://schemas.microsoft.com/office/powerpoint/2012/main"/>
+    </p:ext>
+  </p:extLst>
 </p:presentation>
 </file>
 
@@ -143,7 +148,7 @@
           <p:cNvPr id="2" name="Título 1">
             <a:extLst>
               <a:ext uri="{FF2B5EF4-FFF2-40B4-BE49-F238E27FC236}">
-                <a16:creationId xmlns:a16="http://schemas.microsoft.com/office/drawing/2014/main" id="{285EF19D-9FA6-3144-B4F9-BFEDDC6E8632}"/>
+                <a16:creationId xmlns="" xmlns:a16="http://schemas.microsoft.com/office/drawing/2014/main" id="{285EF19D-9FA6-3144-B4F9-BFEDDC6E8632}"/>
               </a:ext>
             </a:extLst>
           </p:cNvPr>
@@ -181,7 +186,7 @@
           <p:cNvPr id="3" name="Subtítulo 2">
             <a:extLst>
               <a:ext uri="{FF2B5EF4-FFF2-40B4-BE49-F238E27FC236}">
-                <a16:creationId xmlns:a16="http://schemas.microsoft.com/office/drawing/2014/main" id="{29533BB6-B197-F94D-B695-548FC03FEC09}"/>
+                <a16:creationId xmlns="" xmlns:a16="http://schemas.microsoft.com/office/drawing/2014/main" id="{29533BB6-B197-F94D-B695-548FC03FEC09}"/>
               </a:ext>
             </a:extLst>
           </p:cNvPr>
@@ -252,7 +257,7 @@
           <p:cNvPr id="4" name="Marcador de fecha 3">
             <a:extLst>
               <a:ext uri="{FF2B5EF4-FFF2-40B4-BE49-F238E27FC236}">
-                <a16:creationId xmlns:a16="http://schemas.microsoft.com/office/drawing/2014/main" id="{1B857402-3FC4-AF4D-B29B-825A602153B1}"/>
+                <a16:creationId xmlns="" xmlns:a16="http://schemas.microsoft.com/office/drawing/2014/main" id="{1B857402-3FC4-AF4D-B29B-825A602153B1}"/>
               </a:ext>
             </a:extLst>
           </p:cNvPr>
@@ -270,7 +275,7 @@
           <a:p>
             <a:fld id="{FDDAC62A-4FD6-724A-8FD9-C2A886EF6C7F}" type="datetimeFigureOut">
               <a:rPr lang="es-CR" smtClean="0"/>
-              <a:t>18/12/20</a:t>
+              <a:t>5/1/2021</a:t>
             </a:fld>
             <a:endParaRPr lang="es-CR"/>
           </a:p>
@@ -281,7 +286,7 @@
           <p:cNvPr id="5" name="Marcador de pie de página 4">
             <a:extLst>
               <a:ext uri="{FF2B5EF4-FFF2-40B4-BE49-F238E27FC236}">
-                <a16:creationId xmlns:a16="http://schemas.microsoft.com/office/drawing/2014/main" id="{073A1B5A-3026-B847-AD1C-5BD29AB7C4B4}"/>
+                <a16:creationId xmlns="" xmlns:a16="http://schemas.microsoft.com/office/drawing/2014/main" id="{073A1B5A-3026-B847-AD1C-5BD29AB7C4B4}"/>
               </a:ext>
             </a:extLst>
           </p:cNvPr>
@@ -306,7 +311,7 @@
           <p:cNvPr id="6" name="Marcador de número de diapositiva 5">
             <a:extLst>
               <a:ext uri="{FF2B5EF4-FFF2-40B4-BE49-F238E27FC236}">
-                <a16:creationId xmlns:a16="http://schemas.microsoft.com/office/drawing/2014/main" id="{63385D2A-7846-7D4E-964A-6AA64DFA19BD}"/>
+                <a16:creationId xmlns="" xmlns:a16="http://schemas.microsoft.com/office/drawing/2014/main" id="{63385D2A-7846-7D4E-964A-6AA64DFA19BD}"/>
               </a:ext>
             </a:extLst>
           </p:cNvPr>
@@ -324,7 +329,7 @@
           <a:p>
             <a:fld id="{E9AFE74B-F05B-FC4A-86D2-E26C75EA14EB}" type="slidenum">
               <a:rPr lang="es-CR" smtClean="0"/>
-              <a:t>‹Nº›</a:t>
+              <a:t>‹#›</a:t>
             </a:fld>
             <a:endParaRPr lang="es-CR"/>
           </a:p>
@@ -365,7 +370,7 @@
           <p:cNvPr id="2" name="Título 1">
             <a:extLst>
               <a:ext uri="{FF2B5EF4-FFF2-40B4-BE49-F238E27FC236}">
-                <a16:creationId xmlns:a16="http://schemas.microsoft.com/office/drawing/2014/main" id="{D92DDE37-6189-3242-A588-98E508B28663}"/>
+                <a16:creationId xmlns="" xmlns:a16="http://schemas.microsoft.com/office/drawing/2014/main" id="{D92DDE37-6189-3242-A588-98E508B28663}"/>
               </a:ext>
             </a:extLst>
           </p:cNvPr>
@@ -394,7 +399,7 @@
           <p:cNvPr id="3" name="Marcador de texto vertical 2">
             <a:extLst>
               <a:ext uri="{FF2B5EF4-FFF2-40B4-BE49-F238E27FC236}">
-                <a16:creationId xmlns:a16="http://schemas.microsoft.com/office/drawing/2014/main" id="{B34A37AE-49DD-5048-AAAF-2EDC0C161678}"/>
+                <a16:creationId xmlns="" xmlns:a16="http://schemas.microsoft.com/office/drawing/2014/main" id="{B34A37AE-49DD-5048-AAAF-2EDC0C161678}"/>
               </a:ext>
             </a:extLst>
           </p:cNvPr>
@@ -452,7 +457,7 @@
           <p:cNvPr id="4" name="Marcador de fecha 3">
             <a:extLst>
               <a:ext uri="{FF2B5EF4-FFF2-40B4-BE49-F238E27FC236}">
-                <a16:creationId xmlns:a16="http://schemas.microsoft.com/office/drawing/2014/main" id="{D219D832-1128-9A46-99E0-BB7624E0A496}"/>
+                <a16:creationId xmlns="" xmlns:a16="http://schemas.microsoft.com/office/drawing/2014/main" id="{D219D832-1128-9A46-99E0-BB7624E0A496}"/>
               </a:ext>
             </a:extLst>
           </p:cNvPr>
@@ -470,7 +475,7 @@
           <a:p>
             <a:fld id="{FDDAC62A-4FD6-724A-8FD9-C2A886EF6C7F}" type="datetimeFigureOut">
               <a:rPr lang="es-CR" smtClean="0"/>
-              <a:t>18/12/20</a:t>
+              <a:t>5/1/2021</a:t>
             </a:fld>
             <a:endParaRPr lang="es-CR"/>
           </a:p>
@@ -481,7 +486,7 @@
           <p:cNvPr id="5" name="Marcador de pie de página 4">
             <a:extLst>
               <a:ext uri="{FF2B5EF4-FFF2-40B4-BE49-F238E27FC236}">
-                <a16:creationId xmlns:a16="http://schemas.microsoft.com/office/drawing/2014/main" id="{0D740797-938D-BF4B-9044-1D02C6F131BE}"/>
+                <a16:creationId xmlns="" xmlns:a16="http://schemas.microsoft.com/office/drawing/2014/main" id="{0D740797-938D-BF4B-9044-1D02C6F131BE}"/>
               </a:ext>
             </a:extLst>
           </p:cNvPr>
@@ -506,7 +511,7 @@
           <p:cNvPr id="6" name="Marcador de número de diapositiva 5">
             <a:extLst>
               <a:ext uri="{FF2B5EF4-FFF2-40B4-BE49-F238E27FC236}">
-                <a16:creationId xmlns:a16="http://schemas.microsoft.com/office/drawing/2014/main" id="{7A211EE9-9C8E-DE4A-B33A-AF68CB868794}"/>
+                <a16:creationId xmlns="" xmlns:a16="http://schemas.microsoft.com/office/drawing/2014/main" id="{7A211EE9-9C8E-DE4A-B33A-AF68CB868794}"/>
               </a:ext>
             </a:extLst>
           </p:cNvPr>
@@ -524,7 +529,7 @@
           <a:p>
             <a:fld id="{E9AFE74B-F05B-FC4A-86D2-E26C75EA14EB}" type="slidenum">
               <a:rPr lang="es-CR" smtClean="0"/>
-              <a:t>‹Nº›</a:t>
+              <a:t>‹#›</a:t>
             </a:fld>
             <a:endParaRPr lang="es-CR"/>
           </a:p>
@@ -565,7 +570,7 @@
           <p:cNvPr id="2" name="Título vertical 1">
             <a:extLst>
               <a:ext uri="{FF2B5EF4-FFF2-40B4-BE49-F238E27FC236}">
-                <a16:creationId xmlns:a16="http://schemas.microsoft.com/office/drawing/2014/main" id="{3529F073-1FBD-044B-9386-6558D3B16D47}"/>
+                <a16:creationId xmlns="" xmlns:a16="http://schemas.microsoft.com/office/drawing/2014/main" id="{3529F073-1FBD-044B-9386-6558D3B16D47}"/>
               </a:ext>
             </a:extLst>
           </p:cNvPr>
@@ -599,7 +604,7 @@
           <p:cNvPr id="3" name="Marcador de texto vertical 2">
             <a:extLst>
               <a:ext uri="{FF2B5EF4-FFF2-40B4-BE49-F238E27FC236}">
-                <a16:creationId xmlns:a16="http://schemas.microsoft.com/office/drawing/2014/main" id="{AE78067C-40E7-F645-AA1E-9AD665F2C75F}"/>
+                <a16:creationId xmlns="" xmlns:a16="http://schemas.microsoft.com/office/drawing/2014/main" id="{AE78067C-40E7-F645-AA1E-9AD665F2C75F}"/>
               </a:ext>
             </a:extLst>
           </p:cNvPr>
@@ -662,7 +667,7 @@
           <p:cNvPr id="4" name="Marcador de fecha 3">
             <a:extLst>
               <a:ext uri="{FF2B5EF4-FFF2-40B4-BE49-F238E27FC236}">
-                <a16:creationId xmlns:a16="http://schemas.microsoft.com/office/drawing/2014/main" id="{BD790AB7-ED75-3941-90A3-B19962C56F00}"/>
+                <a16:creationId xmlns="" xmlns:a16="http://schemas.microsoft.com/office/drawing/2014/main" id="{BD790AB7-ED75-3941-90A3-B19962C56F00}"/>
               </a:ext>
             </a:extLst>
           </p:cNvPr>
@@ -680,7 +685,7 @@
           <a:p>
             <a:fld id="{FDDAC62A-4FD6-724A-8FD9-C2A886EF6C7F}" type="datetimeFigureOut">
               <a:rPr lang="es-CR" smtClean="0"/>
-              <a:t>18/12/20</a:t>
+              <a:t>5/1/2021</a:t>
             </a:fld>
             <a:endParaRPr lang="es-CR"/>
           </a:p>
@@ -691,7 +696,7 @@
           <p:cNvPr id="5" name="Marcador de pie de página 4">
             <a:extLst>
               <a:ext uri="{FF2B5EF4-FFF2-40B4-BE49-F238E27FC236}">
-                <a16:creationId xmlns:a16="http://schemas.microsoft.com/office/drawing/2014/main" id="{7C86E473-D25B-8745-9D7C-D02FC47143E7}"/>
+                <a16:creationId xmlns="" xmlns:a16="http://schemas.microsoft.com/office/drawing/2014/main" id="{7C86E473-D25B-8745-9D7C-D02FC47143E7}"/>
               </a:ext>
             </a:extLst>
           </p:cNvPr>
@@ -716,7 +721,7 @@
           <p:cNvPr id="6" name="Marcador de número de diapositiva 5">
             <a:extLst>
               <a:ext uri="{FF2B5EF4-FFF2-40B4-BE49-F238E27FC236}">
-                <a16:creationId xmlns:a16="http://schemas.microsoft.com/office/drawing/2014/main" id="{744EBDC4-F9C7-7048-A98F-4B6E77D0984F}"/>
+                <a16:creationId xmlns="" xmlns:a16="http://schemas.microsoft.com/office/drawing/2014/main" id="{744EBDC4-F9C7-7048-A98F-4B6E77D0984F}"/>
               </a:ext>
             </a:extLst>
           </p:cNvPr>
@@ -734,7 +739,7 @@
           <a:p>
             <a:fld id="{E9AFE74B-F05B-FC4A-86D2-E26C75EA14EB}" type="slidenum">
               <a:rPr lang="es-CR" smtClean="0"/>
-              <a:t>‹Nº›</a:t>
+              <a:t>‹#›</a:t>
             </a:fld>
             <a:endParaRPr lang="es-CR"/>
           </a:p>
@@ -775,7 +780,7 @@
           <p:cNvPr id="2" name="Título 1">
             <a:extLst>
               <a:ext uri="{FF2B5EF4-FFF2-40B4-BE49-F238E27FC236}">
-                <a16:creationId xmlns:a16="http://schemas.microsoft.com/office/drawing/2014/main" id="{1C047F0D-FCB1-0048-BBDA-016EE912DCB9}"/>
+                <a16:creationId xmlns="" xmlns:a16="http://schemas.microsoft.com/office/drawing/2014/main" id="{1C047F0D-FCB1-0048-BBDA-016EE912DCB9}"/>
               </a:ext>
             </a:extLst>
           </p:cNvPr>
@@ -804,7 +809,7 @@
           <p:cNvPr id="3" name="Marcador de contenido 2">
             <a:extLst>
               <a:ext uri="{FF2B5EF4-FFF2-40B4-BE49-F238E27FC236}">
-                <a16:creationId xmlns:a16="http://schemas.microsoft.com/office/drawing/2014/main" id="{D25E0D4F-027E-3341-BBF1-C3F84FE720BA}"/>
+                <a16:creationId xmlns="" xmlns:a16="http://schemas.microsoft.com/office/drawing/2014/main" id="{D25E0D4F-027E-3341-BBF1-C3F84FE720BA}"/>
               </a:ext>
             </a:extLst>
           </p:cNvPr>
@@ -862,7 +867,7 @@
           <p:cNvPr id="4" name="Marcador de fecha 3">
             <a:extLst>
               <a:ext uri="{FF2B5EF4-FFF2-40B4-BE49-F238E27FC236}">
-                <a16:creationId xmlns:a16="http://schemas.microsoft.com/office/drawing/2014/main" id="{3FB07531-4B03-4048-8D03-CC30AEA2984D}"/>
+                <a16:creationId xmlns="" xmlns:a16="http://schemas.microsoft.com/office/drawing/2014/main" id="{3FB07531-4B03-4048-8D03-CC30AEA2984D}"/>
               </a:ext>
             </a:extLst>
           </p:cNvPr>
@@ -880,7 +885,7 @@
           <a:p>
             <a:fld id="{FDDAC62A-4FD6-724A-8FD9-C2A886EF6C7F}" type="datetimeFigureOut">
               <a:rPr lang="es-CR" smtClean="0"/>
-              <a:t>18/12/20</a:t>
+              <a:t>5/1/2021</a:t>
             </a:fld>
             <a:endParaRPr lang="es-CR"/>
           </a:p>
@@ -891,7 +896,7 @@
           <p:cNvPr id="5" name="Marcador de pie de página 4">
             <a:extLst>
               <a:ext uri="{FF2B5EF4-FFF2-40B4-BE49-F238E27FC236}">
-                <a16:creationId xmlns:a16="http://schemas.microsoft.com/office/drawing/2014/main" id="{4E2C3C32-BF74-1F4A-9B9D-81114C79E4C7}"/>
+                <a16:creationId xmlns="" xmlns:a16="http://schemas.microsoft.com/office/drawing/2014/main" id="{4E2C3C32-BF74-1F4A-9B9D-81114C79E4C7}"/>
               </a:ext>
             </a:extLst>
           </p:cNvPr>
@@ -916,7 +921,7 @@
           <p:cNvPr id="6" name="Marcador de número de diapositiva 5">
             <a:extLst>
               <a:ext uri="{FF2B5EF4-FFF2-40B4-BE49-F238E27FC236}">
-                <a16:creationId xmlns:a16="http://schemas.microsoft.com/office/drawing/2014/main" id="{CB503657-83D5-CC44-84DF-70A69B74F286}"/>
+                <a16:creationId xmlns="" xmlns:a16="http://schemas.microsoft.com/office/drawing/2014/main" id="{CB503657-83D5-CC44-84DF-70A69B74F286}"/>
               </a:ext>
             </a:extLst>
           </p:cNvPr>
@@ -934,7 +939,7 @@
           <a:p>
             <a:fld id="{E9AFE74B-F05B-FC4A-86D2-E26C75EA14EB}" type="slidenum">
               <a:rPr lang="es-CR" smtClean="0"/>
-              <a:t>‹Nº›</a:t>
+              <a:t>‹#›</a:t>
             </a:fld>
             <a:endParaRPr lang="es-CR"/>
           </a:p>
@@ -975,7 +980,7 @@
           <p:cNvPr id="2" name="Título 1">
             <a:extLst>
               <a:ext uri="{FF2B5EF4-FFF2-40B4-BE49-F238E27FC236}">
-                <a16:creationId xmlns:a16="http://schemas.microsoft.com/office/drawing/2014/main" id="{46323240-A916-B34B-9393-43A0D543FC6E}"/>
+                <a16:creationId xmlns="" xmlns:a16="http://schemas.microsoft.com/office/drawing/2014/main" id="{46323240-A916-B34B-9393-43A0D543FC6E}"/>
               </a:ext>
             </a:extLst>
           </p:cNvPr>
@@ -1013,7 +1018,7 @@
           <p:cNvPr id="3" name="Marcador de texto 2">
             <a:extLst>
               <a:ext uri="{FF2B5EF4-FFF2-40B4-BE49-F238E27FC236}">
-                <a16:creationId xmlns:a16="http://schemas.microsoft.com/office/drawing/2014/main" id="{138351E2-ADD1-AF47-9DBB-10DA81C29031}"/>
+                <a16:creationId xmlns="" xmlns:a16="http://schemas.microsoft.com/office/drawing/2014/main" id="{138351E2-ADD1-AF47-9DBB-10DA81C29031}"/>
               </a:ext>
             </a:extLst>
           </p:cNvPr>
@@ -1138,7 +1143,7 @@
           <p:cNvPr id="4" name="Marcador de fecha 3">
             <a:extLst>
               <a:ext uri="{FF2B5EF4-FFF2-40B4-BE49-F238E27FC236}">
-                <a16:creationId xmlns:a16="http://schemas.microsoft.com/office/drawing/2014/main" id="{7B423D7A-3084-AF44-BB16-C0D555C16D2B}"/>
+                <a16:creationId xmlns="" xmlns:a16="http://schemas.microsoft.com/office/drawing/2014/main" id="{7B423D7A-3084-AF44-BB16-C0D555C16D2B}"/>
               </a:ext>
             </a:extLst>
           </p:cNvPr>
@@ -1156,7 +1161,7 @@
           <a:p>
             <a:fld id="{FDDAC62A-4FD6-724A-8FD9-C2A886EF6C7F}" type="datetimeFigureOut">
               <a:rPr lang="es-CR" smtClean="0"/>
-              <a:t>18/12/20</a:t>
+              <a:t>5/1/2021</a:t>
             </a:fld>
             <a:endParaRPr lang="es-CR"/>
           </a:p>
@@ -1167,7 +1172,7 @@
           <p:cNvPr id="5" name="Marcador de pie de página 4">
             <a:extLst>
               <a:ext uri="{FF2B5EF4-FFF2-40B4-BE49-F238E27FC236}">
-                <a16:creationId xmlns:a16="http://schemas.microsoft.com/office/drawing/2014/main" id="{AED0DA11-92DB-5A4B-926B-6DD06CA31B17}"/>
+                <a16:creationId xmlns="" xmlns:a16="http://schemas.microsoft.com/office/drawing/2014/main" id="{AED0DA11-92DB-5A4B-926B-6DD06CA31B17}"/>
               </a:ext>
             </a:extLst>
           </p:cNvPr>
@@ -1192,7 +1197,7 @@
           <p:cNvPr id="6" name="Marcador de número de diapositiva 5">
             <a:extLst>
               <a:ext uri="{FF2B5EF4-FFF2-40B4-BE49-F238E27FC236}">
-                <a16:creationId xmlns:a16="http://schemas.microsoft.com/office/drawing/2014/main" id="{7BD5C23C-9FCD-CA4C-ACDA-BC8BF58B3805}"/>
+                <a16:creationId xmlns="" xmlns:a16="http://schemas.microsoft.com/office/drawing/2014/main" id="{7BD5C23C-9FCD-CA4C-ACDA-BC8BF58B3805}"/>
               </a:ext>
             </a:extLst>
           </p:cNvPr>
@@ -1210,7 +1215,7 @@
           <a:p>
             <a:fld id="{E9AFE74B-F05B-FC4A-86D2-E26C75EA14EB}" type="slidenum">
               <a:rPr lang="es-CR" smtClean="0"/>
-              <a:t>‹Nº›</a:t>
+              <a:t>‹#›</a:t>
             </a:fld>
             <a:endParaRPr lang="es-CR"/>
           </a:p>
@@ -1251,7 +1256,7 @@
           <p:cNvPr id="2" name="Título 1">
             <a:extLst>
               <a:ext uri="{FF2B5EF4-FFF2-40B4-BE49-F238E27FC236}">
-                <a16:creationId xmlns:a16="http://schemas.microsoft.com/office/drawing/2014/main" id="{3E92537C-8078-5847-BDB3-B2E6E2F44B0C}"/>
+                <a16:creationId xmlns="" xmlns:a16="http://schemas.microsoft.com/office/drawing/2014/main" id="{3E92537C-8078-5847-BDB3-B2E6E2F44B0C}"/>
               </a:ext>
             </a:extLst>
           </p:cNvPr>
@@ -1280,7 +1285,7 @@
           <p:cNvPr id="3" name="Marcador de contenido 2">
             <a:extLst>
               <a:ext uri="{FF2B5EF4-FFF2-40B4-BE49-F238E27FC236}">
-                <a16:creationId xmlns:a16="http://schemas.microsoft.com/office/drawing/2014/main" id="{AF5945E8-ADD8-C943-BF54-549CD77DE5E9}"/>
+                <a16:creationId xmlns="" xmlns:a16="http://schemas.microsoft.com/office/drawing/2014/main" id="{AF5945E8-ADD8-C943-BF54-549CD77DE5E9}"/>
               </a:ext>
             </a:extLst>
           </p:cNvPr>
@@ -1343,7 +1348,7 @@
           <p:cNvPr id="4" name="Marcador de contenido 3">
             <a:extLst>
               <a:ext uri="{FF2B5EF4-FFF2-40B4-BE49-F238E27FC236}">
-                <a16:creationId xmlns:a16="http://schemas.microsoft.com/office/drawing/2014/main" id="{D22746D3-D56E-8A45-BD9E-8E58D65F7554}"/>
+                <a16:creationId xmlns="" xmlns:a16="http://schemas.microsoft.com/office/drawing/2014/main" id="{D22746D3-D56E-8A45-BD9E-8E58D65F7554}"/>
               </a:ext>
             </a:extLst>
           </p:cNvPr>
@@ -1406,7 +1411,7 @@
           <p:cNvPr id="5" name="Marcador de fecha 4">
             <a:extLst>
               <a:ext uri="{FF2B5EF4-FFF2-40B4-BE49-F238E27FC236}">
-                <a16:creationId xmlns:a16="http://schemas.microsoft.com/office/drawing/2014/main" id="{30D988E3-6CC0-F44E-8E2F-BE4857D9274F}"/>
+                <a16:creationId xmlns="" xmlns:a16="http://schemas.microsoft.com/office/drawing/2014/main" id="{30D988E3-6CC0-F44E-8E2F-BE4857D9274F}"/>
               </a:ext>
             </a:extLst>
           </p:cNvPr>
@@ -1424,7 +1429,7 @@
           <a:p>
             <a:fld id="{FDDAC62A-4FD6-724A-8FD9-C2A886EF6C7F}" type="datetimeFigureOut">
               <a:rPr lang="es-CR" smtClean="0"/>
-              <a:t>18/12/20</a:t>
+              <a:t>5/1/2021</a:t>
             </a:fld>
             <a:endParaRPr lang="es-CR"/>
           </a:p>
@@ -1435,7 +1440,7 @@
           <p:cNvPr id="6" name="Marcador de pie de página 5">
             <a:extLst>
               <a:ext uri="{FF2B5EF4-FFF2-40B4-BE49-F238E27FC236}">
-                <a16:creationId xmlns:a16="http://schemas.microsoft.com/office/drawing/2014/main" id="{8411AE57-D978-DF46-8D26-46B22384B94E}"/>
+                <a16:creationId xmlns="" xmlns:a16="http://schemas.microsoft.com/office/drawing/2014/main" id="{8411AE57-D978-DF46-8D26-46B22384B94E}"/>
               </a:ext>
             </a:extLst>
           </p:cNvPr>
@@ -1460,7 +1465,7 @@
           <p:cNvPr id="7" name="Marcador de número de diapositiva 6">
             <a:extLst>
               <a:ext uri="{FF2B5EF4-FFF2-40B4-BE49-F238E27FC236}">
-                <a16:creationId xmlns:a16="http://schemas.microsoft.com/office/drawing/2014/main" id="{956671E7-28E6-5A45-B476-87DE0CF5CA2B}"/>
+                <a16:creationId xmlns="" xmlns:a16="http://schemas.microsoft.com/office/drawing/2014/main" id="{956671E7-28E6-5A45-B476-87DE0CF5CA2B}"/>
               </a:ext>
             </a:extLst>
           </p:cNvPr>
@@ -1478,7 +1483,7 @@
           <a:p>
             <a:fld id="{E9AFE74B-F05B-FC4A-86D2-E26C75EA14EB}" type="slidenum">
               <a:rPr lang="es-CR" smtClean="0"/>
-              <a:t>‹Nº›</a:t>
+              <a:t>‹#›</a:t>
             </a:fld>
             <a:endParaRPr lang="es-CR"/>
           </a:p>
@@ -1519,7 +1524,7 @@
           <p:cNvPr id="2" name="Título 1">
             <a:extLst>
               <a:ext uri="{FF2B5EF4-FFF2-40B4-BE49-F238E27FC236}">
-                <a16:creationId xmlns:a16="http://schemas.microsoft.com/office/drawing/2014/main" id="{E532DCFC-F285-A041-B969-B4B4E2550A25}"/>
+                <a16:creationId xmlns="" xmlns:a16="http://schemas.microsoft.com/office/drawing/2014/main" id="{E532DCFC-F285-A041-B969-B4B4E2550A25}"/>
               </a:ext>
             </a:extLst>
           </p:cNvPr>
@@ -1553,7 +1558,7 @@
           <p:cNvPr id="3" name="Marcador de texto 2">
             <a:extLst>
               <a:ext uri="{FF2B5EF4-FFF2-40B4-BE49-F238E27FC236}">
-                <a16:creationId xmlns:a16="http://schemas.microsoft.com/office/drawing/2014/main" id="{10D3DDE4-1496-A344-8A73-97F1D1D5CB81}"/>
+                <a16:creationId xmlns="" xmlns:a16="http://schemas.microsoft.com/office/drawing/2014/main" id="{10D3DDE4-1496-A344-8A73-97F1D1D5CB81}"/>
               </a:ext>
             </a:extLst>
           </p:cNvPr>
@@ -1624,7 +1629,7 @@
           <p:cNvPr id="4" name="Marcador de contenido 3">
             <a:extLst>
               <a:ext uri="{FF2B5EF4-FFF2-40B4-BE49-F238E27FC236}">
-                <a16:creationId xmlns:a16="http://schemas.microsoft.com/office/drawing/2014/main" id="{35D2516A-41CF-5740-A8A4-7A0A4B15E8EE}"/>
+                <a16:creationId xmlns="" xmlns:a16="http://schemas.microsoft.com/office/drawing/2014/main" id="{35D2516A-41CF-5740-A8A4-7A0A4B15E8EE}"/>
               </a:ext>
             </a:extLst>
           </p:cNvPr>
@@ -1687,7 +1692,7 @@
           <p:cNvPr id="5" name="Marcador de texto 4">
             <a:extLst>
               <a:ext uri="{FF2B5EF4-FFF2-40B4-BE49-F238E27FC236}">
-                <a16:creationId xmlns:a16="http://schemas.microsoft.com/office/drawing/2014/main" id="{4B24E2D6-A0AF-3F4D-99BC-D5FFE5755CD7}"/>
+                <a16:creationId xmlns="" xmlns:a16="http://schemas.microsoft.com/office/drawing/2014/main" id="{4B24E2D6-A0AF-3F4D-99BC-D5FFE5755CD7}"/>
               </a:ext>
             </a:extLst>
           </p:cNvPr>
@@ -1758,7 +1763,7 @@
           <p:cNvPr id="6" name="Marcador de contenido 5">
             <a:extLst>
               <a:ext uri="{FF2B5EF4-FFF2-40B4-BE49-F238E27FC236}">
-                <a16:creationId xmlns:a16="http://schemas.microsoft.com/office/drawing/2014/main" id="{8805DA70-AAE8-FC47-A290-273ABDBFDE9D}"/>
+                <a16:creationId xmlns="" xmlns:a16="http://schemas.microsoft.com/office/drawing/2014/main" id="{8805DA70-AAE8-FC47-A290-273ABDBFDE9D}"/>
               </a:ext>
             </a:extLst>
           </p:cNvPr>
@@ -1821,7 +1826,7 @@
           <p:cNvPr id="7" name="Marcador de fecha 6">
             <a:extLst>
               <a:ext uri="{FF2B5EF4-FFF2-40B4-BE49-F238E27FC236}">
-                <a16:creationId xmlns:a16="http://schemas.microsoft.com/office/drawing/2014/main" id="{7B08FBD3-41D6-BA4C-B25B-AD14C1508C04}"/>
+                <a16:creationId xmlns="" xmlns:a16="http://schemas.microsoft.com/office/drawing/2014/main" id="{7B08FBD3-41D6-BA4C-B25B-AD14C1508C04}"/>
               </a:ext>
             </a:extLst>
           </p:cNvPr>
@@ -1839,7 +1844,7 @@
           <a:p>
             <a:fld id="{FDDAC62A-4FD6-724A-8FD9-C2A886EF6C7F}" type="datetimeFigureOut">
               <a:rPr lang="es-CR" smtClean="0"/>
-              <a:t>18/12/20</a:t>
+              <a:t>5/1/2021</a:t>
             </a:fld>
             <a:endParaRPr lang="es-CR"/>
           </a:p>
@@ -1850,7 +1855,7 @@
           <p:cNvPr id="8" name="Marcador de pie de página 7">
             <a:extLst>
               <a:ext uri="{FF2B5EF4-FFF2-40B4-BE49-F238E27FC236}">
-                <a16:creationId xmlns:a16="http://schemas.microsoft.com/office/drawing/2014/main" id="{65D2A37C-8D4A-B54A-9356-1F460F21AC20}"/>
+                <a16:creationId xmlns="" xmlns:a16="http://schemas.microsoft.com/office/drawing/2014/main" id="{65D2A37C-8D4A-B54A-9356-1F460F21AC20}"/>
               </a:ext>
             </a:extLst>
           </p:cNvPr>
@@ -1875,7 +1880,7 @@
           <p:cNvPr id="9" name="Marcador de número de diapositiva 8">
             <a:extLst>
               <a:ext uri="{FF2B5EF4-FFF2-40B4-BE49-F238E27FC236}">
-                <a16:creationId xmlns:a16="http://schemas.microsoft.com/office/drawing/2014/main" id="{FD653DC2-EA48-BB4E-A141-FE9B201C1070}"/>
+                <a16:creationId xmlns="" xmlns:a16="http://schemas.microsoft.com/office/drawing/2014/main" id="{FD653DC2-EA48-BB4E-A141-FE9B201C1070}"/>
               </a:ext>
             </a:extLst>
           </p:cNvPr>
@@ -1893,7 +1898,7 @@
           <a:p>
             <a:fld id="{E9AFE74B-F05B-FC4A-86D2-E26C75EA14EB}" type="slidenum">
               <a:rPr lang="es-CR" smtClean="0"/>
-              <a:t>‹Nº›</a:t>
+              <a:t>‹#›</a:t>
             </a:fld>
             <a:endParaRPr lang="es-CR"/>
           </a:p>
@@ -1934,7 +1939,7 @@
           <p:cNvPr id="2" name="Título 1">
             <a:extLst>
               <a:ext uri="{FF2B5EF4-FFF2-40B4-BE49-F238E27FC236}">
-                <a16:creationId xmlns:a16="http://schemas.microsoft.com/office/drawing/2014/main" id="{BB5B3B1E-3F03-8345-B0D1-33B081AD6C38}"/>
+                <a16:creationId xmlns="" xmlns:a16="http://schemas.microsoft.com/office/drawing/2014/main" id="{BB5B3B1E-3F03-8345-B0D1-33B081AD6C38}"/>
               </a:ext>
             </a:extLst>
           </p:cNvPr>
@@ -1963,7 +1968,7 @@
           <p:cNvPr id="3" name="Marcador de fecha 2">
             <a:extLst>
               <a:ext uri="{FF2B5EF4-FFF2-40B4-BE49-F238E27FC236}">
-                <a16:creationId xmlns:a16="http://schemas.microsoft.com/office/drawing/2014/main" id="{222C35B7-0ADD-D840-9BA7-FD371651D242}"/>
+                <a16:creationId xmlns="" xmlns:a16="http://schemas.microsoft.com/office/drawing/2014/main" id="{222C35B7-0ADD-D840-9BA7-FD371651D242}"/>
               </a:ext>
             </a:extLst>
           </p:cNvPr>
@@ -1981,7 +1986,7 @@
           <a:p>
             <a:fld id="{FDDAC62A-4FD6-724A-8FD9-C2A886EF6C7F}" type="datetimeFigureOut">
               <a:rPr lang="es-CR" smtClean="0"/>
-              <a:t>18/12/20</a:t>
+              <a:t>5/1/2021</a:t>
             </a:fld>
             <a:endParaRPr lang="es-CR"/>
           </a:p>
@@ -1992,7 +1997,7 @@
           <p:cNvPr id="4" name="Marcador de pie de página 3">
             <a:extLst>
               <a:ext uri="{FF2B5EF4-FFF2-40B4-BE49-F238E27FC236}">
-                <a16:creationId xmlns:a16="http://schemas.microsoft.com/office/drawing/2014/main" id="{FB370794-614E-CC40-AEA4-D61B529C9019}"/>
+                <a16:creationId xmlns="" xmlns:a16="http://schemas.microsoft.com/office/drawing/2014/main" id="{FB370794-614E-CC40-AEA4-D61B529C9019}"/>
               </a:ext>
             </a:extLst>
           </p:cNvPr>
@@ -2017,7 +2022,7 @@
           <p:cNvPr id="5" name="Marcador de número de diapositiva 4">
             <a:extLst>
               <a:ext uri="{FF2B5EF4-FFF2-40B4-BE49-F238E27FC236}">
-                <a16:creationId xmlns:a16="http://schemas.microsoft.com/office/drawing/2014/main" id="{46662854-7C93-7F48-A0F4-DC24EFFF6A5A}"/>
+                <a16:creationId xmlns="" xmlns:a16="http://schemas.microsoft.com/office/drawing/2014/main" id="{46662854-7C93-7F48-A0F4-DC24EFFF6A5A}"/>
               </a:ext>
             </a:extLst>
           </p:cNvPr>
@@ -2035,7 +2040,7 @@
           <a:p>
             <a:fld id="{E9AFE74B-F05B-FC4A-86D2-E26C75EA14EB}" type="slidenum">
               <a:rPr lang="es-CR" smtClean="0"/>
-              <a:t>‹Nº›</a:t>
+              <a:t>‹#›</a:t>
             </a:fld>
             <a:endParaRPr lang="es-CR"/>
           </a:p>
@@ -2076,7 +2081,7 @@
           <p:cNvPr id="2" name="Marcador de fecha 1">
             <a:extLst>
               <a:ext uri="{FF2B5EF4-FFF2-40B4-BE49-F238E27FC236}">
-                <a16:creationId xmlns:a16="http://schemas.microsoft.com/office/drawing/2014/main" id="{995CAC29-CD15-C647-85E1-6536588505C1}"/>
+                <a16:creationId xmlns="" xmlns:a16="http://schemas.microsoft.com/office/drawing/2014/main" id="{995CAC29-CD15-C647-85E1-6536588505C1}"/>
               </a:ext>
             </a:extLst>
           </p:cNvPr>
@@ -2094,7 +2099,7 @@
           <a:p>
             <a:fld id="{FDDAC62A-4FD6-724A-8FD9-C2A886EF6C7F}" type="datetimeFigureOut">
               <a:rPr lang="es-CR" smtClean="0"/>
-              <a:t>18/12/20</a:t>
+              <a:t>5/1/2021</a:t>
             </a:fld>
             <a:endParaRPr lang="es-CR"/>
           </a:p>
@@ -2105,7 +2110,7 @@
           <p:cNvPr id="3" name="Marcador de pie de página 2">
             <a:extLst>
               <a:ext uri="{FF2B5EF4-FFF2-40B4-BE49-F238E27FC236}">
-                <a16:creationId xmlns:a16="http://schemas.microsoft.com/office/drawing/2014/main" id="{4F318E2D-5E97-6145-91EB-0E58FF3E6AE4}"/>
+                <a16:creationId xmlns="" xmlns:a16="http://schemas.microsoft.com/office/drawing/2014/main" id="{4F318E2D-5E97-6145-91EB-0E58FF3E6AE4}"/>
               </a:ext>
             </a:extLst>
           </p:cNvPr>
@@ -2130,7 +2135,7 @@
           <p:cNvPr id="4" name="Marcador de número de diapositiva 3">
             <a:extLst>
               <a:ext uri="{FF2B5EF4-FFF2-40B4-BE49-F238E27FC236}">
-                <a16:creationId xmlns:a16="http://schemas.microsoft.com/office/drawing/2014/main" id="{9D9F022D-7662-2447-841E-968CA07CE5D8}"/>
+                <a16:creationId xmlns="" xmlns:a16="http://schemas.microsoft.com/office/drawing/2014/main" id="{9D9F022D-7662-2447-841E-968CA07CE5D8}"/>
               </a:ext>
             </a:extLst>
           </p:cNvPr>
@@ -2148,7 +2153,7 @@
           <a:p>
             <a:fld id="{E9AFE74B-F05B-FC4A-86D2-E26C75EA14EB}" type="slidenum">
               <a:rPr lang="es-CR" smtClean="0"/>
-              <a:t>‹Nº›</a:t>
+              <a:t>‹#›</a:t>
             </a:fld>
             <a:endParaRPr lang="es-CR"/>
           </a:p>
@@ -2189,7 +2194,7 @@
           <p:cNvPr id="2" name="Título 1">
             <a:extLst>
               <a:ext uri="{FF2B5EF4-FFF2-40B4-BE49-F238E27FC236}">
-                <a16:creationId xmlns:a16="http://schemas.microsoft.com/office/drawing/2014/main" id="{19EB97AF-1072-E74E-8DB7-1B6F78C7144A}"/>
+                <a16:creationId xmlns="" xmlns:a16="http://schemas.microsoft.com/office/drawing/2014/main" id="{19EB97AF-1072-E74E-8DB7-1B6F78C7144A}"/>
               </a:ext>
             </a:extLst>
           </p:cNvPr>
@@ -2227,7 +2232,7 @@
           <p:cNvPr id="3" name="Marcador de contenido 2">
             <a:extLst>
               <a:ext uri="{FF2B5EF4-FFF2-40B4-BE49-F238E27FC236}">
-                <a16:creationId xmlns:a16="http://schemas.microsoft.com/office/drawing/2014/main" id="{6B8B864D-E71B-6549-95F5-D0879D932FB1}"/>
+                <a16:creationId xmlns="" xmlns:a16="http://schemas.microsoft.com/office/drawing/2014/main" id="{6B8B864D-E71B-6549-95F5-D0879D932FB1}"/>
               </a:ext>
             </a:extLst>
           </p:cNvPr>
@@ -2318,7 +2323,7 @@
           <p:cNvPr id="4" name="Marcador de texto 3">
             <a:extLst>
               <a:ext uri="{FF2B5EF4-FFF2-40B4-BE49-F238E27FC236}">
-                <a16:creationId xmlns:a16="http://schemas.microsoft.com/office/drawing/2014/main" id="{C133A80D-74C3-1647-A90B-D51E95407032}"/>
+                <a16:creationId xmlns="" xmlns:a16="http://schemas.microsoft.com/office/drawing/2014/main" id="{C133A80D-74C3-1647-A90B-D51E95407032}"/>
               </a:ext>
             </a:extLst>
           </p:cNvPr>
@@ -2389,7 +2394,7 @@
           <p:cNvPr id="5" name="Marcador de fecha 4">
             <a:extLst>
               <a:ext uri="{FF2B5EF4-FFF2-40B4-BE49-F238E27FC236}">
-                <a16:creationId xmlns:a16="http://schemas.microsoft.com/office/drawing/2014/main" id="{4C0E67F6-1075-5C42-9341-A59F32E8A7CF}"/>
+                <a16:creationId xmlns="" xmlns:a16="http://schemas.microsoft.com/office/drawing/2014/main" id="{4C0E67F6-1075-5C42-9341-A59F32E8A7CF}"/>
               </a:ext>
             </a:extLst>
           </p:cNvPr>
@@ -2407,7 +2412,7 @@
           <a:p>
             <a:fld id="{FDDAC62A-4FD6-724A-8FD9-C2A886EF6C7F}" type="datetimeFigureOut">
               <a:rPr lang="es-CR" smtClean="0"/>
-              <a:t>18/12/20</a:t>
+              <a:t>5/1/2021</a:t>
             </a:fld>
             <a:endParaRPr lang="es-CR"/>
           </a:p>
@@ -2418,7 +2423,7 @@
           <p:cNvPr id="6" name="Marcador de pie de página 5">
             <a:extLst>
               <a:ext uri="{FF2B5EF4-FFF2-40B4-BE49-F238E27FC236}">
-                <a16:creationId xmlns:a16="http://schemas.microsoft.com/office/drawing/2014/main" id="{9221990C-9B37-7544-866C-745C8C5AC17F}"/>
+                <a16:creationId xmlns="" xmlns:a16="http://schemas.microsoft.com/office/drawing/2014/main" id="{9221990C-9B37-7544-866C-745C8C5AC17F}"/>
               </a:ext>
             </a:extLst>
           </p:cNvPr>
@@ -2443,7 +2448,7 @@
           <p:cNvPr id="7" name="Marcador de número de diapositiva 6">
             <a:extLst>
               <a:ext uri="{FF2B5EF4-FFF2-40B4-BE49-F238E27FC236}">
-                <a16:creationId xmlns:a16="http://schemas.microsoft.com/office/drawing/2014/main" id="{85217C98-9DAE-1843-9432-21937C32F994}"/>
+                <a16:creationId xmlns="" xmlns:a16="http://schemas.microsoft.com/office/drawing/2014/main" id="{85217C98-9DAE-1843-9432-21937C32F994}"/>
               </a:ext>
             </a:extLst>
           </p:cNvPr>
@@ -2461,7 +2466,7 @@
           <a:p>
             <a:fld id="{E9AFE74B-F05B-FC4A-86D2-E26C75EA14EB}" type="slidenum">
               <a:rPr lang="es-CR" smtClean="0"/>
-              <a:t>‹Nº›</a:t>
+              <a:t>‹#›</a:t>
             </a:fld>
             <a:endParaRPr lang="es-CR"/>
           </a:p>
@@ -2502,7 +2507,7 @@
           <p:cNvPr id="2" name="Título 1">
             <a:extLst>
               <a:ext uri="{FF2B5EF4-FFF2-40B4-BE49-F238E27FC236}">
-                <a16:creationId xmlns:a16="http://schemas.microsoft.com/office/drawing/2014/main" id="{261F754B-771B-C347-87B4-9A855B6FD8B3}"/>
+                <a16:creationId xmlns="" xmlns:a16="http://schemas.microsoft.com/office/drawing/2014/main" id="{261F754B-771B-C347-87B4-9A855B6FD8B3}"/>
               </a:ext>
             </a:extLst>
           </p:cNvPr>
@@ -2540,7 +2545,7 @@
           <p:cNvPr id="3" name="Marcador de posición de imagen 2">
             <a:extLst>
               <a:ext uri="{FF2B5EF4-FFF2-40B4-BE49-F238E27FC236}">
-                <a16:creationId xmlns:a16="http://schemas.microsoft.com/office/drawing/2014/main" id="{B38B5963-C0C7-804B-88B8-3FCE6C28E304}"/>
+                <a16:creationId xmlns="" xmlns:a16="http://schemas.microsoft.com/office/drawing/2014/main" id="{B38B5963-C0C7-804B-88B8-3FCE6C28E304}"/>
               </a:ext>
             </a:extLst>
           </p:cNvPr>
@@ -2607,7 +2612,7 @@
           <p:cNvPr id="4" name="Marcador de texto 3">
             <a:extLst>
               <a:ext uri="{FF2B5EF4-FFF2-40B4-BE49-F238E27FC236}">
-                <a16:creationId xmlns:a16="http://schemas.microsoft.com/office/drawing/2014/main" id="{95C3DF74-5407-C84A-8400-1019A09C4F37}"/>
+                <a16:creationId xmlns="" xmlns:a16="http://schemas.microsoft.com/office/drawing/2014/main" id="{95C3DF74-5407-C84A-8400-1019A09C4F37}"/>
               </a:ext>
             </a:extLst>
           </p:cNvPr>
@@ -2678,7 +2683,7 @@
           <p:cNvPr id="5" name="Marcador de fecha 4">
             <a:extLst>
               <a:ext uri="{FF2B5EF4-FFF2-40B4-BE49-F238E27FC236}">
-                <a16:creationId xmlns:a16="http://schemas.microsoft.com/office/drawing/2014/main" id="{9746E7A3-EBD8-DD44-B4C5-DEFB452779CF}"/>
+                <a16:creationId xmlns="" xmlns:a16="http://schemas.microsoft.com/office/drawing/2014/main" id="{9746E7A3-EBD8-DD44-B4C5-DEFB452779CF}"/>
               </a:ext>
             </a:extLst>
           </p:cNvPr>
@@ -2696,7 +2701,7 @@
           <a:p>
             <a:fld id="{FDDAC62A-4FD6-724A-8FD9-C2A886EF6C7F}" type="datetimeFigureOut">
               <a:rPr lang="es-CR" smtClean="0"/>
-              <a:t>18/12/20</a:t>
+              <a:t>5/1/2021</a:t>
             </a:fld>
             <a:endParaRPr lang="es-CR"/>
           </a:p>
@@ -2707,7 +2712,7 @@
           <p:cNvPr id="6" name="Marcador de pie de página 5">
             <a:extLst>
               <a:ext uri="{FF2B5EF4-FFF2-40B4-BE49-F238E27FC236}">
-                <a16:creationId xmlns:a16="http://schemas.microsoft.com/office/drawing/2014/main" id="{8C3078F2-E3F3-6E46-97DF-B6FF977B94FC}"/>
+                <a16:creationId xmlns="" xmlns:a16="http://schemas.microsoft.com/office/drawing/2014/main" id="{8C3078F2-E3F3-6E46-97DF-B6FF977B94FC}"/>
               </a:ext>
             </a:extLst>
           </p:cNvPr>
@@ -2732,7 +2737,7 @@
           <p:cNvPr id="7" name="Marcador de número de diapositiva 6">
             <a:extLst>
               <a:ext uri="{FF2B5EF4-FFF2-40B4-BE49-F238E27FC236}">
-                <a16:creationId xmlns:a16="http://schemas.microsoft.com/office/drawing/2014/main" id="{53ED8016-4E26-DB42-A70D-BA9AB6879E42}"/>
+                <a16:creationId xmlns="" xmlns:a16="http://schemas.microsoft.com/office/drawing/2014/main" id="{53ED8016-4E26-DB42-A70D-BA9AB6879E42}"/>
               </a:ext>
             </a:extLst>
           </p:cNvPr>
@@ -2750,7 +2755,7 @@
           <a:p>
             <a:fld id="{E9AFE74B-F05B-FC4A-86D2-E26C75EA14EB}" type="slidenum">
               <a:rPr lang="es-CR" smtClean="0"/>
-              <a:t>‹Nº›</a:t>
+              <a:t>‹#›</a:t>
             </a:fld>
             <a:endParaRPr lang="es-CR"/>
           </a:p>
@@ -2796,7 +2801,7 @@
           <p:cNvPr id="2" name="Marcador de título 1">
             <a:extLst>
               <a:ext uri="{FF2B5EF4-FFF2-40B4-BE49-F238E27FC236}">
-                <a16:creationId xmlns:a16="http://schemas.microsoft.com/office/drawing/2014/main" id="{D6CA8B2E-AC1E-534B-8CD3-108EE63C54DC}"/>
+                <a16:creationId xmlns="" xmlns:a16="http://schemas.microsoft.com/office/drawing/2014/main" id="{D6CA8B2E-AC1E-534B-8CD3-108EE63C54DC}"/>
               </a:ext>
             </a:extLst>
           </p:cNvPr>
@@ -2835,7 +2840,7 @@
           <p:cNvPr id="3" name="Marcador de texto 2">
             <a:extLst>
               <a:ext uri="{FF2B5EF4-FFF2-40B4-BE49-F238E27FC236}">
-                <a16:creationId xmlns:a16="http://schemas.microsoft.com/office/drawing/2014/main" id="{E93FEA39-6C6A-714E-AF4C-8BF2B37F032A}"/>
+                <a16:creationId xmlns="" xmlns:a16="http://schemas.microsoft.com/office/drawing/2014/main" id="{E93FEA39-6C6A-714E-AF4C-8BF2B37F032A}"/>
               </a:ext>
             </a:extLst>
           </p:cNvPr>
@@ -2903,7 +2908,7 @@
           <p:cNvPr id="4" name="Marcador de fecha 3">
             <a:extLst>
               <a:ext uri="{FF2B5EF4-FFF2-40B4-BE49-F238E27FC236}">
-                <a16:creationId xmlns:a16="http://schemas.microsoft.com/office/drawing/2014/main" id="{AAF3D4A9-B8DA-2145-BB3B-B6F6F34DB569}"/>
+                <a16:creationId xmlns="" xmlns:a16="http://schemas.microsoft.com/office/drawing/2014/main" id="{AAF3D4A9-B8DA-2145-BB3B-B6F6F34DB569}"/>
               </a:ext>
             </a:extLst>
           </p:cNvPr>
@@ -2939,7 +2944,7 @@
           <a:p>
             <a:fld id="{FDDAC62A-4FD6-724A-8FD9-C2A886EF6C7F}" type="datetimeFigureOut">
               <a:rPr lang="es-CR" smtClean="0"/>
-              <a:t>18/12/20</a:t>
+              <a:t>5/1/2021</a:t>
             </a:fld>
             <a:endParaRPr lang="es-CR"/>
           </a:p>
@@ -2950,7 +2955,7 @@
           <p:cNvPr id="5" name="Marcador de pie de página 4">
             <a:extLst>
               <a:ext uri="{FF2B5EF4-FFF2-40B4-BE49-F238E27FC236}">
-                <a16:creationId xmlns:a16="http://schemas.microsoft.com/office/drawing/2014/main" id="{A90ADE6A-8B8F-7547-B386-A82BA9DA1307}"/>
+                <a16:creationId xmlns="" xmlns:a16="http://schemas.microsoft.com/office/drawing/2014/main" id="{A90ADE6A-8B8F-7547-B386-A82BA9DA1307}"/>
               </a:ext>
             </a:extLst>
           </p:cNvPr>
@@ -2993,7 +2998,7 @@
           <p:cNvPr id="6" name="Marcador de número de diapositiva 5">
             <a:extLst>
               <a:ext uri="{FF2B5EF4-FFF2-40B4-BE49-F238E27FC236}">
-                <a16:creationId xmlns:a16="http://schemas.microsoft.com/office/drawing/2014/main" id="{410B89B9-DA61-8D48-BA78-CBD1987E1D27}"/>
+                <a16:creationId xmlns="" xmlns:a16="http://schemas.microsoft.com/office/drawing/2014/main" id="{410B89B9-DA61-8D48-BA78-CBD1987E1D27}"/>
               </a:ext>
             </a:extLst>
           </p:cNvPr>
@@ -3029,7 +3034,7 @@
           <a:p>
             <a:fld id="{E9AFE74B-F05B-FC4A-86D2-E26C75EA14EB}" type="slidenum">
               <a:rPr lang="es-CR" smtClean="0"/>
-              <a:t>‹Nº›</a:t>
+              <a:t>‹#›</a:t>
             </a:fld>
             <a:endParaRPr lang="es-CR"/>
           </a:p>
@@ -3361,7 +3366,7 @@
           <p:cNvPr id="3" name="Subtítulo 2">
             <a:extLst>
               <a:ext uri="{FF2B5EF4-FFF2-40B4-BE49-F238E27FC236}">
-                <a16:creationId xmlns:a16="http://schemas.microsoft.com/office/drawing/2014/main" id="{77068AF5-B06E-5B4F-BE72-AF8A3201CC65}"/>
+                <a16:creationId xmlns="" xmlns:a16="http://schemas.microsoft.com/office/drawing/2014/main" id="{77068AF5-B06E-5B4F-BE72-AF8A3201CC65}"/>
               </a:ext>
             </a:extLst>
           </p:cNvPr>
@@ -3386,7 +3391,7 @@
           <p:cNvPr id="2050" name="Picture 2" descr="GP_Guides (BS 4)">
             <a:extLst>
               <a:ext uri="{FF2B5EF4-FFF2-40B4-BE49-F238E27FC236}">
-                <a16:creationId xmlns:a16="http://schemas.microsoft.com/office/drawing/2014/main" id="{9286F42D-84CC-1D46-A487-13B9985B0A51}"/>
+                <a16:creationId xmlns="" xmlns:a16="http://schemas.microsoft.com/office/drawing/2014/main" id="{9286F42D-84CC-1D46-A487-13B9985B0A51}"/>
               </a:ext>
             </a:extLst>
           </p:cNvPr>
@@ -3433,7 +3438,7 @@
           <p:cNvPr id="8" name="Rectángulo redondeado 7">
             <a:extLst>
               <a:ext uri="{FF2B5EF4-FFF2-40B4-BE49-F238E27FC236}">
-                <a16:creationId xmlns:a16="http://schemas.microsoft.com/office/drawing/2014/main" id="{A6ABD636-A198-134D-8215-A48B440BA6D7}"/>
+                <a16:creationId xmlns="" xmlns:a16="http://schemas.microsoft.com/office/drawing/2014/main" id="{A6ABD636-A198-134D-8215-A48B440BA6D7}"/>
               </a:ext>
             </a:extLst>
           </p:cNvPr>
@@ -3529,7 +3534,7 @@
           <p:cNvPr id="2" name="Título 1">
             <a:extLst>
               <a:ext uri="{FF2B5EF4-FFF2-40B4-BE49-F238E27FC236}">
-                <a16:creationId xmlns:a16="http://schemas.microsoft.com/office/drawing/2014/main" id="{9E49CA22-4C83-6340-AC8B-9C720FF31B17}"/>
+                <a16:creationId xmlns="" xmlns:a16="http://schemas.microsoft.com/office/drawing/2014/main" id="{9E49CA22-4C83-6340-AC8B-9C720FF31B17}"/>
               </a:ext>
             </a:extLst>
           </p:cNvPr>
@@ -3561,7 +3566,7 @@
           <p:cNvPr id="3" name="Marcador de contenido 2">
             <a:extLst>
               <a:ext uri="{FF2B5EF4-FFF2-40B4-BE49-F238E27FC236}">
-                <a16:creationId xmlns:a16="http://schemas.microsoft.com/office/drawing/2014/main" id="{A7A84354-4B8C-2840-9DEB-955C34342337}"/>
+                <a16:creationId xmlns="" xmlns:a16="http://schemas.microsoft.com/office/drawing/2014/main" id="{A7A84354-4B8C-2840-9DEB-955C34342337}"/>
               </a:ext>
             </a:extLst>
           </p:cNvPr>
@@ -3638,7 +3643,7 @@
           <p:cNvPr id="9" name="Rectángulo redondeado 8">
             <a:extLst>
               <a:ext uri="{FF2B5EF4-FFF2-40B4-BE49-F238E27FC236}">
-                <a16:creationId xmlns:a16="http://schemas.microsoft.com/office/drawing/2014/main" id="{89ECBAA0-16FD-964F-A97A-4541198C2922}"/>
+                <a16:creationId xmlns="" xmlns:a16="http://schemas.microsoft.com/office/drawing/2014/main" id="{89ECBAA0-16FD-964F-A97A-4541198C2922}"/>
               </a:ext>
             </a:extLst>
           </p:cNvPr>
@@ -3695,7 +3700,7 @@
           <p:cNvPr id="10" name="Picture 6">
             <a:extLst>
               <a:ext uri="{FF2B5EF4-FFF2-40B4-BE49-F238E27FC236}">
-                <a16:creationId xmlns:a16="http://schemas.microsoft.com/office/drawing/2014/main" id="{5B48FADF-06BB-B94C-9A5A-D6E2B1E18768}"/>
+                <a16:creationId xmlns="" xmlns:a16="http://schemas.microsoft.com/office/drawing/2014/main" id="{5B48FADF-06BB-B94C-9A5A-D6E2B1E18768}"/>
               </a:ext>
             </a:extLst>
           </p:cNvPr>
@@ -3780,7 +3785,7 @@
           <p:cNvPr id="2" name="Título 1">
             <a:extLst>
               <a:ext uri="{FF2B5EF4-FFF2-40B4-BE49-F238E27FC236}">
-                <a16:creationId xmlns:a16="http://schemas.microsoft.com/office/drawing/2014/main" id="{A237D942-44B3-1A49-8F1E-37DAA1CC005A}"/>
+                <a16:creationId xmlns="" xmlns:a16="http://schemas.microsoft.com/office/drawing/2014/main" id="{A237D942-44B3-1A49-8F1E-37DAA1CC005A}"/>
               </a:ext>
             </a:extLst>
           </p:cNvPr>
@@ -3808,7 +3813,7 @@
           <p:cNvPr id="3" name="Marcador de contenido 2">
             <a:extLst>
               <a:ext uri="{FF2B5EF4-FFF2-40B4-BE49-F238E27FC236}">
-                <a16:creationId xmlns:a16="http://schemas.microsoft.com/office/drawing/2014/main" id="{72A9E977-D8F6-564B-B5A1-6BBE24F2B2EF}"/>
+                <a16:creationId xmlns="" xmlns:a16="http://schemas.microsoft.com/office/drawing/2014/main" id="{72A9E977-D8F6-564B-B5A1-6BBE24F2B2EF}"/>
               </a:ext>
             </a:extLst>
           </p:cNvPr>
@@ -3887,7 +3892,7 @@
           <p:cNvPr id="8" name="Imagen 7">
             <a:extLst>
               <a:ext uri="{FF2B5EF4-FFF2-40B4-BE49-F238E27FC236}">
-                <a16:creationId xmlns:a16="http://schemas.microsoft.com/office/drawing/2014/main" id="{5DF8F730-9EAC-5A49-9E31-C24A0CB85086}"/>
+                <a16:creationId xmlns="" xmlns:a16="http://schemas.microsoft.com/office/drawing/2014/main" id="{5DF8F730-9EAC-5A49-9E31-C24A0CB85086}"/>
               </a:ext>
             </a:extLst>
           </p:cNvPr>
@@ -3957,7 +3962,7 @@
           <p:cNvPr id="2" name="Título 1">
             <a:extLst>
               <a:ext uri="{FF2B5EF4-FFF2-40B4-BE49-F238E27FC236}">
-                <a16:creationId xmlns:a16="http://schemas.microsoft.com/office/drawing/2014/main" id="{A237D942-44B3-1A49-8F1E-37DAA1CC005A}"/>
+                <a16:creationId xmlns="" xmlns:a16="http://schemas.microsoft.com/office/drawing/2014/main" id="{A237D942-44B3-1A49-8F1E-37DAA1CC005A}"/>
               </a:ext>
             </a:extLst>
           </p:cNvPr>
@@ -3989,7 +3994,7 @@
           <p:cNvPr id="3" name="Marcador de contenido 2">
             <a:extLst>
               <a:ext uri="{FF2B5EF4-FFF2-40B4-BE49-F238E27FC236}">
-                <a16:creationId xmlns:a16="http://schemas.microsoft.com/office/drawing/2014/main" id="{72A9E977-D8F6-564B-B5A1-6BBE24F2B2EF}"/>
+                <a16:creationId xmlns="" xmlns:a16="http://schemas.microsoft.com/office/drawing/2014/main" id="{72A9E977-D8F6-564B-B5A1-6BBE24F2B2EF}"/>
               </a:ext>
             </a:extLst>
           </p:cNvPr>
@@ -4106,7 +4111,7 @@
           <p:cNvPr id="2" name="Título 1">
             <a:extLst>
               <a:ext uri="{FF2B5EF4-FFF2-40B4-BE49-F238E27FC236}">
-                <a16:creationId xmlns:a16="http://schemas.microsoft.com/office/drawing/2014/main" id="{A237D942-44B3-1A49-8F1E-37DAA1CC005A}"/>
+                <a16:creationId xmlns="" xmlns:a16="http://schemas.microsoft.com/office/drawing/2014/main" id="{A237D942-44B3-1A49-8F1E-37DAA1CC005A}"/>
               </a:ext>
             </a:extLst>
           </p:cNvPr>
@@ -4134,7 +4139,7 @@
           <p:cNvPr id="3" name="Marcador de contenido 2">
             <a:extLst>
               <a:ext uri="{FF2B5EF4-FFF2-40B4-BE49-F238E27FC236}">
-                <a16:creationId xmlns:a16="http://schemas.microsoft.com/office/drawing/2014/main" id="{72A9E977-D8F6-564B-B5A1-6BBE24F2B2EF}"/>
+                <a16:creationId xmlns="" xmlns:a16="http://schemas.microsoft.com/office/drawing/2014/main" id="{72A9E977-D8F6-564B-B5A1-6BBE24F2B2EF}"/>
               </a:ext>
             </a:extLst>
           </p:cNvPr>
@@ -4202,7 +4207,7 @@
           <p:cNvPr id="5" name="Grupo 4">
             <a:extLst>
               <a:ext uri="{FF2B5EF4-FFF2-40B4-BE49-F238E27FC236}">
-                <a16:creationId xmlns:a16="http://schemas.microsoft.com/office/drawing/2014/main" id="{A11CCD0C-0EC7-2642-9D06-0557D05398ED}"/>
+                <a16:creationId xmlns="" xmlns:a16="http://schemas.microsoft.com/office/drawing/2014/main" id="{A11CCD0C-0EC7-2642-9D06-0557D05398ED}"/>
               </a:ext>
             </a:extLst>
           </p:cNvPr>
@@ -4222,7 +4227,7 @@
             <p:cNvPr id="6" name="Rectángulo redondeado 5">
               <a:extLst>
                 <a:ext uri="{FF2B5EF4-FFF2-40B4-BE49-F238E27FC236}">
-                  <a16:creationId xmlns:a16="http://schemas.microsoft.com/office/drawing/2014/main" id="{332414F5-2E4D-DD40-851E-3FC2FB49EC84}"/>
+                  <a16:creationId xmlns="" xmlns:a16="http://schemas.microsoft.com/office/drawing/2014/main" id="{332414F5-2E4D-DD40-851E-3FC2FB49EC84}"/>
                 </a:ext>
               </a:extLst>
             </p:cNvPr>
@@ -4274,7 +4279,7 @@
             <p:cNvPr id="7" name="Picture 24" descr="Cuadros de Mando con Power BI – Next-Step Consultores">
               <a:extLst>
                 <a:ext uri="{FF2B5EF4-FFF2-40B4-BE49-F238E27FC236}">
-                  <a16:creationId xmlns:a16="http://schemas.microsoft.com/office/drawing/2014/main" id="{4277B5A6-38E2-FA49-84F9-81C521275544}"/>
+                  <a16:creationId xmlns="" xmlns:a16="http://schemas.microsoft.com/office/drawing/2014/main" id="{4277B5A6-38E2-FA49-84F9-81C521275544}"/>
                 </a:ext>
               </a:extLst>
             </p:cNvPr>
@@ -4358,7 +4363,7 @@
           <p:cNvPr id="2" name="Título 1">
             <a:extLst>
               <a:ext uri="{FF2B5EF4-FFF2-40B4-BE49-F238E27FC236}">
-                <a16:creationId xmlns:a16="http://schemas.microsoft.com/office/drawing/2014/main" id="{A237D942-44B3-1A49-8F1E-37DAA1CC005A}"/>
+                <a16:creationId xmlns="" xmlns:a16="http://schemas.microsoft.com/office/drawing/2014/main" id="{A237D942-44B3-1A49-8F1E-37DAA1CC005A}"/>
               </a:ext>
             </a:extLst>
           </p:cNvPr>
@@ -4386,7 +4391,7 @@
           <p:cNvPr id="3" name="Marcador de contenido 2">
             <a:extLst>
               <a:ext uri="{FF2B5EF4-FFF2-40B4-BE49-F238E27FC236}">
-                <a16:creationId xmlns:a16="http://schemas.microsoft.com/office/drawing/2014/main" id="{72A9E977-D8F6-564B-B5A1-6BBE24F2B2EF}"/>
+                <a16:creationId xmlns="" xmlns:a16="http://schemas.microsoft.com/office/drawing/2014/main" id="{72A9E977-D8F6-564B-B5A1-6BBE24F2B2EF}"/>
               </a:ext>
             </a:extLst>
           </p:cNvPr>
@@ -4472,7 +4477,7 @@
           <p:cNvPr id="5" name="Grupo 4">
             <a:extLst>
               <a:ext uri="{FF2B5EF4-FFF2-40B4-BE49-F238E27FC236}">
-                <a16:creationId xmlns:a16="http://schemas.microsoft.com/office/drawing/2014/main" id="{A11CCD0C-0EC7-2642-9D06-0557D05398ED}"/>
+                <a16:creationId xmlns="" xmlns:a16="http://schemas.microsoft.com/office/drawing/2014/main" id="{A11CCD0C-0EC7-2642-9D06-0557D05398ED}"/>
               </a:ext>
             </a:extLst>
           </p:cNvPr>
@@ -4492,7 +4497,7 @@
             <p:cNvPr id="6" name="Rectángulo redondeado 5">
               <a:extLst>
                 <a:ext uri="{FF2B5EF4-FFF2-40B4-BE49-F238E27FC236}">
-                  <a16:creationId xmlns:a16="http://schemas.microsoft.com/office/drawing/2014/main" id="{332414F5-2E4D-DD40-851E-3FC2FB49EC84}"/>
+                  <a16:creationId xmlns="" xmlns:a16="http://schemas.microsoft.com/office/drawing/2014/main" id="{332414F5-2E4D-DD40-851E-3FC2FB49EC84}"/>
                 </a:ext>
               </a:extLst>
             </p:cNvPr>
@@ -4544,7 +4549,7 @@
             <p:cNvPr id="7" name="Picture 24" descr="Cuadros de Mando con Power BI – Next-Step Consultores">
               <a:extLst>
                 <a:ext uri="{FF2B5EF4-FFF2-40B4-BE49-F238E27FC236}">
-                  <a16:creationId xmlns:a16="http://schemas.microsoft.com/office/drawing/2014/main" id="{4277B5A6-38E2-FA49-84F9-81C521275544}"/>
+                  <a16:creationId xmlns="" xmlns:a16="http://schemas.microsoft.com/office/drawing/2014/main" id="{4277B5A6-38E2-FA49-84F9-81C521275544}"/>
                 </a:ext>
               </a:extLst>
             </p:cNvPr>
@@ -4628,10 +4633,10 @@
           <p:cNvPr id="137" name="Rectangle 136">
             <a:extLst>
               <a:ext uri="{FF2B5EF4-FFF2-40B4-BE49-F238E27FC236}">
-                <a16:creationId xmlns:a16="http://schemas.microsoft.com/office/drawing/2014/main" id="{7C432AFE-B3D2-4BFF-BF8F-96C27AFF1AC7}"/>
+                <a16:creationId xmlns="" xmlns:a16="http://schemas.microsoft.com/office/drawing/2014/main" id="{7C432AFE-B3D2-4BFF-BF8F-96C27AFF1AC7}"/>
               </a:ext>
               <a:ext uri="{C183D7F6-B498-43B3-948B-1728B52AA6E4}">
-                <adec:decorative xmlns:adec="http://schemas.microsoft.com/office/drawing/2017/decorative" val="1"/>
+                <adec:decorative xmlns="" xmlns:adec="http://schemas.microsoft.com/office/drawing/2017/decorative" val="1"/>
               </a:ext>
             </a:extLst>
           </p:cNvPr>
@@ -4641,7 +4646,7 @@
           <p:nvPr>
             <p:extLst>
               <p:ext uri="{386F3935-93C4-4BCD-93E2-E3B085C9AB24}">
-                <p16:designElem xmlns:p16="http://schemas.microsoft.com/office/powerpoint/2015/main" val="1"/>
+                <p16:designElem xmlns="" xmlns:p16="http://schemas.microsoft.com/office/powerpoint/2015/main" val="1"/>
               </p:ext>
             </p:extLst>
           </p:nvPr>
@@ -4688,7 +4693,7 @@
           <p:cNvPr id="15364" name="Picture 4" descr="Curiosidades de la Navidad - La palabra “Navidad”">
             <a:extLst>
               <a:ext uri="{FF2B5EF4-FFF2-40B4-BE49-F238E27FC236}">
-                <a16:creationId xmlns:a16="http://schemas.microsoft.com/office/drawing/2014/main" id="{B94466BE-747F-BB49-B11C-064FC38F350F}"/>
+                <a16:creationId xmlns="" xmlns:a16="http://schemas.microsoft.com/office/drawing/2014/main" id="{B94466BE-747F-BB49-B11C-064FC38F350F}"/>
               </a:ext>
             </a:extLst>
           </p:cNvPr>
@@ -4734,7 +4739,7 @@
           <p:cNvPr id="2" name="Título 1">
             <a:extLst>
               <a:ext uri="{FF2B5EF4-FFF2-40B4-BE49-F238E27FC236}">
-                <a16:creationId xmlns:a16="http://schemas.microsoft.com/office/drawing/2014/main" id="{14DD8BC0-9F9B-0646-B0CE-8DC5EAA91D4F}"/>
+                <a16:creationId xmlns="" xmlns:a16="http://schemas.microsoft.com/office/drawing/2014/main" id="{14DD8BC0-9F9B-0646-B0CE-8DC5EAA91D4F}"/>
               </a:ext>
             </a:extLst>
           </p:cNvPr>
@@ -4769,10 +4774,10 @@
           <p:cNvPr id="139" name="Rectangle 138">
             <a:extLst>
               <a:ext uri="{FF2B5EF4-FFF2-40B4-BE49-F238E27FC236}">
-                <a16:creationId xmlns:a16="http://schemas.microsoft.com/office/drawing/2014/main" id="{AF2F604E-43BE-4DC3-B983-E071523364F8}"/>
+                <a16:creationId xmlns="" xmlns:a16="http://schemas.microsoft.com/office/drawing/2014/main" id="{AF2F604E-43BE-4DC3-B983-E071523364F8}"/>
               </a:ext>
               <a:ext uri="{C183D7F6-B498-43B3-948B-1728B52AA6E4}">
-                <adec:decorative xmlns:adec="http://schemas.microsoft.com/office/drawing/2017/decorative" val="1"/>
+                <adec:decorative xmlns="" xmlns:adec="http://schemas.microsoft.com/office/drawing/2017/decorative" val="1"/>
               </a:ext>
             </a:extLst>
           </p:cNvPr>
@@ -4782,7 +4787,7 @@
           <p:nvPr>
             <p:extLst>
               <p:ext uri="{386F3935-93C4-4BCD-93E2-E3B085C9AB24}">
-                <p16:designElem xmlns:p16="http://schemas.microsoft.com/office/powerpoint/2015/main" val="1"/>
+                <p16:designElem xmlns="" xmlns:p16="http://schemas.microsoft.com/office/powerpoint/2015/main" val="1"/>
               </p:ext>
             </p:extLst>
           </p:nvPr>
@@ -4837,10 +4842,10 @@
           <p:cNvPr id="141" name="Rectangle 140">
             <a:extLst>
               <a:ext uri="{FF2B5EF4-FFF2-40B4-BE49-F238E27FC236}">
-                <a16:creationId xmlns:a16="http://schemas.microsoft.com/office/drawing/2014/main" id="{08C9B587-E65E-4B52-B37C-ABEBB6E87928}"/>
+                <a16:creationId xmlns="" xmlns:a16="http://schemas.microsoft.com/office/drawing/2014/main" id="{08C9B587-E65E-4B52-B37C-ABEBB6E87928}"/>
               </a:ext>
               <a:ext uri="{C183D7F6-B498-43B3-948B-1728B52AA6E4}">
-                <adec:decorative xmlns:adec="http://schemas.microsoft.com/office/drawing/2017/decorative" val="1"/>
+                <adec:decorative xmlns="" xmlns:adec="http://schemas.microsoft.com/office/drawing/2017/decorative" val="1"/>
               </a:ext>
             </a:extLst>
           </p:cNvPr>
@@ -4850,7 +4855,7 @@
           <p:nvPr>
             <p:extLst>
               <p:ext uri="{386F3935-93C4-4BCD-93E2-E3B085C9AB24}">
-                <p16:designElem xmlns:p16="http://schemas.microsoft.com/office/powerpoint/2015/main" val="1"/>
+                <p16:designElem xmlns="" xmlns:p16="http://schemas.microsoft.com/office/powerpoint/2015/main" val="1"/>
               </p:ext>
             </p:extLst>
           </p:nvPr>
@@ -4930,7 +4935,7 @@
           <p:cNvPr id="3" name="Marcador de contenido 2">
             <a:extLst>
               <a:ext uri="{FF2B5EF4-FFF2-40B4-BE49-F238E27FC236}">
-                <a16:creationId xmlns:a16="http://schemas.microsoft.com/office/drawing/2014/main" id="{558EA87C-5DD2-CE40-9A94-48E4FFD28EE5}"/>
+                <a16:creationId xmlns="" xmlns:a16="http://schemas.microsoft.com/office/drawing/2014/main" id="{558EA87C-5DD2-CE40-9A94-48E4FFD28EE5}"/>
               </a:ext>
             </a:extLst>
           </p:cNvPr>
@@ -5027,7 +5032,7 @@
           <p:cNvPr id="75" name="Rectángulo redondeado 74">
             <a:extLst>
               <a:ext uri="{FF2B5EF4-FFF2-40B4-BE49-F238E27FC236}">
-                <a16:creationId xmlns:a16="http://schemas.microsoft.com/office/drawing/2014/main" id="{276D2BF0-FEA7-074E-B85A-D08F0CE6ACC1}"/>
+                <a16:creationId xmlns="" xmlns:a16="http://schemas.microsoft.com/office/drawing/2014/main" id="{276D2BF0-FEA7-074E-B85A-D08F0CE6ACC1}"/>
               </a:ext>
             </a:extLst>
           </p:cNvPr>
@@ -5081,7 +5086,7 @@
           <p:cNvPr id="41" name="Rectángulo redondeado 40">
             <a:extLst>
               <a:ext uri="{FF2B5EF4-FFF2-40B4-BE49-F238E27FC236}">
-                <a16:creationId xmlns:a16="http://schemas.microsoft.com/office/drawing/2014/main" id="{71318C34-2D38-0941-B123-672C0259404B}"/>
+                <a16:creationId xmlns="" xmlns:a16="http://schemas.microsoft.com/office/drawing/2014/main" id="{71318C34-2D38-0941-B123-672C0259404B}"/>
               </a:ext>
             </a:extLst>
           </p:cNvPr>
@@ -5138,7 +5143,7 @@
           <p:cNvPr id="40" name="Rectángulo redondeado 39">
             <a:extLst>
               <a:ext uri="{FF2B5EF4-FFF2-40B4-BE49-F238E27FC236}">
-                <a16:creationId xmlns:a16="http://schemas.microsoft.com/office/drawing/2014/main" id="{51C5301F-34EA-CD42-B059-03AAF31629B9}"/>
+                <a16:creationId xmlns="" xmlns:a16="http://schemas.microsoft.com/office/drawing/2014/main" id="{51C5301F-34EA-CD42-B059-03AAF31629B9}"/>
               </a:ext>
             </a:extLst>
           </p:cNvPr>
@@ -5192,7 +5197,7 @@
           <p:cNvPr id="5" name="Grupo 4">
             <a:extLst>
               <a:ext uri="{FF2B5EF4-FFF2-40B4-BE49-F238E27FC236}">
-                <a16:creationId xmlns:a16="http://schemas.microsoft.com/office/drawing/2014/main" id="{EBCFDA25-BDE9-5843-87EF-6C2A80967D3F}"/>
+                <a16:creationId xmlns="" xmlns:a16="http://schemas.microsoft.com/office/drawing/2014/main" id="{EBCFDA25-BDE9-5843-87EF-6C2A80967D3F}"/>
               </a:ext>
             </a:extLst>
           </p:cNvPr>
@@ -5212,7 +5217,7 @@
             <p:cNvPr id="4" name="Rectángulo redondeado 3">
               <a:extLst>
                 <a:ext uri="{FF2B5EF4-FFF2-40B4-BE49-F238E27FC236}">
-                  <a16:creationId xmlns:a16="http://schemas.microsoft.com/office/drawing/2014/main" id="{67763721-9CB6-8A44-B86C-48B41264D04F}"/>
+                  <a16:creationId xmlns="" xmlns:a16="http://schemas.microsoft.com/office/drawing/2014/main" id="{67763721-9CB6-8A44-B86C-48B41264D04F}"/>
                 </a:ext>
               </a:extLst>
             </p:cNvPr>
@@ -5266,7 +5271,7 @@
             <p:cNvPr id="1026" name="Picture 2" descr="Iconos MongoDB - Descarga gratuita, PNG y SVG">
               <a:extLst>
                 <a:ext uri="{FF2B5EF4-FFF2-40B4-BE49-F238E27FC236}">
-                  <a16:creationId xmlns:a16="http://schemas.microsoft.com/office/drawing/2014/main" id="{DA18F0C9-4F14-EF44-8355-9C7481F70F1D}"/>
+                  <a16:creationId xmlns="" xmlns:a16="http://schemas.microsoft.com/office/drawing/2014/main" id="{DA18F0C9-4F14-EF44-8355-9C7481F70F1D}"/>
                 </a:ext>
               </a:extLst>
             </p:cNvPr>
@@ -5314,7 +5319,7 @@
           <p:cNvPr id="6" name="Grupo 5">
             <a:extLst>
               <a:ext uri="{FF2B5EF4-FFF2-40B4-BE49-F238E27FC236}">
-                <a16:creationId xmlns:a16="http://schemas.microsoft.com/office/drawing/2014/main" id="{7D8BF033-5F22-8B42-873E-9BC3E52139F6}"/>
+                <a16:creationId xmlns="" xmlns:a16="http://schemas.microsoft.com/office/drawing/2014/main" id="{7D8BF033-5F22-8B42-873E-9BC3E52139F6}"/>
               </a:ext>
             </a:extLst>
           </p:cNvPr>
@@ -5334,7 +5339,7 @@
             <p:cNvPr id="8" name="Rectángulo redondeado 7">
               <a:extLst>
                 <a:ext uri="{FF2B5EF4-FFF2-40B4-BE49-F238E27FC236}">
-                  <a16:creationId xmlns:a16="http://schemas.microsoft.com/office/drawing/2014/main" id="{69567639-E243-4E4C-8F3A-BE5D8D04E2D1}"/>
+                  <a16:creationId xmlns="" xmlns:a16="http://schemas.microsoft.com/office/drawing/2014/main" id="{69567639-E243-4E4C-8F3A-BE5D8D04E2D1}"/>
                 </a:ext>
               </a:extLst>
             </p:cNvPr>
@@ -5388,7 +5393,7 @@
             <p:cNvPr id="1028" name="Picture 4" descr="CodeBuddies | About">
               <a:extLst>
                 <a:ext uri="{FF2B5EF4-FFF2-40B4-BE49-F238E27FC236}">
-                  <a16:creationId xmlns:a16="http://schemas.microsoft.com/office/drawing/2014/main" id="{9CABD94C-2774-1147-AB56-74ECA52C217C}"/>
+                  <a16:creationId xmlns="" xmlns:a16="http://schemas.microsoft.com/office/drawing/2014/main" id="{9CABD94C-2774-1147-AB56-74ECA52C217C}"/>
                 </a:ext>
               </a:extLst>
             </p:cNvPr>
@@ -5436,7 +5441,7 @@
           <p:cNvPr id="1030" name="Picture 6">
             <a:extLst>
               <a:ext uri="{FF2B5EF4-FFF2-40B4-BE49-F238E27FC236}">
-                <a16:creationId xmlns:a16="http://schemas.microsoft.com/office/drawing/2014/main" id="{A605414E-CB3A-F74F-9B89-41F691805983}"/>
+                <a16:creationId xmlns="" xmlns:a16="http://schemas.microsoft.com/office/drawing/2014/main" id="{A605414E-CB3A-F74F-9B89-41F691805983}"/>
               </a:ext>
             </a:extLst>
           </p:cNvPr>
@@ -5483,7 +5488,7 @@
           <p:cNvPr id="7" name="Grupo 6">
             <a:extLst>
               <a:ext uri="{FF2B5EF4-FFF2-40B4-BE49-F238E27FC236}">
-                <a16:creationId xmlns:a16="http://schemas.microsoft.com/office/drawing/2014/main" id="{8A807993-2303-9344-B4F4-8704A52F0B20}"/>
+                <a16:creationId xmlns="" xmlns:a16="http://schemas.microsoft.com/office/drawing/2014/main" id="{8A807993-2303-9344-B4F4-8704A52F0B20}"/>
               </a:ext>
             </a:extLst>
           </p:cNvPr>
@@ -5503,7 +5508,7 @@
             <p:cNvPr id="13" name="Rectángulo redondeado 12">
               <a:extLst>
                 <a:ext uri="{FF2B5EF4-FFF2-40B4-BE49-F238E27FC236}">
-                  <a16:creationId xmlns:a16="http://schemas.microsoft.com/office/drawing/2014/main" id="{3055160A-67FF-6742-8896-2E53A70C9B13}"/>
+                  <a16:creationId xmlns="" xmlns:a16="http://schemas.microsoft.com/office/drawing/2014/main" id="{3055160A-67FF-6742-8896-2E53A70C9B13}"/>
                 </a:ext>
               </a:extLst>
             </p:cNvPr>
@@ -5557,7 +5562,7 @@
             <p:cNvPr id="1034" name="Picture 10" descr="Sql Logo Icon of Flat style - Available in SVG, PNG, EPS, AI &amp; Icon fonts">
               <a:extLst>
                 <a:ext uri="{FF2B5EF4-FFF2-40B4-BE49-F238E27FC236}">
-                  <a16:creationId xmlns:a16="http://schemas.microsoft.com/office/drawing/2014/main" id="{53FF9229-AA4B-1F4F-98F7-B558F6EC1F20}"/>
+                  <a16:creationId xmlns="" xmlns:a16="http://schemas.microsoft.com/office/drawing/2014/main" id="{53FF9229-AA4B-1F4F-98F7-B558F6EC1F20}"/>
                 </a:ext>
               </a:extLst>
             </p:cNvPr>
@@ -5605,7 +5610,7 @@
           <p:cNvPr id="15" name="Picture 8" descr="Website icon png, Website icon png Transparent FREE for download on  WebStockReview 2020">
             <a:extLst>
               <a:ext uri="{FF2B5EF4-FFF2-40B4-BE49-F238E27FC236}">
-                <a16:creationId xmlns:a16="http://schemas.microsoft.com/office/drawing/2014/main" id="{9C82FF5A-12ED-3445-9C31-F030E4C50480}"/>
+                <a16:creationId xmlns="" xmlns:a16="http://schemas.microsoft.com/office/drawing/2014/main" id="{9C82FF5A-12ED-3445-9C31-F030E4C50480}"/>
               </a:ext>
             </a:extLst>
           </p:cNvPr>
@@ -5652,7 +5657,7 @@
           <p:cNvPr id="1040" name="Picture 16" descr="Cómo abrir un archivo .csv en Excell - TuriTop Sistema de Reservas">
             <a:extLst>
               <a:ext uri="{FF2B5EF4-FFF2-40B4-BE49-F238E27FC236}">
-                <a16:creationId xmlns:a16="http://schemas.microsoft.com/office/drawing/2014/main" id="{0E316A26-4918-A94C-A6CD-86CF67CE96FC}"/>
+                <a16:creationId xmlns="" xmlns:a16="http://schemas.microsoft.com/office/drawing/2014/main" id="{0E316A26-4918-A94C-A6CD-86CF67CE96FC}"/>
               </a:ext>
             </a:extLst>
           </p:cNvPr>
@@ -5699,7 +5704,7 @@
           <p:cNvPr id="9" name="CuadroTexto 8">
             <a:extLst>
               <a:ext uri="{FF2B5EF4-FFF2-40B4-BE49-F238E27FC236}">
-                <a16:creationId xmlns:a16="http://schemas.microsoft.com/office/drawing/2014/main" id="{29690C27-C62C-1D42-A099-22E547D04C01}"/>
+                <a16:creationId xmlns="" xmlns:a16="http://schemas.microsoft.com/office/drawing/2014/main" id="{29690C27-C62C-1D42-A099-22E547D04C01}"/>
               </a:ext>
             </a:extLst>
           </p:cNvPr>
@@ -5739,7 +5744,7 @@
           <p:cNvPr id="11" name="Conector recto de flecha 10">
             <a:extLst>
               <a:ext uri="{FF2B5EF4-FFF2-40B4-BE49-F238E27FC236}">
-                <a16:creationId xmlns:a16="http://schemas.microsoft.com/office/drawing/2014/main" id="{17BD83CF-2E14-CC4C-BE8E-D9AD130CF23C}"/>
+                <a16:creationId xmlns="" xmlns:a16="http://schemas.microsoft.com/office/drawing/2014/main" id="{17BD83CF-2E14-CC4C-BE8E-D9AD130CF23C}"/>
               </a:ext>
             </a:extLst>
           </p:cNvPr>
@@ -5781,7 +5786,7 @@
           <p:cNvPr id="22" name="CuadroTexto 21">
             <a:extLst>
               <a:ext uri="{FF2B5EF4-FFF2-40B4-BE49-F238E27FC236}">
-                <a16:creationId xmlns:a16="http://schemas.microsoft.com/office/drawing/2014/main" id="{C75A3430-04E3-0244-855C-3F8920C9D881}"/>
+                <a16:creationId xmlns="" xmlns:a16="http://schemas.microsoft.com/office/drawing/2014/main" id="{C75A3430-04E3-0244-855C-3F8920C9D881}"/>
               </a:ext>
             </a:extLst>
           </p:cNvPr>
@@ -5825,7 +5830,7 @@
           <p:cNvPr id="1042" name="Picture 18" descr="Json - Iconos gratis de interfaz">
             <a:extLst>
               <a:ext uri="{FF2B5EF4-FFF2-40B4-BE49-F238E27FC236}">
-                <a16:creationId xmlns:a16="http://schemas.microsoft.com/office/drawing/2014/main" id="{3A5CB2CA-0A5C-8545-B323-2CE4D98C9D6B}"/>
+                <a16:creationId xmlns="" xmlns:a16="http://schemas.microsoft.com/office/drawing/2014/main" id="{3A5CB2CA-0A5C-8545-B323-2CE4D98C9D6B}"/>
               </a:ext>
             </a:extLst>
           </p:cNvPr>
@@ -5872,7 +5877,7 @@
           <p:cNvPr id="24" name="Conector recto de flecha 23">
             <a:extLst>
               <a:ext uri="{FF2B5EF4-FFF2-40B4-BE49-F238E27FC236}">
-                <a16:creationId xmlns:a16="http://schemas.microsoft.com/office/drawing/2014/main" id="{B1AAEC1D-42B1-A94D-BF10-ECF0AD3AF46C}"/>
+                <a16:creationId xmlns="" xmlns:a16="http://schemas.microsoft.com/office/drawing/2014/main" id="{B1AAEC1D-42B1-A94D-BF10-ECF0AD3AF46C}"/>
               </a:ext>
             </a:extLst>
           </p:cNvPr>
@@ -5915,7 +5920,7 @@
           <p:cNvPr id="27" name="CuadroTexto 26">
             <a:extLst>
               <a:ext uri="{FF2B5EF4-FFF2-40B4-BE49-F238E27FC236}">
-                <a16:creationId xmlns:a16="http://schemas.microsoft.com/office/drawing/2014/main" id="{EBCE8595-BC92-3144-87A7-64C1DA17CEA2}"/>
+                <a16:creationId xmlns="" xmlns:a16="http://schemas.microsoft.com/office/drawing/2014/main" id="{EBCE8595-BC92-3144-87A7-64C1DA17CEA2}"/>
               </a:ext>
             </a:extLst>
           </p:cNvPr>
@@ -5959,7 +5964,7 @@
           <p:cNvPr id="28" name="Grupo 27">
             <a:extLst>
               <a:ext uri="{FF2B5EF4-FFF2-40B4-BE49-F238E27FC236}">
-                <a16:creationId xmlns:a16="http://schemas.microsoft.com/office/drawing/2014/main" id="{75B6027D-FC6E-1B42-A2C6-A72C458E4B4A}"/>
+                <a16:creationId xmlns="" xmlns:a16="http://schemas.microsoft.com/office/drawing/2014/main" id="{75B6027D-FC6E-1B42-A2C6-A72C458E4B4A}"/>
               </a:ext>
             </a:extLst>
           </p:cNvPr>
@@ -5979,7 +5984,7 @@
             <p:cNvPr id="29" name="Rectángulo redondeado 28">
               <a:extLst>
                 <a:ext uri="{FF2B5EF4-FFF2-40B4-BE49-F238E27FC236}">
-                  <a16:creationId xmlns:a16="http://schemas.microsoft.com/office/drawing/2014/main" id="{C6A299AD-FC8B-484A-B118-F40F490E4C1B}"/>
+                  <a16:creationId xmlns="" xmlns:a16="http://schemas.microsoft.com/office/drawing/2014/main" id="{C6A299AD-FC8B-484A-B118-F40F490E4C1B}"/>
                 </a:ext>
               </a:extLst>
             </p:cNvPr>
@@ -6033,7 +6038,7 @@
             <p:cNvPr id="30" name="Picture 10" descr="Sql Logo Icon of Flat style - Available in SVG, PNG, EPS, AI &amp; Icon fonts">
               <a:extLst>
                 <a:ext uri="{FF2B5EF4-FFF2-40B4-BE49-F238E27FC236}">
-                  <a16:creationId xmlns:a16="http://schemas.microsoft.com/office/drawing/2014/main" id="{187F97C1-EF46-ED49-9464-DCA62151F27D}"/>
+                  <a16:creationId xmlns="" xmlns:a16="http://schemas.microsoft.com/office/drawing/2014/main" id="{187F97C1-EF46-ED49-9464-DCA62151F27D}"/>
                 </a:ext>
               </a:extLst>
             </p:cNvPr>
@@ -6081,7 +6086,7 @@
           <p:cNvPr id="31" name="CuadroTexto 30">
             <a:extLst>
               <a:ext uri="{FF2B5EF4-FFF2-40B4-BE49-F238E27FC236}">
-                <a16:creationId xmlns:a16="http://schemas.microsoft.com/office/drawing/2014/main" id="{53BC43F8-8B7D-7A4D-A49C-084C48EA91DE}"/>
+                <a16:creationId xmlns="" xmlns:a16="http://schemas.microsoft.com/office/drawing/2014/main" id="{53BC43F8-8B7D-7A4D-A49C-084C48EA91DE}"/>
               </a:ext>
             </a:extLst>
           </p:cNvPr>
@@ -6121,7 +6126,7 @@
           <p:cNvPr id="32" name="CuadroTexto 31">
             <a:extLst>
               <a:ext uri="{FF2B5EF4-FFF2-40B4-BE49-F238E27FC236}">
-                <a16:creationId xmlns:a16="http://schemas.microsoft.com/office/drawing/2014/main" id="{DBB919DE-C613-824E-AFA2-5840A7654D9E}"/>
+                <a16:creationId xmlns="" xmlns:a16="http://schemas.microsoft.com/office/drawing/2014/main" id="{DBB919DE-C613-824E-AFA2-5840A7654D9E}"/>
               </a:ext>
             </a:extLst>
           </p:cNvPr>
@@ -6165,7 +6170,7 @@
           <p:cNvPr id="33" name="CuadroTexto 32">
             <a:extLst>
               <a:ext uri="{FF2B5EF4-FFF2-40B4-BE49-F238E27FC236}">
-                <a16:creationId xmlns:a16="http://schemas.microsoft.com/office/drawing/2014/main" id="{6504F3E0-D2BD-0E42-9C14-93D63EB4785A}"/>
+                <a16:creationId xmlns="" xmlns:a16="http://schemas.microsoft.com/office/drawing/2014/main" id="{6504F3E0-D2BD-0E42-9C14-93D63EB4785A}"/>
               </a:ext>
             </a:extLst>
           </p:cNvPr>
@@ -6209,7 +6214,7 @@
           <p:cNvPr id="34" name="Conector recto de flecha 33">
             <a:extLst>
               <a:ext uri="{FF2B5EF4-FFF2-40B4-BE49-F238E27FC236}">
-                <a16:creationId xmlns:a16="http://schemas.microsoft.com/office/drawing/2014/main" id="{DBE74CBF-E929-E54B-A14C-C2574DD96111}"/>
+                <a16:creationId xmlns="" xmlns:a16="http://schemas.microsoft.com/office/drawing/2014/main" id="{DBE74CBF-E929-E54B-A14C-C2574DD96111}"/>
               </a:ext>
             </a:extLst>
           </p:cNvPr>
@@ -6252,7 +6257,7 @@
           <p:cNvPr id="37" name="CuadroTexto 36">
             <a:extLst>
               <a:ext uri="{FF2B5EF4-FFF2-40B4-BE49-F238E27FC236}">
-                <a16:creationId xmlns:a16="http://schemas.microsoft.com/office/drawing/2014/main" id="{30E70801-206B-EC46-B308-795F6642E94E}"/>
+                <a16:creationId xmlns="" xmlns:a16="http://schemas.microsoft.com/office/drawing/2014/main" id="{30E70801-206B-EC46-B308-795F6642E94E}"/>
               </a:ext>
             </a:extLst>
           </p:cNvPr>
@@ -6296,7 +6301,7 @@
           <p:cNvPr id="1044" name="Picture 20" descr="Firebase Brand Guidelines">
             <a:extLst>
               <a:ext uri="{FF2B5EF4-FFF2-40B4-BE49-F238E27FC236}">
-                <a16:creationId xmlns:a16="http://schemas.microsoft.com/office/drawing/2014/main" id="{CF571F3B-ED30-D74E-862D-FB2973099759}"/>
+                <a16:creationId xmlns="" xmlns:a16="http://schemas.microsoft.com/office/drawing/2014/main" id="{CF571F3B-ED30-D74E-862D-FB2973099759}"/>
               </a:ext>
             </a:extLst>
           </p:cNvPr>
@@ -6343,7 +6348,7 @@
           <p:cNvPr id="39" name="Picture 8" descr="Website icon png, Website icon png Transparent FREE for download on  WebStockReview 2020">
             <a:extLst>
               <a:ext uri="{FF2B5EF4-FFF2-40B4-BE49-F238E27FC236}">
-                <a16:creationId xmlns:a16="http://schemas.microsoft.com/office/drawing/2014/main" id="{00B0C0A4-054B-5647-91E5-9C1A81DB25E8}"/>
+                <a16:creationId xmlns="" xmlns:a16="http://schemas.microsoft.com/office/drawing/2014/main" id="{00B0C0A4-054B-5647-91E5-9C1A81DB25E8}"/>
               </a:ext>
             </a:extLst>
           </p:cNvPr>
@@ -6390,7 +6395,7 @@
           <p:cNvPr id="18" name="Lata 17">
             <a:extLst>
               <a:ext uri="{FF2B5EF4-FFF2-40B4-BE49-F238E27FC236}">
-                <a16:creationId xmlns:a16="http://schemas.microsoft.com/office/drawing/2014/main" id="{34A5BC9F-6377-5646-A545-DCCABD620AC5}"/>
+                <a16:creationId xmlns="" xmlns:a16="http://schemas.microsoft.com/office/drawing/2014/main" id="{34A5BC9F-6377-5646-A545-DCCABD620AC5}"/>
               </a:ext>
             </a:extLst>
           </p:cNvPr>
@@ -6442,7 +6447,7 @@
           <p:cNvPr id="43" name="CuadroTexto 42">
             <a:extLst>
               <a:ext uri="{FF2B5EF4-FFF2-40B4-BE49-F238E27FC236}">
-                <a16:creationId xmlns:a16="http://schemas.microsoft.com/office/drawing/2014/main" id="{4F533301-760A-2541-8B00-1BF23F5D53D0}"/>
+                <a16:creationId xmlns="" xmlns:a16="http://schemas.microsoft.com/office/drawing/2014/main" id="{4F533301-760A-2541-8B00-1BF23F5D53D0}"/>
               </a:ext>
             </a:extLst>
           </p:cNvPr>
@@ -6482,7 +6487,7 @@
           <p:cNvPr id="44" name="Conector recto de flecha 43">
             <a:extLst>
               <a:ext uri="{FF2B5EF4-FFF2-40B4-BE49-F238E27FC236}">
-                <a16:creationId xmlns:a16="http://schemas.microsoft.com/office/drawing/2014/main" id="{1B76658D-700F-9048-858B-1F4779A2364E}"/>
+                <a16:creationId xmlns="" xmlns:a16="http://schemas.microsoft.com/office/drawing/2014/main" id="{1B76658D-700F-9048-858B-1F4779A2364E}"/>
               </a:ext>
             </a:extLst>
           </p:cNvPr>
@@ -6525,7 +6530,7 @@
           <p:cNvPr id="47" name="Conector recto de flecha 46">
             <a:extLst>
               <a:ext uri="{FF2B5EF4-FFF2-40B4-BE49-F238E27FC236}">
-                <a16:creationId xmlns:a16="http://schemas.microsoft.com/office/drawing/2014/main" id="{3E6867DD-73AD-CD4C-8B00-1265336342BE}"/>
+                <a16:creationId xmlns="" xmlns:a16="http://schemas.microsoft.com/office/drawing/2014/main" id="{3E6867DD-73AD-CD4C-8B00-1265336342BE}"/>
               </a:ext>
             </a:extLst>
           </p:cNvPr>
@@ -6568,7 +6573,7 @@
           <p:cNvPr id="50" name="Conector recto de flecha 49">
             <a:extLst>
               <a:ext uri="{FF2B5EF4-FFF2-40B4-BE49-F238E27FC236}">
-                <a16:creationId xmlns:a16="http://schemas.microsoft.com/office/drawing/2014/main" id="{9B03C33B-38B5-794C-9FC8-C0CD1246B879}"/>
+                <a16:creationId xmlns="" xmlns:a16="http://schemas.microsoft.com/office/drawing/2014/main" id="{9B03C33B-38B5-794C-9FC8-C0CD1246B879}"/>
               </a:ext>
             </a:extLst>
           </p:cNvPr>
@@ -6611,7 +6616,7 @@
           <p:cNvPr id="53" name="Conector recto de flecha 52">
             <a:extLst>
               <a:ext uri="{FF2B5EF4-FFF2-40B4-BE49-F238E27FC236}">
-                <a16:creationId xmlns:a16="http://schemas.microsoft.com/office/drawing/2014/main" id="{016A997F-F722-9F4C-A30F-F2F31E99CE43}"/>
+                <a16:creationId xmlns="" xmlns:a16="http://schemas.microsoft.com/office/drawing/2014/main" id="{016A997F-F722-9F4C-A30F-F2F31E99CE43}"/>
               </a:ext>
             </a:extLst>
           </p:cNvPr>
@@ -6654,7 +6659,7 @@
           <p:cNvPr id="59" name="Conector recto de flecha 58">
             <a:extLst>
               <a:ext uri="{FF2B5EF4-FFF2-40B4-BE49-F238E27FC236}">
-                <a16:creationId xmlns:a16="http://schemas.microsoft.com/office/drawing/2014/main" id="{0B97E1BD-62A7-6B42-A80A-9E77382856CE}"/>
+                <a16:creationId xmlns="" xmlns:a16="http://schemas.microsoft.com/office/drawing/2014/main" id="{0B97E1BD-62A7-6B42-A80A-9E77382856CE}"/>
               </a:ext>
             </a:extLst>
           </p:cNvPr>
@@ -6697,7 +6702,7 @@
           <p:cNvPr id="1046" name="Picture 22" descr="Foundations of Data Extraction Transform Load (ETL) - EWSolutions">
             <a:extLst>
               <a:ext uri="{FF2B5EF4-FFF2-40B4-BE49-F238E27FC236}">
-                <a16:creationId xmlns:a16="http://schemas.microsoft.com/office/drawing/2014/main" id="{2A8B4BE4-1FCC-204A-9A33-315B9426BA49}"/>
+                <a16:creationId xmlns="" xmlns:a16="http://schemas.microsoft.com/office/drawing/2014/main" id="{2A8B4BE4-1FCC-204A-9A33-315B9426BA49}"/>
               </a:ext>
             </a:extLst>
           </p:cNvPr>
@@ -6744,7 +6749,7 @@
           <p:cNvPr id="64" name="Picture 22" descr="Foundations of Data Extraction Transform Load (ETL) - EWSolutions">
             <a:extLst>
               <a:ext uri="{FF2B5EF4-FFF2-40B4-BE49-F238E27FC236}">
-                <a16:creationId xmlns:a16="http://schemas.microsoft.com/office/drawing/2014/main" id="{570980C1-3094-484F-B24F-404D37783062}"/>
+                <a16:creationId xmlns="" xmlns:a16="http://schemas.microsoft.com/office/drawing/2014/main" id="{570980C1-3094-484F-B24F-404D37783062}"/>
               </a:ext>
             </a:extLst>
           </p:cNvPr>
@@ -6791,7 +6796,7 @@
           <p:cNvPr id="65" name="Picture 22" descr="Foundations of Data Extraction Transform Load (ETL) - EWSolutions">
             <a:extLst>
               <a:ext uri="{FF2B5EF4-FFF2-40B4-BE49-F238E27FC236}">
-                <a16:creationId xmlns:a16="http://schemas.microsoft.com/office/drawing/2014/main" id="{486FF8A8-C309-2C4E-BEA1-BF3DF3D9A607}"/>
+                <a16:creationId xmlns="" xmlns:a16="http://schemas.microsoft.com/office/drawing/2014/main" id="{486FF8A8-C309-2C4E-BEA1-BF3DF3D9A607}"/>
               </a:ext>
             </a:extLst>
           </p:cNvPr>
@@ -6838,7 +6843,7 @@
           <p:cNvPr id="66" name="Picture 22" descr="Foundations of Data Extraction Transform Load (ETL) - EWSolutions">
             <a:extLst>
               <a:ext uri="{FF2B5EF4-FFF2-40B4-BE49-F238E27FC236}">
-                <a16:creationId xmlns:a16="http://schemas.microsoft.com/office/drawing/2014/main" id="{1FF112B0-6A69-4449-8936-9D19925BD83A}"/>
+                <a16:creationId xmlns="" xmlns:a16="http://schemas.microsoft.com/office/drawing/2014/main" id="{1FF112B0-6A69-4449-8936-9D19925BD83A}"/>
               </a:ext>
             </a:extLst>
           </p:cNvPr>
@@ -6885,7 +6890,7 @@
           <p:cNvPr id="68" name="Picture 10" descr="Sql Logo Icon of Flat style - Available in SVG, PNG, EPS, AI &amp; Icon fonts">
             <a:extLst>
               <a:ext uri="{FF2B5EF4-FFF2-40B4-BE49-F238E27FC236}">
-                <a16:creationId xmlns:a16="http://schemas.microsoft.com/office/drawing/2014/main" id="{ECDB5EE7-11E7-544A-9154-4C4189D9392D}"/>
+                <a16:creationId xmlns="" xmlns:a16="http://schemas.microsoft.com/office/drawing/2014/main" id="{ECDB5EE7-11E7-544A-9154-4C4189D9392D}"/>
               </a:ext>
             </a:extLst>
           </p:cNvPr>
@@ -6932,7 +6937,7 @@
           <p:cNvPr id="48" name="Grupo 47">
             <a:extLst>
               <a:ext uri="{FF2B5EF4-FFF2-40B4-BE49-F238E27FC236}">
-                <a16:creationId xmlns:a16="http://schemas.microsoft.com/office/drawing/2014/main" id="{3B330F6C-9EF4-5747-9BAE-C3CC6D80DCB2}"/>
+                <a16:creationId xmlns="" xmlns:a16="http://schemas.microsoft.com/office/drawing/2014/main" id="{3B330F6C-9EF4-5747-9BAE-C3CC6D80DCB2}"/>
               </a:ext>
             </a:extLst>
           </p:cNvPr>
@@ -6952,7 +6957,7 @@
             <p:cNvPr id="70" name="Rectángulo redondeado 69">
               <a:extLst>
                 <a:ext uri="{FF2B5EF4-FFF2-40B4-BE49-F238E27FC236}">
-                  <a16:creationId xmlns:a16="http://schemas.microsoft.com/office/drawing/2014/main" id="{A6A51406-B59C-5D4D-88FE-039B97751A6F}"/>
+                  <a16:creationId xmlns="" xmlns:a16="http://schemas.microsoft.com/office/drawing/2014/main" id="{A6A51406-B59C-5D4D-88FE-039B97751A6F}"/>
                 </a:ext>
               </a:extLst>
             </p:cNvPr>
@@ -7004,7 +7009,7 @@
             <p:cNvPr id="1048" name="Picture 24" descr="Cuadros de Mando con Power BI – Next-Step Consultores">
               <a:extLst>
                 <a:ext uri="{FF2B5EF4-FFF2-40B4-BE49-F238E27FC236}">
-                  <a16:creationId xmlns:a16="http://schemas.microsoft.com/office/drawing/2014/main" id="{C1FB73CF-5F1A-D449-A49A-333A6C309919}"/>
+                  <a16:creationId xmlns="" xmlns:a16="http://schemas.microsoft.com/office/drawing/2014/main" id="{C1FB73CF-5F1A-D449-A49A-333A6C309919}"/>
                 </a:ext>
               </a:extLst>
             </p:cNvPr>
@@ -7050,7 +7055,7 @@
           <p:cNvPr id="51" name="Conector angular 50">
             <a:extLst>
               <a:ext uri="{FF2B5EF4-FFF2-40B4-BE49-F238E27FC236}">
-                <a16:creationId xmlns:a16="http://schemas.microsoft.com/office/drawing/2014/main" id="{ED912C9B-A5C5-634D-941E-2997E134B0BA}"/>
+                <a16:creationId xmlns="" xmlns:a16="http://schemas.microsoft.com/office/drawing/2014/main" id="{ED912C9B-A5C5-634D-941E-2997E134B0BA}"/>
               </a:ext>
             </a:extLst>
           </p:cNvPr>
@@ -7092,7 +7097,7 @@
           <p:cNvPr id="1050" name="Picture 26" descr="pngfind.com-excel-logo-png-383271 - Right Column">
             <a:extLst>
               <a:ext uri="{FF2B5EF4-FFF2-40B4-BE49-F238E27FC236}">
-                <a16:creationId xmlns:a16="http://schemas.microsoft.com/office/drawing/2014/main" id="{E16C6842-019C-514E-8EF8-ADCE68977063}"/>
+                <a16:creationId xmlns="" xmlns:a16="http://schemas.microsoft.com/office/drawing/2014/main" id="{E16C6842-019C-514E-8EF8-ADCE68977063}"/>
               </a:ext>
             </a:extLst>
           </p:cNvPr>
@@ -7139,7 +7144,7 @@
           <p:cNvPr id="76" name="Conector angular 75">
             <a:extLst>
               <a:ext uri="{FF2B5EF4-FFF2-40B4-BE49-F238E27FC236}">
-                <a16:creationId xmlns:a16="http://schemas.microsoft.com/office/drawing/2014/main" id="{4CD54ADD-A177-B746-A680-0768F1AE5FDF}"/>
+                <a16:creationId xmlns="" xmlns:a16="http://schemas.microsoft.com/office/drawing/2014/main" id="{4CD54ADD-A177-B746-A680-0768F1AE5FDF}"/>
               </a:ext>
             </a:extLst>
           </p:cNvPr>
@@ -7182,7 +7187,7 @@
           <p:cNvPr id="1052" name="Picture 28" descr="Excel Sheet Icon #399324 - Free Icons Library">
             <a:extLst>
               <a:ext uri="{FF2B5EF4-FFF2-40B4-BE49-F238E27FC236}">
-                <a16:creationId xmlns:a16="http://schemas.microsoft.com/office/drawing/2014/main" id="{4143DE32-5E33-9A42-BB2E-114BB4EF6B1D}"/>
+                <a16:creationId xmlns="" xmlns:a16="http://schemas.microsoft.com/office/drawing/2014/main" id="{4143DE32-5E33-9A42-BB2E-114BB4EF6B1D}"/>
               </a:ext>
             </a:extLst>
           </p:cNvPr>
@@ -7229,7 +7234,7 @@
           <p:cNvPr id="1054" name="Picture 30" descr="Txt file Icon of Colored Outline style - Available in SVG, PNG, EPS, AI &amp;  Icon fonts">
             <a:extLst>
               <a:ext uri="{FF2B5EF4-FFF2-40B4-BE49-F238E27FC236}">
-                <a16:creationId xmlns:a16="http://schemas.microsoft.com/office/drawing/2014/main" id="{E5E92E09-E2C2-5448-92BE-E0023577E8A2}"/>
+                <a16:creationId xmlns="" xmlns:a16="http://schemas.microsoft.com/office/drawing/2014/main" id="{E5E92E09-E2C2-5448-92BE-E0023577E8A2}"/>
               </a:ext>
             </a:extLst>
           </p:cNvPr>
@@ -7276,7 +7281,7 @@
           <p:cNvPr id="1056" name="Picture 32" descr="Xml File Icon of Colored Outline style - Available in SVG, PNG, EPS, AI &amp;  Icon fonts">
             <a:extLst>
               <a:ext uri="{FF2B5EF4-FFF2-40B4-BE49-F238E27FC236}">
-                <a16:creationId xmlns:a16="http://schemas.microsoft.com/office/drawing/2014/main" id="{DC7C676D-8900-4743-AC04-136E2B8440B7}"/>
+                <a16:creationId xmlns="" xmlns:a16="http://schemas.microsoft.com/office/drawing/2014/main" id="{DC7C676D-8900-4743-AC04-136E2B8440B7}"/>
               </a:ext>
             </a:extLst>
           </p:cNvPr>
@@ -7323,7 +7328,7 @@
           <p:cNvPr id="85" name="Conector recto de flecha 84">
             <a:extLst>
               <a:ext uri="{FF2B5EF4-FFF2-40B4-BE49-F238E27FC236}">
-                <a16:creationId xmlns:a16="http://schemas.microsoft.com/office/drawing/2014/main" id="{9F402635-1A32-5E43-8EF3-87139FF7F4AB}"/>
+                <a16:creationId xmlns="" xmlns:a16="http://schemas.microsoft.com/office/drawing/2014/main" id="{9F402635-1A32-5E43-8EF3-87139FF7F4AB}"/>
               </a:ext>
             </a:extLst>
           </p:cNvPr>
@@ -7366,7 +7371,7 @@
           <p:cNvPr id="88" name="Conector recto de flecha 87">
             <a:extLst>
               <a:ext uri="{FF2B5EF4-FFF2-40B4-BE49-F238E27FC236}">
-                <a16:creationId xmlns:a16="http://schemas.microsoft.com/office/drawing/2014/main" id="{3EFE6B3F-85F4-4F4E-9AA9-12BCC0278AB0}"/>
+                <a16:creationId xmlns="" xmlns:a16="http://schemas.microsoft.com/office/drawing/2014/main" id="{3EFE6B3F-85F4-4F4E-9AA9-12BCC0278AB0}"/>
               </a:ext>
             </a:extLst>
           </p:cNvPr>
@@ -7409,7 +7414,7 @@
           <p:cNvPr id="91" name="Conector recto de flecha 90">
             <a:extLst>
               <a:ext uri="{FF2B5EF4-FFF2-40B4-BE49-F238E27FC236}">
-                <a16:creationId xmlns:a16="http://schemas.microsoft.com/office/drawing/2014/main" id="{1680DF7B-3ADA-6449-8548-9ED4302AE385}"/>
+                <a16:creationId xmlns="" xmlns:a16="http://schemas.microsoft.com/office/drawing/2014/main" id="{1680DF7B-3ADA-6449-8548-9ED4302AE385}"/>
               </a:ext>
             </a:extLst>
           </p:cNvPr>
@@ -7452,7 +7457,7 @@
           <p:cNvPr id="94" name="Picture 22" descr="Foundations of Data Extraction Transform Load (ETL) - EWSolutions">
             <a:extLst>
               <a:ext uri="{FF2B5EF4-FFF2-40B4-BE49-F238E27FC236}">
-                <a16:creationId xmlns:a16="http://schemas.microsoft.com/office/drawing/2014/main" id="{B30C5C87-8C53-4C4B-8A4C-364EAE30824A}"/>
+                <a16:creationId xmlns="" xmlns:a16="http://schemas.microsoft.com/office/drawing/2014/main" id="{B30C5C87-8C53-4C4B-8A4C-364EAE30824A}"/>
               </a:ext>
             </a:extLst>
           </p:cNvPr>
@@ -7537,7 +7542,7 @@
           <p:cNvPr id="2" name="Título 1">
             <a:extLst>
               <a:ext uri="{FF2B5EF4-FFF2-40B4-BE49-F238E27FC236}">
-                <a16:creationId xmlns:a16="http://schemas.microsoft.com/office/drawing/2014/main" id="{9E49CA22-4C83-6340-AC8B-9C720FF31B17}"/>
+                <a16:creationId xmlns="" xmlns:a16="http://schemas.microsoft.com/office/drawing/2014/main" id="{9E49CA22-4C83-6340-AC8B-9C720FF31B17}"/>
               </a:ext>
             </a:extLst>
           </p:cNvPr>
@@ -7569,7 +7574,7 @@
           <p:cNvPr id="3" name="Marcador de contenido 2">
             <a:extLst>
               <a:ext uri="{FF2B5EF4-FFF2-40B4-BE49-F238E27FC236}">
-                <a16:creationId xmlns:a16="http://schemas.microsoft.com/office/drawing/2014/main" id="{A7A84354-4B8C-2840-9DEB-955C34342337}"/>
+                <a16:creationId xmlns="" xmlns:a16="http://schemas.microsoft.com/office/drawing/2014/main" id="{A7A84354-4B8C-2840-9DEB-955C34342337}"/>
               </a:ext>
             </a:extLst>
           </p:cNvPr>
@@ -7639,7 +7644,7 @@
           <p:cNvPr id="4" name="Grupo 3">
             <a:extLst>
               <a:ext uri="{FF2B5EF4-FFF2-40B4-BE49-F238E27FC236}">
-                <a16:creationId xmlns:a16="http://schemas.microsoft.com/office/drawing/2014/main" id="{61989F6F-50B9-A349-93F3-96C972391873}"/>
+                <a16:creationId xmlns="" xmlns:a16="http://schemas.microsoft.com/office/drawing/2014/main" id="{61989F6F-50B9-A349-93F3-96C972391873}"/>
               </a:ext>
             </a:extLst>
           </p:cNvPr>
@@ -7659,7 +7664,7 @@
             <p:cNvPr id="5" name="Rectángulo redondeado 4">
               <a:extLst>
                 <a:ext uri="{FF2B5EF4-FFF2-40B4-BE49-F238E27FC236}">
-                  <a16:creationId xmlns:a16="http://schemas.microsoft.com/office/drawing/2014/main" id="{0EDE425B-3EA4-634E-BE1D-392FE1707790}"/>
+                  <a16:creationId xmlns="" xmlns:a16="http://schemas.microsoft.com/office/drawing/2014/main" id="{0EDE425B-3EA4-634E-BE1D-392FE1707790}"/>
                 </a:ext>
               </a:extLst>
             </p:cNvPr>
@@ -7713,7 +7718,7 @@
             <p:cNvPr id="6" name="Picture 4" descr="CodeBuddies | About">
               <a:extLst>
                 <a:ext uri="{FF2B5EF4-FFF2-40B4-BE49-F238E27FC236}">
-                  <a16:creationId xmlns:a16="http://schemas.microsoft.com/office/drawing/2014/main" id="{925C6398-1E14-724A-90FF-BE798069BF36}"/>
+                  <a16:creationId xmlns="" xmlns:a16="http://schemas.microsoft.com/office/drawing/2014/main" id="{925C6398-1E14-724A-90FF-BE798069BF36}"/>
                 </a:ext>
               </a:extLst>
             </p:cNvPr>
@@ -7761,7 +7766,7 @@
           <p:cNvPr id="7" name="Picture 8" descr="Website icon png, Website icon png Transparent FREE for download on  WebStockReview 2020">
             <a:extLst>
               <a:ext uri="{FF2B5EF4-FFF2-40B4-BE49-F238E27FC236}">
-                <a16:creationId xmlns:a16="http://schemas.microsoft.com/office/drawing/2014/main" id="{3EBC31D2-D245-BE45-9943-6EDD85BC7724}"/>
+                <a16:creationId xmlns="" xmlns:a16="http://schemas.microsoft.com/office/drawing/2014/main" id="{3EBC31D2-D245-BE45-9943-6EDD85BC7724}"/>
               </a:ext>
             </a:extLst>
           </p:cNvPr>
@@ -7808,7 +7813,7 @@
           <p:cNvPr id="8" name="CuadroTexto 7">
             <a:extLst>
               <a:ext uri="{FF2B5EF4-FFF2-40B4-BE49-F238E27FC236}">
-                <a16:creationId xmlns:a16="http://schemas.microsoft.com/office/drawing/2014/main" id="{7B3DE214-DE10-754E-B261-4519DF1BD84E}"/>
+                <a16:creationId xmlns="" xmlns:a16="http://schemas.microsoft.com/office/drawing/2014/main" id="{7B3DE214-DE10-754E-B261-4519DF1BD84E}"/>
               </a:ext>
             </a:extLst>
           </p:cNvPr>
@@ -7888,7 +7893,7 @@
           <p:cNvPr id="2" name="Título 1">
             <a:extLst>
               <a:ext uri="{FF2B5EF4-FFF2-40B4-BE49-F238E27FC236}">
-                <a16:creationId xmlns:a16="http://schemas.microsoft.com/office/drawing/2014/main" id="{9E49CA22-4C83-6340-AC8B-9C720FF31B17}"/>
+                <a16:creationId xmlns="" xmlns:a16="http://schemas.microsoft.com/office/drawing/2014/main" id="{9E49CA22-4C83-6340-AC8B-9C720FF31B17}"/>
               </a:ext>
             </a:extLst>
           </p:cNvPr>
@@ -7920,7 +7925,7 @@
           <p:cNvPr id="3" name="Marcador de contenido 2">
             <a:extLst>
               <a:ext uri="{FF2B5EF4-FFF2-40B4-BE49-F238E27FC236}">
-                <a16:creationId xmlns:a16="http://schemas.microsoft.com/office/drawing/2014/main" id="{A7A84354-4B8C-2840-9DEB-955C34342337}"/>
+                <a16:creationId xmlns="" xmlns:a16="http://schemas.microsoft.com/office/drawing/2014/main" id="{A7A84354-4B8C-2840-9DEB-955C34342337}"/>
               </a:ext>
             </a:extLst>
           </p:cNvPr>
@@ -7987,7 +7992,7 @@
           <p:cNvPr id="9" name="Grupo 8">
             <a:extLst>
               <a:ext uri="{FF2B5EF4-FFF2-40B4-BE49-F238E27FC236}">
-                <a16:creationId xmlns:a16="http://schemas.microsoft.com/office/drawing/2014/main" id="{0EC20DD4-FBED-134C-A19D-1BC98B8CB053}"/>
+                <a16:creationId xmlns="" xmlns:a16="http://schemas.microsoft.com/office/drawing/2014/main" id="{0EC20DD4-FBED-134C-A19D-1BC98B8CB053}"/>
               </a:ext>
             </a:extLst>
           </p:cNvPr>
@@ -8007,7 +8012,7 @@
             <p:cNvPr id="10" name="Rectángulo redondeado 9">
               <a:extLst>
                 <a:ext uri="{FF2B5EF4-FFF2-40B4-BE49-F238E27FC236}">
-                  <a16:creationId xmlns:a16="http://schemas.microsoft.com/office/drawing/2014/main" id="{B2940871-60DE-0046-ACF0-0CD150884FAA}"/>
+                  <a16:creationId xmlns="" xmlns:a16="http://schemas.microsoft.com/office/drawing/2014/main" id="{B2940871-60DE-0046-ACF0-0CD150884FAA}"/>
                 </a:ext>
               </a:extLst>
             </p:cNvPr>
@@ -8061,7 +8066,7 @@
             <p:cNvPr id="11" name="Picture 2" descr="Iconos MongoDB - Descarga gratuita, PNG y SVG">
               <a:extLst>
                 <a:ext uri="{FF2B5EF4-FFF2-40B4-BE49-F238E27FC236}">
-                  <a16:creationId xmlns:a16="http://schemas.microsoft.com/office/drawing/2014/main" id="{ECCD7FAB-E147-214B-807B-4E7255D633DD}"/>
+                  <a16:creationId xmlns="" xmlns:a16="http://schemas.microsoft.com/office/drawing/2014/main" id="{ECCD7FAB-E147-214B-807B-4E7255D633DD}"/>
                 </a:ext>
               </a:extLst>
             </p:cNvPr>
@@ -8149,7 +8154,7 @@
           <p:cNvPr id="2" name="Título 1">
             <a:extLst>
               <a:ext uri="{FF2B5EF4-FFF2-40B4-BE49-F238E27FC236}">
-                <a16:creationId xmlns:a16="http://schemas.microsoft.com/office/drawing/2014/main" id="{9E49CA22-4C83-6340-AC8B-9C720FF31B17}"/>
+                <a16:creationId xmlns="" xmlns:a16="http://schemas.microsoft.com/office/drawing/2014/main" id="{9E49CA22-4C83-6340-AC8B-9C720FF31B17}"/>
               </a:ext>
             </a:extLst>
           </p:cNvPr>
@@ -8181,7 +8186,7 @@
           <p:cNvPr id="3" name="Marcador de contenido 2">
             <a:extLst>
               <a:ext uri="{FF2B5EF4-FFF2-40B4-BE49-F238E27FC236}">
-                <a16:creationId xmlns:a16="http://schemas.microsoft.com/office/drawing/2014/main" id="{A7A84354-4B8C-2840-9DEB-955C34342337}"/>
+                <a16:creationId xmlns="" xmlns:a16="http://schemas.microsoft.com/office/drawing/2014/main" id="{A7A84354-4B8C-2840-9DEB-955C34342337}"/>
               </a:ext>
             </a:extLst>
           </p:cNvPr>
@@ -8280,7 +8285,7 @@
           <p:cNvPr id="5" name="Imagen 4" descr="Texto&#10;&#10;Descripción generada automáticamente">
             <a:extLst>
               <a:ext uri="{FF2B5EF4-FFF2-40B4-BE49-F238E27FC236}">
-                <a16:creationId xmlns:a16="http://schemas.microsoft.com/office/drawing/2014/main" id="{57F741D4-5B99-5949-8FD5-469477BF61E6}"/>
+                <a16:creationId xmlns="" xmlns:a16="http://schemas.microsoft.com/office/drawing/2014/main" id="{57F741D4-5B99-5949-8FD5-469477BF61E6}"/>
               </a:ext>
             </a:extLst>
           </p:cNvPr>
@@ -8350,7 +8355,7 @@
           <p:cNvPr id="2" name="Título 1">
             <a:extLst>
               <a:ext uri="{FF2B5EF4-FFF2-40B4-BE49-F238E27FC236}">
-                <a16:creationId xmlns:a16="http://schemas.microsoft.com/office/drawing/2014/main" id="{9E49CA22-4C83-6340-AC8B-9C720FF31B17}"/>
+                <a16:creationId xmlns="" xmlns:a16="http://schemas.microsoft.com/office/drawing/2014/main" id="{9E49CA22-4C83-6340-AC8B-9C720FF31B17}"/>
               </a:ext>
             </a:extLst>
           </p:cNvPr>
@@ -8382,7 +8387,7 @@
           <p:cNvPr id="3" name="Marcador de contenido 2">
             <a:extLst>
               <a:ext uri="{FF2B5EF4-FFF2-40B4-BE49-F238E27FC236}">
-                <a16:creationId xmlns:a16="http://schemas.microsoft.com/office/drawing/2014/main" id="{A7A84354-4B8C-2840-9DEB-955C34342337}"/>
+                <a16:creationId xmlns="" xmlns:a16="http://schemas.microsoft.com/office/drawing/2014/main" id="{A7A84354-4B8C-2840-9DEB-955C34342337}"/>
               </a:ext>
             </a:extLst>
           </p:cNvPr>
@@ -8480,7 +8485,7 @@
           <p:cNvPr id="6" name="Imagen 5">
             <a:extLst>
               <a:ext uri="{FF2B5EF4-FFF2-40B4-BE49-F238E27FC236}">
-                <a16:creationId xmlns:a16="http://schemas.microsoft.com/office/drawing/2014/main" id="{48399839-1272-0E4B-9538-339770748B16}"/>
+                <a16:creationId xmlns="" xmlns:a16="http://schemas.microsoft.com/office/drawing/2014/main" id="{48399839-1272-0E4B-9538-339770748B16}"/>
               </a:ext>
             </a:extLst>
           </p:cNvPr>
@@ -8550,7 +8555,7 @@
           <p:cNvPr id="2" name="Título 1">
             <a:extLst>
               <a:ext uri="{FF2B5EF4-FFF2-40B4-BE49-F238E27FC236}">
-                <a16:creationId xmlns:a16="http://schemas.microsoft.com/office/drawing/2014/main" id="{9E49CA22-4C83-6340-AC8B-9C720FF31B17}"/>
+                <a16:creationId xmlns="" xmlns:a16="http://schemas.microsoft.com/office/drawing/2014/main" id="{9E49CA22-4C83-6340-AC8B-9C720FF31B17}"/>
               </a:ext>
             </a:extLst>
           </p:cNvPr>
@@ -8582,7 +8587,7 @@
           <p:cNvPr id="3" name="Marcador de contenido 2">
             <a:extLst>
               <a:ext uri="{FF2B5EF4-FFF2-40B4-BE49-F238E27FC236}">
-                <a16:creationId xmlns:a16="http://schemas.microsoft.com/office/drawing/2014/main" id="{A7A84354-4B8C-2840-9DEB-955C34342337}"/>
+                <a16:creationId xmlns="" xmlns:a16="http://schemas.microsoft.com/office/drawing/2014/main" id="{A7A84354-4B8C-2840-9DEB-955C34342337}"/>
               </a:ext>
             </a:extLst>
           </p:cNvPr>
@@ -8696,7 +8701,7 @@
           <p:cNvPr id="5" name="Imagen 4">
             <a:extLst>
               <a:ext uri="{FF2B5EF4-FFF2-40B4-BE49-F238E27FC236}">
-                <a16:creationId xmlns:a16="http://schemas.microsoft.com/office/drawing/2014/main" id="{A249441E-68E8-0F4B-BC0B-616F8C2F73E8}"/>
+                <a16:creationId xmlns="" xmlns:a16="http://schemas.microsoft.com/office/drawing/2014/main" id="{A249441E-68E8-0F4B-BC0B-616F8C2F73E8}"/>
               </a:ext>
             </a:extLst>
           </p:cNvPr>
@@ -8766,7 +8771,7 @@
           <p:cNvPr id="2" name="Título 1">
             <a:extLst>
               <a:ext uri="{FF2B5EF4-FFF2-40B4-BE49-F238E27FC236}">
-                <a16:creationId xmlns:a16="http://schemas.microsoft.com/office/drawing/2014/main" id="{9E49CA22-4C83-6340-AC8B-9C720FF31B17}"/>
+                <a16:creationId xmlns="" xmlns:a16="http://schemas.microsoft.com/office/drawing/2014/main" id="{9E49CA22-4C83-6340-AC8B-9C720FF31B17}"/>
               </a:ext>
             </a:extLst>
           </p:cNvPr>
@@ -8798,7 +8803,7 @@
           <p:cNvPr id="3" name="Marcador de contenido 2">
             <a:extLst>
               <a:ext uri="{FF2B5EF4-FFF2-40B4-BE49-F238E27FC236}">
-                <a16:creationId xmlns:a16="http://schemas.microsoft.com/office/drawing/2014/main" id="{A7A84354-4B8C-2840-9DEB-955C34342337}"/>
+                <a16:creationId xmlns="" xmlns:a16="http://schemas.microsoft.com/office/drawing/2014/main" id="{A7A84354-4B8C-2840-9DEB-955C34342337}"/>
               </a:ext>
             </a:extLst>
           </p:cNvPr>
@@ -8849,7 +8854,7 @@
           <p:cNvPr id="6" name="Imagen 5" descr="Texto&#10;&#10;Descripción generada automáticamente">
             <a:extLst>
               <a:ext uri="{FF2B5EF4-FFF2-40B4-BE49-F238E27FC236}">
-                <a16:creationId xmlns:a16="http://schemas.microsoft.com/office/drawing/2014/main" id="{4169F0F7-F8F1-2D4E-83F9-772C80695E34}"/>
+                <a16:creationId xmlns="" xmlns:a16="http://schemas.microsoft.com/office/drawing/2014/main" id="{4169F0F7-F8F1-2D4E-83F9-772C80695E34}"/>
               </a:ext>
             </a:extLst>
           </p:cNvPr>
@@ -8879,7 +8884,7 @@
           <p:cNvPr id="8" name="Imagen 7">
             <a:extLst>
               <a:ext uri="{FF2B5EF4-FFF2-40B4-BE49-F238E27FC236}">
-                <a16:creationId xmlns:a16="http://schemas.microsoft.com/office/drawing/2014/main" id="{B2586AF9-B491-014A-94E7-CCED2F94FCC1}"/>
+                <a16:creationId xmlns="" xmlns:a16="http://schemas.microsoft.com/office/drawing/2014/main" id="{B2586AF9-B491-014A-94E7-CCED2F94FCC1}"/>
               </a:ext>
             </a:extLst>
           </p:cNvPr>
@@ -8909,7 +8914,7 @@
           <p:cNvPr id="10" name="Imagen 9">
             <a:extLst>
               <a:ext uri="{FF2B5EF4-FFF2-40B4-BE49-F238E27FC236}">
-                <a16:creationId xmlns:a16="http://schemas.microsoft.com/office/drawing/2014/main" id="{F3EAC855-FE29-F74D-8D3F-F318E43F5899}"/>
+                <a16:creationId xmlns="" xmlns:a16="http://schemas.microsoft.com/office/drawing/2014/main" id="{F3EAC855-FE29-F74D-8D3F-F318E43F5899}"/>
               </a:ext>
             </a:extLst>
           </p:cNvPr>
@@ -8939,7 +8944,7 @@
           <p:cNvPr id="11" name="Picture 28" descr="Excel Sheet Icon #399324 - Free Icons Library">
             <a:extLst>
               <a:ext uri="{FF2B5EF4-FFF2-40B4-BE49-F238E27FC236}">
-                <a16:creationId xmlns:a16="http://schemas.microsoft.com/office/drawing/2014/main" id="{80D16F51-5D5D-6B49-A988-DA3693AE50A8}"/>
+                <a16:creationId xmlns="" xmlns:a16="http://schemas.microsoft.com/office/drawing/2014/main" id="{80D16F51-5D5D-6B49-A988-DA3693AE50A8}"/>
               </a:ext>
             </a:extLst>
           </p:cNvPr>
@@ -8986,7 +8991,7 @@
           <p:cNvPr id="12" name="Picture 30" descr="Txt file Icon of Colored Outline style - Available in SVG, PNG, EPS, AI &amp;  Icon fonts">
             <a:extLst>
               <a:ext uri="{FF2B5EF4-FFF2-40B4-BE49-F238E27FC236}">
-                <a16:creationId xmlns:a16="http://schemas.microsoft.com/office/drawing/2014/main" id="{47A169E9-3669-8741-BF13-CB80AD5D7F02}"/>
+                <a16:creationId xmlns="" xmlns:a16="http://schemas.microsoft.com/office/drawing/2014/main" id="{47A169E9-3669-8741-BF13-CB80AD5D7F02}"/>
               </a:ext>
             </a:extLst>
           </p:cNvPr>
@@ -9033,7 +9038,7 @@
           <p:cNvPr id="13" name="Picture 32" descr="Xml File Icon of Colored Outline style - Available in SVG, PNG, EPS, AI &amp;  Icon fonts">
             <a:extLst>
               <a:ext uri="{FF2B5EF4-FFF2-40B4-BE49-F238E27FC236}">
-                <a16:creationId xmlns:a16="http://schemas.microsoft.com/office/drawing/2014/main" id="{1E80B26B-9B53-5949-8D42-207635D06C24}"/>
+                <a16:creationId xmlns="" xmlns:a16="http://schemas.microsoft.com/office/drawing/2014/main" id="{1E80B26B-9B53-5949-8D42-207635D06C24}"/>
               </a:ext>
             </a:extLst>
           </p:cNvPr>
@@ -9120,7 +9125,7 @@
           <p:cNvPr id="2" name="Título 1">
             <a:extLst>
               <a:ext uri="{FF2B5EF4-FFF2-40B4-BE49-F238E27FC236}">
-                <a16:creationId xmlns:a16="http://schemas.microsoft.com/office/drawing/2014/main" id="{9E49CA22-4C83-6340-AC8B-9C720FF31B17}"/>
+                <a16:creationId xmlns="" xmlns:a16="http://schemas.microsoft.com/office/drawing/2014/main" id="{9E49CA22-4C83-6340-AC8B-9C720FF31B17}"/>
               </a:ext>
             </a:extLst>
           </p:cNvPr>
@@ -9152,7 +9157,7 @@
           <p:cNvPr id="3" name="Marcador de contenido 2">
             <a:extLst>
               <a:ext uri="{FF2B5EF4-FFF2-40B4-BE49-F238E27FC236}">
-                <a16:creationId xmlns:a16="http://schemas.microsoft.com/office/drawing/2014/main" id="{A7A84354-4B8C-2840-9DEB-955C34342337}"/>
+                <a16:creationId xmlns="" xmlns:a16="http://schemas.microsoft.com/office/drawing/2014/main" id="{A7A84354-4B8C-2840-9DEB-955C34342337}"/>
               </a:ext>
             </a:extLst>
           </p:cNvPr>
@@ -9242,7 +9247,7 @@
           <p:cNvPr id="14" name="Rectángulo redondeado 13">
             <a:extLst>
               <a:ext uri="{FF2B5EF4-FFF2-40B4-BE49-F238E27FC236}">
-                <a16:creationId xmlns:a16="http://schemas.microsoft.com/office/drawing/2014/main" id="{D13BC5B1-6BBE-8D46-86AA-D153993021C2}"/>
+                <a16:creationId xmlns="" xmlns:a16="http://schemas.microsoft.com/office/drawing/2014/main" id="{D13BC5B1-6BBE-8D46-86AA-D153993021C2}"/>
               </a:ext>
             </a:extLst>
           </p:cNvPr>
@@ -9296,7 +9301,7 @@
           <p:cNvPr id="15" name="Picture 20" descr="Firebase Brand Guidelines">
             <a:extLst>
               <a:ext uri="{FF2B5EF4-FFF2-40B4-BE49-F238E27FC236}">
-                <a16:creationId xmlns:a16="http://schemas.microsoft.com/office/drawing/2014/main" id="{A3B409FA-157C-F444-B5D2-67B86DF027E9}"/>
+                <a16:creationId xmlns="" xmlns:a16="http://schemas.microsoft.com/office/drawing/2014/main" id="{A3B409FA-157C-F444-B5D2-67B86DF027E9}"/>
               </a:ext>
             </a:extLst>
           </p:cNvPr>
@@ -9343,7 +9348,7 @@
           <p:cNvPr id="16" name="Picture 8" descr="Website icon png, Website icon png Transparent FREE for download on  WebStockReview 2020">
             <a:extLst>
               <a:ext uri="{FF2B5EF4-FFF2-40B4-BE49-F238E27FC236}">
-                <a16:creationId xmlns:a16="http://schemas.microsoft.com/office/drawing/2014/main" id="{DBB3C2C1-26B3-E54A-B780-6ECF1DCBC600}"/>
+                <a16:creationId xmlns="" xmlns:a16="http://schemas.microsoft.com/office/drawing/2014/main" id="{DBB3C2C1-26B3-E54A-B780-6ECF1DCBC600}"/>
               </a:ext>
             </a:extLst>
           </p:cNvPr>
@@ -9390,7 +9395,7 @@
           <p:cNvPr id="4" name="Rectángulo 3">
             <a:extLst>
               <a:ext uri="{FF2B5EF4-FFF2-40B4-BE49-F238E27FC236}">
-                <a16:creationId xmlns:a16="http://schemas.microsoft.com/office/drawing/2014/main" id="{87D37EEA-9332-AA43-8EC6-F3AF0CA7F818}"/>
+                <a16:creationId xmlns="" xmlns:a16="http://schemas.microsoft.com/office/drawing/2014/main" id="{87D37EEA-9332-AA43-8EC6-F3AF0CA7F818}"/>
               </a:ext>
             </a:extLst>
           </p:cNvPr>
@@ -9442,7 +9447,7 @@
           <p:cNvPr id="7" name="Imagen 6" descr="Tabla&#10;&#10;Descripción generada automáticamente">
             <a:extLst>
               <a:ext uri="{FF2B5EF4-FFF2-40B4-BE49-F238E27FC236}">
-                <a16:creationId xmlns:a16="http://schemas.microsoft.com/office/drawing/2014/main" id="{87A2A298-D90A-E547-ACD6-4CDB63263AE2}"/>
+                <a16:creationId xmlns="" xmlns:a16="http://schemas.microsoft.com/office/drawing/2014/main" id="{87A2A298-D90A-E547-ACD6-4CDB63263AE2}"/>
               </a:ext>
             </a:extLst>
           </p:cNvPr>

--- a/Documentacion/Proyecto_Data_Warehouse.pptx
+++ b/Documentacion/Proyecto_Data_Warehouse.pptx
@@ -148,7 +148,7 @@
           <p:cNvPr id="2" name="Título 1">
             <a:extLst>
               <a:ext uri="{FF2B5EF4-FFF2-40B4-BE49-F238E27FC236}">
-                <a16:creationId xmlns="" xmlns:a16="http://schemas.microsoft.com/office/drawing/2014/main" id="{285EF19D-9FA6-3144-B4F9-BFEDDC6E8632}"/>
+                <a16:creationId xmlns:a16="http://schemas.microsoft.com/office/drawing/2014/main" xmlns="" id="{285EF19D-9FA6-3144-B4F9-BFEDDC6E8632}"/>
               </a:ext>
             </a:extLst>
           </p:cNvPr>
@@ -186,7 +186,7 @@
           <p:cNvPr id="3" name="Subtítulo 2">
             <a:extLst>
               <a:ext uri="{FF2B5EF4-FFF2-40B4-BE49-F238E27FC236}">
-                <a16:creationId xmlns="" xmlns:a16="http://schemas.microsoft.com/office/drawing/2014/main" id="{29533BB6-B197-F94D-B695-548FC03FEC09}"/>
+                <a16:creationId xmlns:a16="http://schemas.microsoft.com/office/drawing/2014/main" xmlns="" id="{29533BB6-B197-F94D-B695-548FC03FEC09}"/>
               </a:ext>
             </a:extLst>
           </p:cNvPr>
@@ -257,7 +257,7 @@
           <p:cNvPr id="4" name="Marcador de fecha 3">
             <a:extLst>
               <a:ext uri="{FF2B5EF4-FFF2-40B4-BE49-F238E27FC236}">
-                <a16:creationId xmlns="" xmlns:a16="http://schemas.microsoft.com/office/drawing/2014/main" id="{1B857402-3FC4-AF4D-B29B-825A602153B1}"/>
+                <a16:creationId xmlns:a16="http://schemas.microsoft.com/office/drawing/2014/main" xmlns="" id="{1B857402-3FC4-AF4D-B29B-825A602153B1}"/>
               </a:ext>
             </a:extLst>
           </p:cNvPr>
@@ -275,7 +275,7 @@
           <a:p>
             <a:fld id="{FDDAC62A-4FD6-724A-8FD9-C2A886EF6C7F}" type="datetimeFigureOut">
               <a:rPr lang="es-CR" smtClean="0"/>
-              <a:t>5/1/2021</a:t>
+              <a:t>6/1/2021</a:t>
             </a:fld>
             <a:endParaRPr lang="es-CR"/>
           </a:p>
@@ -286,7 +286,7 @@
           <p:cNvPr id="5" name="Marcador de pie de página 4">
             <a:extLst>
               <a:ext uri="{FF2B5EF4-FFF2-40B4-BE49-F238E27FC236}">
-                <a16:creationId xmlns="" xmlns:a16="http://schemas.microsoft.com/office/drawing/2014/main" id="{073A1B5A-3026-B847-AD1C-5BD29AB7C4B4}"/>
+                <a16:creationId xmlns:a16="http://schemas.microsoft.com/office/drawing/2014/main" xmlns="" id="{073A1B5A-3026-B847-AD1C-5BD29AB7C4B4}"/>
               </a:ext>
             </a:extLst>
           </p:cNvPr>
@@ -311,7 +311,7 @@
           <p:cNvPr id="6" name="Marcador de número de diapositiva 5">
             <a:extLst>
               <a:ext uri="{FF2B5EF4-FFF2-40B4-BE49-F238E27FC236}">
-                <a16:creationId xmlns="" xmlns:a16="http://schemas.microsoft.com/office/drawing/2014/main" id="{63385D2A-7846-7D4E-964A-6AA64DFA19BD}"/>
+                <a16:creationId xmlns:a16="http://schemas.microsoft.com/office/drawing/2014/main" xmlns="" id="{63385D2A-7846-7D4E-964A-6AA64DFA19BD}"/>
               </a:ext>
             </a:extLst>
           </p:cNvPr>
@@ -370,7 +370,7 @@
           <p:cNvPr id="2" name="Título 1">
             <a:extLst>
               <a:ext uri="{FF2B5EF4-FFF2-40B4-BE49-F238E27FC236}">
-                <a16:creationId xmlns="" xmlns:a16="http://schemas.microsoft.com/office/drawing/2014/main" id="{D92DDE37-6189-3242-A588-98E508B28663}"/>
+                <a16:creationId xmlns:a16="http://schemas.microsoft.com/office/drawing/2014/main" xmlns="" id="{D92DDE37-6189-3242-A588-98E508B28663}"/>
               </a:ext>
             </a:extLst>
           </p:cNvPr>
@@ -399,7 +399,7 @@
           <p:cNvPr id="3" name="Marcador de texto vertical 2">
             <a:extLst>
               <a:ext uri="{FF2B5EF4-FFF2-40B4-BE49-F238E27FC236}">
-                <a16:creationId xmlns="" xmlns:a16="http://schemas.microsoft.com/office/drawing/2014/main" id="{B34A37AE-49DD-5048-AAAF-2EDC0C161678}"/>
+                <a16:creationId xmlns:a16="http://schemas.microsoft.com/office/drawing/2014/main" xmlns="" id="{B34A37AE-49DD-5048-AAAF-2EDC0C161678}"/>
               </a:ext>
             </a:extLst>
           </p:cNvPr>
@@ -457,7 +457,7 @@
           <p:cNvPr id="4" name="Marcador de fecha 3">
             <a:extLst>
               <a:ext uri="{FF2B5EF4-FFF2-40B4-BE49-F238E27FC236}">
-                <a16:creationId xmlns="" xmlns:a16="http://schemas.microsoft.com/office/drawing/2014/main" id="{D219D832-1128-9A46-99E0-BB7624E0A496}"/>
+                <a16:creationId xmlns:a16="http://schemas.microsoft.com/office/drawing/2014/main" xmlns="" id="{D219D832-1128-9A46-99E0-BB7624E0A496}"/>
               </a:ext>
             </a:extLst>
           </p:cNvPr>
@@ -475,7 +475,7 @@
           <a:p>
             <a:fld id="{FDDAC62A-4FD6-724A-8FD9-C2A886EF6C7F}" type="datetimeFigureOut">
               <a:rPr lang="es-CR" smtClean="0"/>
-              <a:t>5/1/2021</a:t>
+              <a:t>6/1/2021</a:t>
             </a:fld>
             <a:endParaRPr lang="es-CR"/>
           </a:p>
@@ -486,7 +486,7 @@
           <p:cNvPr id="5" name="Marcador de pie de página 4">
             <a:extLst>
               <a:ext uri="{FF2B5EF4-FFF2-40B4-BE49-F238E27FC236}">
-                <a16:creationId xmlns="" xmlns:a16="http://schemas.microsoft.com/office/drawing/2014/main" id="{0D740797-938D-BF4B-9044-1D02C6F131BE}"/>
+                <a16:creationId xmlns:a16="http://schemas.microsoft.com/office/drawing/2014/main" xmlns="" id="{0D740797-938D-BF4B-9044-1D02C6F131BE}"/>
               </a:ext>
             </a:extLst>
           </p:cNvPr>
@@ -511,7 +511,7 @@
           <p:cNvPr id="6" name="Marcador de número de diapositiva 5">
             <a:extLst>
               <a:ext uri="{FF2B5EF4-FFF2-40B4-BE49-F238E27FC236}">
-                <a16:creationId xmlns="" xmlns:a16="http://schemas.microsoft.com/office/drawing/2014/main" id="{7A211EE9-9C8E-DE4A-B33A-AF68CB868794}"/>
+                <a16:creationId xmlns:a16="http://schemas.microsoft.com/office/drawing/2014/main" xmlns="" id="{7A211EE9-9C8E-DE4A-B33A-AF68CB868794}"/>
               </a:ext>
             </a:extLst>
           </p:cNvPr>
@@ -570,7 +570,7 @@
           <p:cNvPr id="2" name="Título vertical 1">
             <a:extLst>
               <a:ext uri="{FF2B5EF4-FFF2-40B4-BE49-F238E27FC236}">
-                <a16:creationId xmlns="" xmlns:a16="http://schemas.microsoft.com/office/drawing/2014/main" id="{3529F073-1FBD-044B-9386-6558D3B16D47}"/>
+                <a16:creationId xmlns:a16="http://schemas.microsoft.com/office/drawing/2014/main" xmlns="" id="{3529F073-1FBD-044B-9386-6558D3B16D47}"/>
               </a:ext>
             </a:extLst>
           </p:cNvPr>
@@ -604,7 +604,7 @@
           <p:cNvPr id="3" name="Marcador de texto vertical 2">
             <a:extLst>
               <a:ext uri="{FF2B5EF4-FFF2-40B4-BE49-F238E27FC236}">
-                <a16:creationId xmlns="" xmlns:a16="http://schemas.microsoft.com/office/drawing/2014/main" id="{AE78067C-40E7-F645-AA1E-9AD665F2C75F}"/>
+                <a16:creationId xmlns:a16="http://schemas.microsoft.com/office/drawing/2014/main" xmlns="" id="{AE78067C-40E7-F645-AA1E-9AD665F2C75F}"/>
               </a:ext>
             </a:extLst>
           </p:cNvPr>
@@ -667,7 +667,7 @@
           <p:cNvPr id="4" name="Marcador de fecha 3">
             <a:extLst>
               <a:ext uri="{FF2B5EF4-FFF2-40B4-BE49-F238E27FC236}">
-                <a16:creationId xmlns="" xmlns:a16="http://schemas.microsoft.com/office/drawing/2014/main" id="{BD790AB7-ED75-3941-90A3-B19962C56F00}"/>
+                <a16:creationId xmlns:a16="http://schemas.microsoft.com/office/drawing/2014/main" xmlns="" id="{BD790AB7-ED75-3941-90A3-B19962C56F00}"/>
               </a:ext>
             </a:extLst>
           </p:cNvPr>
@@ -685,7 +685,7 @@
           <a:p>
             <a:fld id="{FDDAC62A-4FD6-724A-8FD9-C2A886EF6C7F}" type="datetimeFigureOut">
               <a:rPr lang="es-CR" smtClean="0"/>
-              <a:t>5/1/2021</a:t>
+              <a:t>6/1/2021</a:t>
             </a:fld>
             <a:endParaRPr lang="es-CR"/>
           </a:p>
@@ -696,7 +696,7 @@
           <p:cNvPr id="5" name="Marcador de pie de página 4">
             <a:extLst>
               <a:ext uri="{FF2B5EF4-FFF2-40B4-BE49-F238E27FC236}">
-                <a16:creationId xmlns="" xmlns:a16="http://schemas.microsoft.com/office/drawing/2014/main" id="{7C86E473-D25B-8745-9D7C-D02FC47143E7}"/>
+                <a16:creationId xmlns:a16="http://schemas.microsoft.com/office/drawing/2014/main" xmlns="" id="{7C86E473-D25B-8745-9D7C-D02FC47143E7}"/>
               </a:ext>
             </a:extLst>
           </p:cNvPr>
@@ -721,7 +721,7 @@
           <p:cNvPr id="6" name="Marcador de número de diapositiva 5">
             <a:extLst>
               <a:ext uri="{FF2B5EF4-FFF2-40B4-BE49-F238E27FC236}">
-                <a16:creationId xmlns="" xmlns:a16="http://schemas.microsoft.com/office/drawing/2014/main" id="{744EBDC4-F9C7-7048-A98F-4B6E77D0984F}"/>
+                <a16:creationId xmlns:a16="http://schemas.microsoft.com/office/drawing/2014/main" xmlns="" id="{744EBDC4-F9C7-7048-A98F-4B6E77D0984F}"/>
               </a:ext>
             </a:extLst>
           </p:cNvPr>
@@ -780,7 +780,7 @@
           <p:cNvPr id="2" name="Título 1">
             <a:extLst>
               <a:ext uri="{FF2B5EF4-FFF2-40B4-BE49-F238E27FC236}">
-                <a16:creationId xmlns="" xmlns:a16="http://schemas.microsoft.com/office/drawing/2014/main" id="{1C047F0D-FCB1-0048-BBDA-016EE912DCB9}"/>
+                <a16:creationId xmlns:a16="http://schemas.microsoft.com/office/drawing/2014/main" xmlns="" id="{1C047F0D-FCB1-0048-BBDA-016EE912DCB9}"/>
               </a:ext>
             </a:extLst>
           </p:cNvPr>
@@ -809,7 +809,7 @@
           <p:cNvPr id="3" name="Marcador de contenido 2">
             <a:extLst>
               <a:ext uri="{FF2B5EF4-FFF2-40B4-BE49-F238E27FC236}">
-                <a16:creationId xmlns="" xmlns:a16="http://schemas.microsoft.com/office/drawing/2014/main" id="{D25E0D4F-027E-3341-BBF1-C3F84FE720BA}"/>
+                <a16:creationId xmlns:a16="http://schemas.microsoft.com/office/drawing/2014/main" xmlns="" id="{D25E0D4F-027E-3341-BBF1-C3F84FE720BA}"/>
               </a:ext>
             </a:extLst>
           </p:cNvPr>
@@ -867,7 +867,7 @@
           <p:cNvPr id="4" name="Marcador de fecha 3">
             <a:extLst>
               <a:ext uri="{FF2B5EF4-FFF2-40B4-BE49-F238E27FC236}">
-                <a16:creationId xmlns="" xmlns:a16="http://schemas.microsoft.com/office/drawing/2014/main" id="{3FB07531-4B03-4048-8D03-CC30AEA2984D}"/>
+                <a16:creationId xmlns:a16="http://schemas.microsoft.com/office/drawing/2014/main" xmlns="" id="{3FB07531-4B03-4048-8D03-CC30AEA2984D}"/>
               </a:ext>
             </a:extLst>
           </p:cNvPr>
@@ -885,7 +885,7 @@
           <a:p>
             <a:fld id="{FDDAC62A-4FD6-724A-8FD9-C2A886EF6C7F}" type="datetimeFigureOut">
               <a:rPr lang="es-CR" smtClean="0"/>
-              <a:t>5/1/2021</a:t>
+              <a:t>6/1/2021</a:t>
             </a:fld>
             <a:endParaRPr lang="es-CR"/>
           </a:p>
@@ -896,7 +896,7 @@
           <p:cNvPr id="5" name="Marcador de pie de página 4">
             <a:extLst>
               <a:ext uri="{FF2B5EF4-FFF2-40B4-BE49-F238E27FC236}">
-                <a16:creationId xmlns="" xmlns:a16="http://schemas.microsoft.com/office/drawing/2014/main" id="{4E2C3C32-BF74-1F4A-9B9D-81114C79E4C7}"/>
+                <a16:creationId xmlns:a16="http://schemas.microsoft.com/office/drawing/2014/main" xmlns="" id="{4E2C3C32-BF74-1F4A-9B9D-81114C79E4C7}"/>
               </a:ext>
             </a:extLst>
           </p:cNvPr>
@@ -921,7 +921,7 @@
           <p:cNvPr id="6" name="Marcador de número de diapositiva 5">
             <a:extLst>
               <a:ext uri="{FF2B5EF4-FFF2-40B4-BE49-F238E27FC236}">
-                <a16:creationId xmlns="" xmlns:a16="http://schemas.microsoft.com/office/drawing/2014/main" id="{CB503657-83D5-CC44-84DF-70A69B74F286}"/>
+                <a16:creationId xmlns:a16="http://schemas.microsoft.com/office/drawing/2014/main" xmlns="" id="{CB503657-83D5-CC44-84DF-70A69B74F286}"/>
               </a:ext>
             </a:extLst>
           </p:cNvPr>
@@ -980,7 +980,7 @@
           <p:cNvPr id="2" name="Título 1">
             <a:extLst>
               <a:ext uri="{FF2B5EF4-FFF2-40B4-BE49-F238E27FC236}">
-                <a16:creationId xmlns="" xmlns:a16="http://schemas.microsoft.com/office/drawing/2014/main" id="{46323240-A916-B34B-9393-43A0D543FC6E}"/>
+                <a16:creationId xmlns:a16="http://schemas.microsoft.com/office/drawing/2014/main" xmlns="" id="{46323240-A916-B34B-9393-43A0D543FC6E}"/>
               </a:ext>
             </a:extLst>
           </p:cNvPr>
@@ -1018,7 +1018,7 @@
           <p:cNvPr id="3" name="Marcador de texto 2">
             <a:extLst>
               <a:ext uri="{FF2B5EF4-FFF2-40B4-BE49-F238E27FC236}">
-                <a16:creationId xmlns="" xmlns:a16="http://schemas.microsoft.com/office/drawing/2014/main" id="{138351E2-ADD1-AF47-9DBB-10DA81C29031}"/>
+                <a16:creationId xmlns:a16="http://schemas.microsoft.com/office/drawing/2014/main" xmlns="" id="{138351E2-ADD1-AF47-9DBB-10DA81C29031}"/>
               </a:ext>
             </a:extLst>
           </p:cNvPr>
@@ -1143,7 +1143,7 @@
           <p:cNvPr id="4" name="Marcador de fecha 3">
             <a:extLst>
               <a:ext uri="{FF2B5EF4-FFF2-40B4-BE49-F238E27FC236}">
-                <a16:creationId xmlns="" xmlns:a16="http://schemas.microsoft.com/office/drawing/2014/main" id="{7B423D7A-3084-AF44-BB16-C0D555C16D2B}"/>
+                <a16:creationId xmlns:a16="http://schemas.microsoft.com/office/drawing/2014/main" xmlns="" id="{7B423D7A-3084-AF44-BB16-C0D555C16D2B}"/>
               </a:ext>
             </a:extLst>
           </p:cNvPr>
@@ -1161,7 +1161,7 @@
           <a:p>
             <a:fld id="{FDDAC62A-4FD6-724A-8FD9-C2A886EF6C7F}" type="datetimeFigureOut">
               <a:rPr lang="es-CR" smtClean="0"/>
-              <a:t>5/1/2021</a:t>
+              <a:t>6/1/2021</a:t>
             </a:fld>
             <a:endParaRPr lang="es-CR"/>
           </a:p>
@@ -1172,7 +1172,7 @@
           <p:cNvPr id="5" name="Marcador de pie de página 4">
             <a:extLst>
               <a:ext uri="{FF2B5EF4-FFF2-40B4-BE49-F238E27FC236}">
-                <a16:creationId xmlns="" xmlns:a16="http://schemas.microsoft.com/office/drawing/2014/main" id="{AED0DA11-92DB-5A4B-926B-6DD06CA31B17}"/>
+                <a16:creationId xmlns:a16="http://schemas.microsoft.com/office/drawing/2014/main" xmlns="" id="{AED0DA11-92DB-5A4B-926B-6DD06CA31B17}"/>
               </a:ext>
             </a:extLst>
           </p:cNvPr>
@@ -1197,7 +1197,7 @@
           <p:cNvPr id="6" name="Marcador de número de diapositiva 5">
             <a:extLst>
               <a:ext uri="{FF2B5EF4-FFF2-40B4-BE49-F238E27FC236}">
-                <a16:creationId xmlns="" xmlns:a16="http://schemas.microsoft.com/office/drawing/2014/main" id="{7BD5C23C-9FCD-CA4C-ACDA-BC8BF58B3805}"/>
+                <a16:creationId xmlns:a16="http://schemas.microsoft.com/office/drawing/2014/main" xmlns="" id="{7BD5C23C-9FCD-CA4C-ACDA-BC8BF58B3805}"/>
               </a:ext>
             </a:extLst>
           </p:cNvPr>
@@ -1256,7 +1256,7 @@
           <p:cNvPr id="2" name="Título 1">
             <a:extLst>
               <a:ext uri="{FF2B5EF4-FFF2-40B4-BE49-F238E27FC236}">
-                <a16:creationId xmlns="" xmlns:a16="http://schemas.microsoft.com/office/drawing/2014/main" id="{3E92537C-8078-5847-BDB3-B2E6E2F44B0C}"/>
+                <a16:creationId xmlns:a16="http://schemas.microsoft.com/office/drawing/2014/main" xmlns="" id="{3E92537C-8078-5847-BDB3-B2E6E2F44B0C}"/>
               </a:ext>
             </a:extLst>
           </p:cNvPr>
@@ -1285,7 +1285,7 @@
           <p:cNvPr id="3" name="Marcador de contenido 2">
             <a:extLst>
               <a:ext uri="{FF2B5EF4-FFF2-40B4-BE49-F238E27FC236}">
-                <a16:creationId xmlns="" xmlns:a16="http://schemas.microsoft.com/office/drawing/2014/main" id="{AF5945E8-ADD8-C943-BF54-549CD77DE5E9}"/>
+                <a16:creationId xmlns:a16="http://schemas.microsoft.com/office/drawing/2014/main" xmlns="" id="{AF5945E8-ADD8-C943-BF54-549CD77DE5E9}"/>
               </a:ext>
             </a:extLst>
           </p:cNvPr>
@@ -1348,7 +1348,7 @@
           <p:cNvPr id="4" name="Marcador de contenido 3">
             <a:extLst>
               <a:ext uri="{FF2B5EF4-FFF2-40B4-BE49-F238E27FC236}">
-                <a16:creationId xmlns="" xmlns:a16="http://schemas.microsoft.com/office/drawing/2014/main" id="{D22746D3-D56E-8A45-BD9E-8E58D65F7554}"/>
+                <a16:creationId xmlns:a16="http://schemas.microsoft.com/office/drawing/2014/main" xmlns="" id="{D22746D3-D56E-8A45-BD9E-8E58D65F7554}"/>
               </a:ext>
             </a:extLst>
           </p:cNvPr>
@@ -1411,7 +1411,7 @@
           <p:cNvPr id="5" name="Marcador de fecha 4">
             <a:extLst>
               <a:ext uri="{FF2B5EF4-FFF2-40B4-BE49-F238E27FC236}">
-                <a16:creationId xmlns="" xmlns:a16="http://schemas.microsoft.com/office/drawing/2014/main" id="{30D988E3-6CC0-F44E-8E2F-BE4857D9274F}"/>
+                <a16:creationId xmlns:a16="http://schemas.microsoft.com/office/drawing/2014/main" xmlns="" id="{30D988E3-6CC0-F44E-8E2F-BE4857D9274F}"/>
               </a:ext>
             </a:extLst>
           </p:cNvPr>
@@ -1429,7 +1429,7 @@
           <a:p>
             <a:fld id="{FDDAC62A-4FD6-724A-8FD9-C2A886EF6C7F}" type="datetimeFigureOut">
               <a:rPr lang="es-CR" smtClean="0"/>
-              <a:t>5/1/2021</a:t>
+              <a:t>6/1/2021</a:t>
             </a:fld>
             <a:endParaRPr lang="es-CR"/>
           </a:p>
@@ -1440,7 +1440,7 @@
           <p:cNvPr id="6" name="Marcador de pie de página 5">
             <a:extLst>
               <a:ext uri="{FF2B5EF4-FFF2-40B4-BE49-F238E27FC236}">
-                <a16:creationId xmlns="" xmlns:a16="http://schemas.microsoft.com/office/drawing/2014/main" id="{8411AE57-D978-DF46-8D26-46B22384B94E}"/>
+                <a16:creationId xmlns:a16="http://schemas.microsoft.com/office/drawing/2014/main" xmlns="" id="{8411AE57-D978-DF46-8D26-46B22384B94E}"/>
               </a:ext>
             </a:extLst>
           </p:cNvPr>
@@ -1465,7 +1465,7 @@
           <p:cNvPr id="7" name="Marcador de número de diapositiva 6">
             <a:extLst>
               <a:ext uri="{FF2B5EF4-FFF2-40B4-BE49-F238E27FC236}">
-                <a16:creationId xmlns="" xmlns:a16="http://schemas.microsoft.com/office/drawing/2014/main" id="{956671E7-28E6-5A45-B476-87DE0CF5CA2B}"/>
+                <a16:creationId xmlns:a16="http://schemas.microsoft.com/office/drawing/2014/main" xmlns="" id="{956671E7-28E6-5A45-B476-87DE0CF5CA2B}"/>
               </a:ext>
             </a:extLst>
           </p:cNvPr>
@@ -1524,7 +1524,7 @@
           <p:cNvPr id="2" name="Título 1">
             <a:extLst>
               <a:ext uri="{FF2B5EF4-FFF2-40B4-BE49-F238E27FC236}">
-                <a16:creationId xmlns="" xmlns:a16="http://schemas.microsoft.com/office/drawing/2014/main" id="{E532DCFC-F285-A041-B969-B4B4E2550A25}"/>
+                <a16:creationId xmlns:a16="http://schemas.microsoft.com/office/drawing/2014/main" xmlns="" id="{E532DCFC-F285-A041-B969-B4B4E2550A25}"/>
               </a:ext>
             </a:extLst>
           </p:cNvPr>
@@ -1558,7 +1558,7 @@
           <p:cNvPr id="3" name="Marcador de texto 2">
             <a:extLst>
               <a:ext uri="{FF2B5EF4-FFF2-40B4-BE49-F238E27FC236}">
-                <a16:creationId xmlns="" xmlns:a16="http://schemas.microsoft.com/office/drawing/2014/main" id="{10D3DDE4-1496-A344-8A73-97F1D1D5CB81}"/>
+                <a16:creationId xmlns:a16="http://schemas.microsoft.com/office/drawing/2014/main" xmlns="" id="{10D3DDE4-1496-A344-8A73-97F1D1D5CB81}"/>
               </a:ext>
             </a:extLst>
           </p:cNvPr>
@@ -1629,7 +1629,7 @@
           <p:cNvPr id="4" name="Marcador de contenido 3">
             <a:extLst>
               <a:ext uri="{FF2B5EF4-FFF2-40B4-BE49-F238E27FC236}">
-                <a16:creationId xmlns="" xmlns:a16="http://schemas.microsoft.com/office/drawing/2014/main" id="{35D2516A-41CF-5740-A8A4-7A0A4B15E8EE}"/>
+                <a16:creationId xmlns:a16="http://schemas.microsoft.com/office/drawing/2014/main" xmlns="" id="{35D2516A-41CF-5740-A8A4-7A0A4B15E8EE}"/>
               </a:ext>
             </a:extLst>
           </p:cNvPr>
@@ -1692,7 +1692,7 @@
           <p:cNvPr id="5" name="Marcador de texto 4">
             <a:extLst>
               <a:ext uri="{FF2B5EF4-FFF2-40B4-BE49-F238E27FC236}">
-                <a16:creationId xmlns="" xmlns:a16="http://schemas.microsoft.com/office/drawing/2014/main" id="{4B24E2D6-A0AF-3F4D-99BC-D5FFE5755CD7}"/>
+                <a16:creationId xmlns:a16="http://schemas.microsoft.com/office/drawing/2014/main" xmlns="" id="{4B24E2D6-A0AF-3F4D-99BC-D5FFE5755CD7}"/>
               </a:ext>
             </a:extLst>
           </p:cNvPr>
@@ -1763,7 +1763,7 @@
           <p:cNvPr id="6" name="Marcador de contenido 5">
             <a:extLst>
               <a:ext uri="{FF2B5EF4-FFF2-40B4-BE49-F238E27FC236}">
-                <a16:creationId xmlns="" xmlns:a16="http://schemas.microsoft.com/office/drawing/2014/main" id="{8805DA70-AAE8-FC47-A290-273ABDBFDE9D}"/>
+                <a16:creationId xmlns:a16="http://schemas.microsoft.com/office/drawing/2014/main" xmlns="" id="{8805DA70-AAE8-FC47-A290-273ABDBFDE9D}"/>
               </a:ext>
             </a:extLst>
           </p:cNvPr>
@@ -1826,7 +1826,7 @@
           <p:cNvPr id="7" name="Marcador de fecha 6">
             <a:extLst>
               <a:ext uri="{FF2B5EF4-FFF2-40B4-BE49-F238E27FC236}">
-                <a16:creationId xmlns="" xmlns:a16="http://schemas.microsoft.com/office/drawing/2014/main" id="{7B08FBD3-41D6-BA4C-B25B-AD14C1508C04}"/>
+                <a16:creationId xmlns:a16="http://schemas.microsoft.com/office/drawing/2014/main" xmlns="" id="{7B08FBD3-41D6-BA4C-B25B-AD14C1508C04}"/>
               </a:ext>
             </a:extLst>
           </p:cNvPr>
@@ -1844,7 +1844,7 @@
           <a:p>
             <a:fld id="{FDDAC62A-4FD6-724A-8FD9-C2A886EF6C7F}" type="datetimeFigureOut">
               <a:rPr lang="es-CR" smtClean="0"/>
-              <a:t>5/1/2021</a:t>
+              <a:t>6/1/2021</a:t>
             </a:fld>
             <a:endParaRPr lang="es-CR"/>
           </a:p>
@@ -1855,7 +1855,7 @@
           <p:cNvPr id="8" name="Marcador de pie de página 7">
             <a:extLst>
               <a:ext uri="{FF2B5EF4-FFF2-40B4-BE49-F238E27FC236}">
-                <a16:creationId xmlns="" xmlns:a16="http://schemas.microsoft.com/office/drawing/2014/main" id="{65D2A37C-8D4A-B54A-9356-1F460F21AC20}"/>
+                <a16:creationId xmlns:a16="http://schemas.microsoft.com/office/drawing/2014/main" xmlns="" id="{65D2A37C-8D4A-B54A-9356-1F460F21AC20}"/>
               </a:ext>
             </a:extLst>
           </p:cNvPr>
@@ -1880,7 +1880,7 @@
           <p:cNvPr id="9" name="Marcador de número de diapositiva 8">
             <a:extLst>
               <a:ext uri="{FF2B5EF4-FFF2-40B4-BE49-F238E27FC236}">
-                <a16:creationId xmlns="" xmlns:a16="http://schemas.microsoft.com/office/drawing/2014/main" id="{FD653DC2-EA48-BB4E-A141-FE9B201C1070}"/>
+                <a16:creationId xmlns:a16="http://schemas.microsoft.com/office/drawing/2014/main" xmlns="" id="{FD653DC2-EA48-BB4E-A141-FE9B201C1070}"/>
               </a:ext>
             </a:extLst>
           </p:cNvPr>
@@ -1939,7 +1939,7 @@
           <p:cNvPr id="2" name="Título 1">
             <a:extLst>
               <a:ext uri="{FF2B5EF4-FFF2-40B4-BE49-F238E27FC236}">
-                <a16:creationId xmlns="" xmlns:a16="http://schemas.microsoft.com/office/drawing/2014/main" id="{BB5B3B1E-3F03-8345-B0D1-33B081AD6C38}"/>
+                <a16:creationId xmlns:a16="http://schemas.microsoft.com/office/drawing/2014/main" xmlns="" id="{BB5B3B1E-3F03-8345-B0D1-33B081AD6C38}"/>
               </a:ext>
             </a:extLst>
           </p:cNvPr>
@@ -1968,7 +1968,7 @@
           <p:cNvPr id="3" name="Marcador de fecha 2">
             <a:extLst>
               <a:ext uri="{FF2B5EF4-FFF2-40B4-BE49-F238E27FC236}">
-                <a16:creationId xmlns="" xmlns:a16="http://schemas.microsoft.com/office/drawing/2014/main" id="{222C35B7-0ADD-D840-9BA7-FD371651D242}"/>
+                <a16:creationId xmlns:a16="http://schemas.microsoft.com/office/drawing/2014/main" xmlns="" id="{222C35B7-0ADD-D840-9BA7-FD371651D242}"/>
               </a:ext>
             </a:extLst>
           </p:cNvPr>
@@ -1986,7 +1986,7 @@
           <a:p>
             <a:fld id="{FDDAC62A-4FD6-724A-8FD9-C2A886EF6C7F}" type="datetimeFigureOut">
               <a:rPr lang="es-CR" smtClean="0"/>
-              <a:t>5/1/2021</a:t>
+              <a:t>6/1/2021</a:t>
             </a:fld>
             <a:endParaRPr lang="es-CR"/>
           </a:p>
@@ -1997,7 +1997,7 @@
           <p:cNvPr id="4" name="Marcador de pie de página 3">
             <a:extLst>
               <a:ext uri="{FF2B5EF4-FFF2-40B4-BE49-F238E27FC236}">
-                <a16:creationId xmlns="" xmlns:a16="http://schemas.microsoft.com/office/drawing/2014/main" id="{FB370794-614E-CC40-AEA4-D61B529C9019}"/>
+                <a16:creationId xmlns:a16="http://schemas.microsoft.com/office/drawing/2014/main" xmlns="" id="{FB370794-614E-CC40-AEA4-D61B529C9019}"/>
               </a:ext>
             </a:extLst>
           </p:cNvPr>
@@ -2022,7 +2022,7 @@
           <p:cNvPr id="5" name="Marcador de número de diapositiva 4">
             <a:extLst>
               <a:ext uri="{FF2B5EF4-FFF2-40B4-BE49-F238E27FC236}">
-                <a16:creationId xmlns="" xmlns:a16="http://schemas.microsoft.com/office/drawing/2014/main" id="{46662854-7C93-7F48-A0F4-DC24EFFF6A5A}"/>
+                <a16:creationId xmlns:a16="http://schemas.microsoft.com/office/drawing/2014/main" xmlns="" id="{46662854-7C93-7F48-A0F4-DC24EFFF6A5A}"/>
               </a:ext>
             </a:extLst>
           </p:cNvPr>
@@ -2081,7 +2081,7 @@
           <p:cNvPr id="2" name="Marcador de fecha 1">
             <a:extLst>
               <a:ext uri="{FF2B5EF4-FFF2-40B4-BE49-F238E27FC236}">
-                <a16:creationId xmlns="" xmlns:a16="http://schemas.microsoft.com/office/drawing/2014/main" id="{995CAC29-CD15-C647-85E1-6536588505C1}"/>
+                <a16:creationId xmlns:a16="http://schemas.microsoft.com/office/drawing/2014/main" xmlns="" id="{995CAC29-CD15-C647-85E1-6536588505C1}"/>
               </a:ext>
             </a:extLst>
           </p:cNvPr>
@@ -2099,7 +2099,7 @@
           <a:p>
             <a:fld id="{FDDAC62A-4FD6-724A-8FD9-C2A886EF6C7F}" type="datetimeFigureOut">
               <a:rPr lang="es-CR" smtClean="0"/>
-              <a:t>5/1/2021</a:t>
+              <a:t>6/1/2021</a:t>
             </a:fld>
             <a:endParaRPr lang="es-CR"/>
           </a:p>
@@ -2110,7 +2110,7 @@
           <p:cNvPr id="3" name="Marcador de pie de página 2">
             <a:extLst>
               <a:ext uri="{FF2B5EF4-FFF2-40B4-BE49-F238E27FC236}">
-                <a16:creationId xmlns="" xmlns:a16="http://schemas.microsoft.com/office/drawing/2014/main" id="{4F318E2D-5E97-6145-91EB-0E58FF3E6AE4}"/>
+                <a16:creationId xmlns:a16="http://schemas.microsoft.com/office/drawing/2014/main" xmlns="" id="{4F318E2D-5E97-6145-91EB-0E58FF3E6AE4}"/>
               </a:ext>
             </a:extLst>
           </p:cNvPr>
@@ -2135,7 +2135,7 @@
           <p:cNvPr id="4" name="Marcador de número de diapositiva 3">
             <a:extLst>
               <a:ext uri="{FF2B5EF4-FFF2-40B4-BE49-F238E27FC236}">
-                <a16:creationId xmlns="" xmlns:a16="http://schemas.microsoft.com/office/drawing/2014/main" id="{9D9F022D-7662-2447-841E-968CA07CE5D8}"/>
+                <a16:creationId xmlns:a16="http://schemas.microsoft.com/office/drawing/2014/main" xmlns="" id="{9D9F022D-7662-2447-841E-968CA07CE5D8}"/>
               </a:ext>
             </a:extLst>
           </p:cNvPr>
@@ -2194,7 +2194,7 @@
           <p:cNvPr id="2" name="Título 1">
             <a:extLst>
               <a:ext uri="{FF2B5EF4-FFF2-40B4-BE49-F238E27FC236}">
-                <a16:creationId xmlns="" xmlns:a16="http://schemas.microsoft.com/office/drawing/2014/main" id="{19EB97AF-1072-E74E-8DB7-1B6F78C7144A}"/>
+                <a16:creationId xmlns:a16="http://schemas.microsoft.com/office/drawing/2014/main" xmlns="" id="{19EB97AF-1072-E74E-8DB7-1B6F78C7144A}"/>
               </a:ext>
             </a:extLst>
           </p:cNvPr>
@@ -2232,7 +2232,7 @@
           <p:cNvPr id="3" name="Marcador de contenido 2">
             <a:extLst>
               <a:ext uri="{FF2B5EF4-FFF2-40B4-BE49-F238E27FC236}">
-                <a16:creationId xmlns="" xmlns:a16="http://schemas.microsoft.com/office/drawing/2014/main" id="{6B8B864D-E71B-6549-95F5-D0879D932FB1}"/>
+                <a16:creationId xmlns:a16="http://schemas.microsoft.com/office/drawing/2014/main" xmlns="" id="{6B8B864D-E71B-6549-95F5-D0879D932FB1}"/>
               </a:ext>
             </a:extLst>
           </p:cNvPr>
@@ -2323,7 +2323,7 @@
           <p:cNvPr id="4" name="Marcador de texto 3">
             <a:extLst>
               <a:ext uri="{FF2B5EF4-FFF2-40B4-BE49-F238E27FC236}">
-                <a16:creationId xmlns="" xmlns:a16="http://schemas.microsoft.com/office/drawing/2014/main" id="{C133A80D-74C3-1647-A90B-D51E95407032}"/>
+                <a16:creationId xmlns:a16="http://schemas.microsoft.com/office/drawing/2014/main" xmlns="" id="{C133A80D-74C3-1647-A90B-D51E95407032}"/>
               </a:ext>
             </a:extLst>
           </p:cNvPr>
@@ -2394,7 +2394,7 @@
           <p:cNvPr id="5" name="Marcador de fecha 4">
             <a:extLst>
               <a:ext uri="{FF2B5EF4-FFF2-40B4-BE49-F238E27FC236}">
-                <a16:creationId xmlns="" xmlns:a16="http://schemas.microsoft.com/office/drawing/2014/main" id="{4C0E67F6-1075-5C42-9341-A59F32E8A7CF}"/>
+                <a16:creationId xmlns:a16="http://schemas.microsoft.com/office/drawing/2014/main" xmlns="" id="{4C0E67F6-1075-5C42-9341-A59F32E8A7CF}"/>
               </a:ext>
             </a:extLst>
           </p:cNvPr>
@@ -2412,7 +2412,7 @@
           <a:p>
             <a:fld id="{FDDAC62A-4FD6-724A-8FD9-C2A886EF6C7F}" type="datetimeFigureOut">
               <a:rPr lang="es-CR" smtClean="0"/>
-              <a:t>5/1/2021</a:t>
+              <a:t>6/1/2021</a:t>
             </a:fld>
             <a:endParaRPr lang="es-CR"/>
           </a:p>
@@ -2423,7 +2423,7 @@
           <p:cNvPr id="6" name="Marcador de pie de página 5">
             <a:extLst>
               <a:ext uri="{FF2B5EF4-FFF2-40B4-BE49-F238E27FC236}">
-                <a16:creationId xmlns="" xmlns:a16="http://schemas.microsoft.com/office/drawing/2014/main" id="{9221990C-9B37-7544-866C-745C8C5AC17F}"/>
+                <a16:creationId xmlns:a16="http://schemas.microsoft.com/office/drawing/2014/main" xmlns="" id="{9221990C-9B37-7544-866C-745C8C5AC17F}"/>
               </a:ext>
             </a:extLst>
           </p:cNvPr>
@@ -2448,7 +2448,7 @@
           <p:cNvPr id="7" name="Marcador de número de diapositiva 6">
             <a:extLst>
               <a:ext uri="{FF2B5EF4-FFF2-40B4-BE49-F238E27FC236}">
-                <a16:creationId xmlns="" xmlns:a16="http://schemas.microsoft.com/office/drawing/2014/main" id="{85217C98-9DAE-1843-9432-21937C32F994}"/>
+                <a16:creationId xmlns:a16="http://schemas.microsoft.com/office/drawing/2014/main" xmlns="" id="{85217C98-9DAE-1843-9432-21937C32F994}"/>
               </a:ext>
             </a:extLst>
           </p:cNvPr>
@@ -2507,7 +2507,7 @@
           <p:cNvPr id="2" name="Título 1">
             <a:extLst>
               <a:ext uri="{FF2B5EF4-FFF2-40B4-BE49-F238E27FC236}">
-                <a16:creationId xmlns="" xmlns:a16="http://schemas.microsoft.com/office/drawing/2014/main" id="{261F754B-771B-C347-87B4-9A855B6FD8B3}"/>
+                <a16:creationId xmlns:a16="http://schemas.microsoft.com/office/drawing/2014/main" xmlns="" id="{261F754B-771B-C347-87B4-9A855B6FD8B3}"/>
               </a:ext>
             </a:extLst>
           </p:cNvPr>
@@ -2545,7 +2545,7 @@
           <p:cNvPr id="3" name="Marcador de posición de imagen 2">
             <a:extLst>
               <a:ext uri="{FF2B5EF4-FFF2-40B4-BE49-F238E27FC236}">
-                <a16:creationId xmlns="" xmlns:a16="http://schemas.microsoft.com/office/drawing/2014/main" id="{B38B5963-C0C7-804B-88B8-3FCE6C28E304}"/>
+                <a16:creationId xmlns:a16="http://schemas.microsoft.com/office/drawing/2014/main" xmlns="" id="{B38B5963-C0C7-804B-88B8-3FCE6C28E304}"/>
               </a:ext>
             </a:extLst>
           </p:cNvPr>
@@ -2612,7 +2612,7 @@
           <p:cNvPr id="4" name="Marcador de texto 3">
             <a:extLst>
               <a:ext uri="{FF2B5EF4-FFF2-40B4-BE49-F238E27FC236}">
-                <a16:creationId xmlns="" xmlns:a16="http://schemas.microsoft.com/office/drawing/2014/main" id="{95C3DF74-5407-C84A-8400-1019A09C4F37}"/>
+                <a16:creationId xmlns:a16="http://schemas.microsoft.com/office/drawing/2014/main" xmlns="" id="{95C3DF74-5407-C84A-8400-1019A09C4F37}"/>
               </a:ext>
             </a:extLst>
           </p:cNvPr>
@@ -2683,7 +2683,7 @@
           <p:cNvPr id="5" name="Marcador de fecha 4">
             <a:extLst>
               <a:ext uri="{FF2B5EF4-FFF2-40B4-BE49-F238E27FC236}">
-                <a16:creationId xmlns="" xmlns:a16="http://schemas.microsoft.com/office/drawing/2014/main" id="{9746E7A3-EBD8-DD44-B4C5-DEFB452779CF}"/>
+                <a16:creationId xmlns:a16="http://schemas.microsoft.com/office/drawing/2014/main" xmlns="" id="{9746E7A3-EBD8-DD44-B4C5-DEFB452779CF}"/>
               </a:ext>
             </a:extLst>
           </p:cNvPr>
@@ -2701,7 +2701,7 @@
           <a:p>
             <a:fld id="{FDDAC62A-4FD6-724A-8FD9-C2A886EF6C7F}" type="datetimeFigureOut">
               <a:rPr lang="es-CR" smtClean="0"/>
-              <a:t>5/1/2021</a:t>
+              <a:t>6/1/2021</a:t>
             </a:fld>
             <a:endParaRPr lang="es-CR"/>
           </a:p>
@@ -2712,7 +2712,7 @@
           <p:cNvPr id="6" name="Marcador de pie de página 5">
             <a:extLst>
               <a:ext uri="{FF2B5EF4-FFF2-40B4-BE49-F238E27FC236}">
-                <a16:creationId xmlns="" xmlns:a16="http://schemas.microsoft.com/office/drawing/2014/main" id="{8C3078F2-E3F3-6E46-97DF-B6FF977B94FC}"/>
+                <a16:creationId xmlns:a16="http://schemas.microsoft.com/office/drawing/2014/main" xmlns="" id="{8C3078F2-E3F3-6E46-97DF-B6FF977B94FC}"/>
               </a:ext>
             </a:extLst>
           </p:cNvPr>
@@ -2737,7 +2737,7 @@
           <p:cNvPr id="7" name="Marcador de número de diapositiva 6">
             <a:extLst>
               <a:ext uri="{FF2B5EF4-FFF2-40B4-BE49-F238E27FC236}">
-                <a16:creationId xmlns="" xmlns:a16="http://schemas.microsoft.com/office/drawing/2014/main" id="{53ED8016-4E26-DB42-A70D-BA9AB6879E42}"/>
+                <a16:creationId xmlns:a16="http://schemas.microsoft.com/office/drawing/2014/main" xmlns="" id="{53ED8016-4E26-DB42-A70D-BA9AB6879E42}"/>
               </a:ext>
             </a:extLst>
           </p:cNvPr>
@@ -2801,7 +2801,7 @@
           <p:cNvPr id="2" name="Marcador de título 1">
             <a:extLst>
               <a:ext uri="{FF2B5EF4-FFF2-40B4-BE49-F238E27FC236}">
-                <a16:creationId xmlns="" xmlns:a16="http://schemas.microsoft.com/office/drawing/2014/main" id="{D6CA8B2E-AC1E-534B-8CD3-108EE63C54DC}"/>
+                <a16:creationId xmlns:a16="http://schemas.microsoft.com/office/drawing/2014/main" xmlns="" id="{D6CA8B2E-AC1E-534B-8CD3-108EE63C54DC}"/>
               </a:ext>
             </a:extLst>
           </p:cNvPr>
@@ -2840,7 +2840,7 @@
           <p:cNvPr id="3" name="Marcador de texto 2">
             <a:extLst>
               <a:ext uri="{FF2B5EF4-FFF2-40B4-BE49-F238E27FC236}">
-                <a16:creationId xmlns="" xmlns:a16="http://schemas.microsoft.com/office/drawing/2014/main" id="{E93FEA39-6C6A-714E-AF4C-8BF2B37F032A}"/>
+                <a16:creationId xmlns:a16="http://schemas.microsoft.com/office/drawing/2014/main" xmlns="" id="{E93FEA39-6C6A-714E-AF4C-8BF2B37F032A}"/>
               </a:ext>
             </a:extLst>
           </p:cNvPr>
@@ -2908,7 +2908,7 @@
           <p:cNvPr id="4" name="Marcador de fecha 3">
             <a:extLst>
               <a:ext uri="{FF2B5EF4-FFF2-40B4-BE49-F238E27FC236}">
-                <a16:creationId xmlns="" xmlns:a16="http://schemas.microsoft.com/office/drawing/2014/main" id="{AAF3D4A9-B8DA-2145-BB3B-B6F6F34DB569}"/>
+                <a16:creationId xmlns:a16="http://schemas.microsoft.com/office/drawing/2014/main" xmlns="" id="{AAF3D4A9-B8DA-2145-BB3B-B6F6F34DB569}"/>
               </a:ext>
             </a:extLst>
           </p:cNvPr>
@@ -2944,7 +2944,7 @@
           <a:p>
             <a:fld id="{FDDAC62A-4FD6-724A-8FD9-C2A886EF6C7F}" type="datetimeFigureOut">
               <a:rPr lang="es-CR" smtClean="0"/>
-              <a:t>5/1/2021</a:t>
+              <a:t>6/1/2021</a:t>
             </a:fld>
             <a:endParaRPr lang="es-CR"/>
           </a:p>
@@ -2955,7 +2955,7 @@
           <p:cNvPr id="5" name="Marcador de pie de página 4">
             <a:extLst>
               <a:ext uri="{FF2B5EF4-FFF2-40B4-BE49-F238E27FC236}">
-                <a16:creationId xmlns="" xmlns:a16="http://schemas.microsoft.com/office/drawing/2014/main" id="{A90ADE6A-8B8F-7547-B386-A82BA9DA1307}"/>
+                <a16:creationId xmlns:a16="http://schemas.microsoft.com/office/drawing/2014/main" xmlns="" id="{A90ADE6A-8B8F-7547-B386-A82BA9DA1307}"/>
               </a:ext>
             </a:extLst>
           </p:cNvPr>
@@ -2998,7 +2998,7 @@
           <p:cNvPr id="6" name="Marcador de número de diapositiva 5">
             <a:extLst>
               <a:ext uri="{FF2B5EF4-FFF2-40B4-BE49-F238E27FC236}">
-                <a16:creationId xmlns="" xmlns:a16="http://schemas.microsoft.com/office/drawing/2014/main" id="{410B89B9-DA61-8D48-BA78-CBD1987E1D27}"/>
+                <a16:creationId xmlns:a16="http://schemas.microsoft.com/office/drawing/2014/main" xmlns="" id="{410B89B9-DA61-8D48-BA78-CBD1987E1D27}"/>
               </a:ext>
             </a:extLst>
           </p:cNvPr>
@@ -3366,7 +3366,7 @@
           <p:cNvPr id="3" name="Subtítulo 2">
             <a:extLst>
               <a:ext uri="{FF2B5EF4-FFF2-40B4-BE49-F238E27FC236}">
-                <a16:creationId xmlns="" xmlns:a16="http://schemas.microsoft.com/office/drawing/2014/main" id="{77068AF5-B06E-5B4F-BE72-AF8A3201CC65}"/>
+                <a16:creationId xmlns:a16="http://schemas.microsoft.com/office/drawing/2014/main" xmlns="" id="{77068AF5-B06E-5B4F-BE72-AF8A3201CC65}"/>
               </a:ext>
             </a:extLst>
           </p:cNvPr>
@@ -3391,7 +3391,7 @@
           <p:cNvPr id="2050" name="Picture 2" descr="GP_Guides (BS 4)">
             <a:extLst>
               <a:ext uri="{FF2B5EF4-FFF2-40B4-BE49-F238E27FC236}">
-                <a16:creationId xmlns="" xmlns:a16="http://schemas.microsoft.com/office/drawing/2014/main" id="{9286F42D-84CC-1D46-A487-13B9985B0A51}"/>
+                <a16:creationId xmlns:a16="http://schemas.microsoft.com/office/drawing/2014/main" xmlns="" id="{9286F42D-84CC-1D46-A487-13B9985B0A51}"/>
               </a:ext>
             </a:extLst>
           </p:cNvPr>
@@ -3438,7 +3438,7 @@
           <p:cNvPr id="8" name="Rectángulo redondeado 7">
             <a:extLst>
               <a:ext uri="{FF2B5EF4-FFF2-40B4-BE49-F238E27FC236}">
-                <a16:creationId xmlns="" xmlns:a16="http://schemas.microsoft.com/office/drawing/2014/main" id="{A6ABD636-A198-134D-8215-A48B440BA6D7}"/>
+                <a16:creationId xmlns:a16="http://schemas.microsoft.com/office/drawing/2014/main" xmlns="" id="{A6ABD636-A198-134D-8215-A48B440BA6D7}"/>
               </a:ext>
             </a:extLst>
           </p:cNvPr>
@@ -3534,7 +3534,7 @@
           <p:cNvPr id="2" name="Título 1">
             <a:extLst>
               <a:ext uri="{FF2B5EF4-FFF2-40B4-BE49-F238E27FC236}">
-                <a16:creationId xmlns="" xmlns:a16="http://schemas.microsoft.com/office/drawing/2014/main" id="{9E49CA22-4C83-6340-AC8B-9C720FF31B17}"/>
+                <a16:creationId xmlns:a16="http://schemas.microsoft.com/office/drawing/2014/main" xmlns="" id="{9E49CA22-4C83-6340-AC8B-9C720FF31B17}"/>
               </a:ext>
             </a:extLst>
           </p:cNvPr>
@@ -3566,7 +3566,7 @@
           <p:cNvPr id="3" name="Marcador de contenido 2">
             <a:extLst>
               <a:ext uri="{FF2B5EF4-FFF2-40B4-BE49-F238E27FC236}">
-                <a16:creationId xmlns="" xmlns:a16="http://schemas.microsoft.com/office/drawing/2014/main" id="{A7A84354-4B8C-2840-9DEB-955C34342337}"/>
+                <a16:creationId xmlns:a16="http://schemas.microsoft.com/office/drawing/2014/main" xmlns="" id="{A7A84354-4B8C-2840-9DEB-955C34342337}"/>
               </a:ext>
             </a:extLst>
           </p:cNvPr>
@@ -3643,7 +3643,7 @@
           <p:cNvPr id="9" name="Rectángulo redondeado 8">
             <a:extLst>
               <a:ext uri="{FF2B5EF4-FFF2-40B4-BE49-F238E27FC236}">
-                <a16:creationId xmlns="" xmlns:a16="http://schemas.microsoft.com/office/drawing/2014/main" id="{89ECBAA0-16FD-964F-A97A-4541198C2922}"/>
+                <a16:creationId xmlns:a16="http://schemas.microsoft.com/office/drawing/2014/main" xmlns="" id="{89ECBAA0-16FD-964F-A97A-4541198C2922}"/>
               </a:ext>
             </a:extLst>
           </p:cNvPr>
@@ -3700,7 +3700,7 @@
           <p:cNvPr id="10" name="Picture 6">
             <a:extLst>
               <a:ext uri="{FF2B5EF4-FFF2-40B4-BE49-F238E27FC236}">
-                <a16:creationId xmlns="" xmlns:a16="http://schemas.microsoft.com/office/drawing/2014/main" id="{5B48FADF-06BB-B94C-9A5A-D6E2B1E18768}"/>
+                <a16:creationId xmlns:a16="http://schemas.microsoft.com/office/drawing/2014/main" xmlns="" id="{5B48FADF-06BB-B94C-9A5A-D6E2B1E18768}"/>
               </a:ext>
             </a:extLst>
           </p:cNvPr>
@@ -3785,7 +3785,7 @@
           <p:cNvPr id="2" name="Título 1">
             <a:extLst>
               <a:ext uri="{FF2B5EF4-FFF2-40B4-BE49-F238E27FC236}">
-                <a16:creationId xmlns="" xmlns:a16="http://schemas.microsoft.com/office/drawing/2014/main" id="{A237D942-44B3-1A49-8F1E-37DAA1CC005A}"/>
+                <a16:creationId xmlns:a16="http://schemas.microsoft.com/office/drawing/2014/main" xmlns="" id="{A237D942-44B3-1A49-8F1E-37DAA1CC005A}"/>
               </a:ext>
             </a:extLst>
           </p:cNvPr>
@@ -3813,7 +3813,7 @@
           <p:cNvPr id="3" name="Marcador de contenido 2">
             <a:extLst>
               <a:ext uri="{FF2B5EF4-FFF2-40B4-BE49-F238E27FC236}">
-                <a16:creationId xmlns="" xmlns:a16="http://schemas.microsoft.com/office/drawing/2014/main" id="{72A9E977-D8F6-564B-B5A1-6BBE24F2B2EF}"/>
+                <a16:creationId xmlns:a16="http://schemas.microsoft.com/office/drawing/2014/main" xmlns="" id="{72A9E977-D8F6-564B-B5A1-6BBE24F2B2EF}"/>
               </a:ext>
             </a:extLst>
           </p:cNvPr>
@@ -3892,7 +3892,7 @@
           <p:cNvPr id="8" name="Imagen 7">
             <a:extLst>
               <a:ext uri="{FF2B5EF4-FFF2-40B4-BE49-F238E27FC236}">
-                <a16:creationId xmlns="" xmlns:a16="http://schemas.microsoft.com/office/drawing/2014/main" id="{5DF8F730-9EAC-5A49-9E31-C24A0CB85086}"/>
+                <a16:creationId xmlns:a16="http://schemas.microsoft.com/office/drawing/2014/main" xmlns="" id="{5DF8F730-9EAC-5A49-9E31-C24A0CB85086}"/>
               </a:ext>
             </a:extLst>
           </p:cNvPr>
@@ -3962,7 +3962,7 @@
           <p:cNvPr id="2" name="Título 1">
             <a:extLst>
               <a:ext uri="{FF2B5EF4-FFF2-40B4-BE49-F238E27FC236}">
-                <a16:creationId xmlns="" xmlns:a16="http://schemas.microsoft.com/office/drawing/2014/main" id="{A237D942-44B3-1A49-8F1E-37DAA1CC005A}"/>
+                <a16:creationId xmlns:a16="http://schemas.microsoft.com/office/drawing/2014/main" xmlns="" id="{A237D942-44B3-1A49-8F1E-37DAA1CC005A}"/>
               </a:ext>
             </a:extLst>
           </p:cNvPr>
@@ -3994,7 +3994,7 @@
           <p:cNvPr id="3" name="Marcador de contenido 2">
             <a:extLst>
               <a:ext uri="{FF2B5EF4-FFF2-40B4-BE49-F238E27FC236}">
-                <a16:creationId xmlns="" xmlns:a16="http://schemas.microsoft.com/office/drawing/2014/main" id="{72A9E977-D8F6-564B-B5A1-6BBE24F2B2EF}"/>
+                <a16:creationId xmlns:a16="http://schemas.microsoft.com/office/drawing/2014/main" xmlns="" id="{72A9E977-D8F6-564B-B5A1-6BBE24F2B2EF}"/>
               </a:ext>
             </a:extLst>
           </p:cNvPr>
@@ -4111,7 +4111,7 @@
           <p:cNvPr id="2" name="Título 1">
             <a:extLst>
               <a:ext uri="{FF2B5EF4-FFF2-40B4-BE49-F238E27FC236}">
-                <a16:creationId xmlns="" xmlns:a16="http://schemas.microsoft.com/office/drawing/2014/main" id="{A237D942-44B3-1A49-8F1E-37DAA1CC005A}"/>
+                <a16:creationId xmlns:a16="http://schemas.microsoft.com/office/drawing/2014/main" xmlns="" id="{A237D942-44B3-1A49-8F1E-37DAA1CC005A}"/>
               </a:ext>
             </a:extLst>
           </p:cNvPr>
@@ -4139,7 +4139,7 @@
           <p:cNvPr id="3" name="Marcador de contenido 2">
             <a:extLst>
               <a:ext uri="{FF2B5EF4-FFF2-40B4-BE49-F238E27FC236}">
-                <a16:creationId xmlns="" xmlns:a16="http://schemas.microsoft.com/office/drawing/2014/main" id="{72A9E977-D8F6-564B-B5A1-6BBE24F2B2EF}"/>
+                <a16:creationId xmlns:a16="http://schemas.microsoft.com/office/drawing/2014/main" xmlns="" id="{72A9E977-D8F6-564B-B5A1-6BBE24F2B2EF}"/>
               </a:ext>
             </a:extLst>
           </p:cNvPr>
@@ -4207,7 +4207,7 @@
           <p:cNvPr id="5" name="Grupo 4">
             <a:extLst>
               <a:ext uri="{FF2B5EF4-FFF2-40B4-BE49-F238E27FC236}">
-                <a16:creationId xmlns="" xmlns:a16="http://schemas.microsoft.com/office/drawing/2014/main" id="{A11CCD0C-0EC7-2642-9D06-0557D05398ED}"/>
+                <a16:creationId xmlns:a16="http://schemas.microsoft.com/office/drawing/2014/main" xmlns="" id="{A11CCD0C-0EC7-2642-9D06-0557D05398ED}"/>
               </a:ext>
             </a:extLst>
           </p:cNvPr>
@@ -4227,7 +4227,7 @@
             <p:cNvPr id="6" name="Rectángulo redondeado 5">
               <a:extLst>
                 <a:ext uri="{FF2B5EF4-FFF2-40B4-BE49-F238E27FC236}">
-                  <a16:creationId xmlns="" xmlns:a16="http://schemas.microsoft.com/office/drawing/2014/main" id="{332414F5-2E4D-DD40-851E-3FC2FB49EC84}"/>
+                  <a16:creationId xmlns:a16="http://schemas.microsoft.com/office/drawing/2014/main" xmlns="" id="{332414F5-2E4D-DD40-851E-3FC2FB49EC84}"/>
                 </a:ext>
               </a:extLst>
             </p:cNvPr>
@@ -4279,7 +4279,7 @@
             <p:cNvPr id="7" name="Picture 24" descr="Cuadros de Mando con Power BI – Next-Step Consultores">
               <a:extLst>
                 <a:ext uri="{FF2B5EF4-FFF2-40B4-BE49-F238E27FC236}">
-                  <a16:creationId xmlns="" xmlns:a16="http://schemas.microsoft.com/office/drawing/2014/main" id="{4277B5A6-38E2-FA49-84F9-81C521275544}"/>
+                  <a16:creationId xmlns:a16="http://schemas.microsoft.com/office/drawing/2014/main" xmlns="" id="{4277B5A6-38E2-FA49-84F9-81C521275544}"/>
                 </a:ext>
               </a:extLst>
             </p:cNvPr>
@@ -4363,7 +4363,7 @@
           <p:cNvPr id="2" name="Título 1">
             <a:extLst>
               <a:ext uri="{FF2B5EF4-FFF2-40B4-BE49-F238E27FC236}">
-                <a16:creationId xmlns="" xmlns:a16="http://schemas.microsoft.com/office/drawing/2014/main" id="{A237D942-44B3-1A49-8F1E-37DAA1CC005A}"/>
+                <a16:creationId xmlns:a16="http://schemas.microsoft.com/office/drawing/2014/main" xmlns="" id="{A237D942-44B3-1A49-8F1E-37DAA1CC005A}"/>
               </a:ext>
             </a:extLst>
           </p:cNvPr>
@@ -4391,7 +4391,7 @@
           <p:cNvPr id="3" name="Marcador de contenido 2">
             <a:extLst>
               <a:ext uri="{FF2B5EF4-FFF2-40B4-BE49-F238E27FC236}">
-                <a16:creationId xmlns="" xmlns:a16="http://schemas.microsoft.com/office/drawing/2014/main" id="{72A9E977-D8F6-564B-B5A1-6BBE24F2B2EF}"/>
+                <a16:creationId xmlns:a16="http://schemas.microsoft.com/office/drawing/2014/main" xmlns="" id="{72A9E977-D8F6-564B-B5A1-6BBE24F2B2EF}"/>
               </a:ext>
             </a:extLst>
           </p:cNvPr>
@@ -4477,7 +4477,7 @@
           <p:cNvPr id="5" name="Grupo 4">
             <a:extLst>
               <a:ext uri="{FF2B5EF4-FFF2-40B4-BE49-F238E27FC236}">
-                <a16:creationId xmlns="" xmlns:a16="http://schemas.microsoft.com/office/drawing/2014/main" id="{A11CCD0C-0EC7-2642-9D06-0557D05398ED}"/>
+                <a16:creationId xmlns:a16="http://schemas.microsoft.com/office/drawing/2014/main" xmlns="" id="{A11CCD0C-0EC7-2642-9D06-0557D05398ED}"/>
               </a:ext>
             </a:extLst>
           </p:cNvPr>
@@ -4497,7 +4497,7 @@
             <p:cNvPr id="6" name="Rectángulo redondeado 5">
               <a:extLst>
                 <a:ext uri="{FF2B5EF4-FFF2-40B4-BE49-F238E27FC236}">
-                  <a16:creationId xmlns="" xmlns:a16="http://schemas.microsoft.com/office/drawing/2014/main" id="{332414F5-2E4D-DD40-851E-3FC2FB49EC84}"/>
+                  <a16:creationId xmlns:a16="http://schemas.microsoft.com/office/drawing/2014/main" xmlns="" id="{332414F5-2E4D-DD40-851E-3FC2FB49EC84}"/>
                 </a:ext>
               </a:extLst>
             </p:cNvPr>
@@ -4549,7 +4549,7 @@
             <p:cNvPr id="7" name="Picture 24" descr="Cuadros de Mando con Power BI – Next-Step Consultores">
               <a:extLst>
                 <a:ext uri="{FF2B5EF4-FFF2-40B4-BE49-F238E27FC236}">
-                  <a16:creationId xmlns="" xmlns:a16="http://schemas.microsoft.com/office/drawing/2014/main" id="{4277B5A6-38E2-FA49-84F9-81C521275544}"/>
+                  <a16:creationId xmlns:a16="http://schemas.microsoft.com/office/drawing/2014/main" xmlns="" id="{4277B5A6-38E2-FA49-84F9-81C521275544}"/>
                 </a:ext>
               </a:extLst>
             </p:cNvPr>
@@ -4633,10 +4633,10 @@
           <p:cNvPr id="137" name="Rectangle 136">
             <a:extLst>
               <a:ext uri="{FF2B5EF4-FFF2-40B4-BE49-F238E27FC236}">
-                <a16:creationId xmlns="" xmlns:a16="http://schemas.microsoft.com/office/drawing/2014/main" id="{7C432AFE-B3D2-4BFF-BF8F-96C27AFF1AC7}"/>
+                <a16:creationId xmlns:a16="http://schemas.microsoft.com/office/drawing/2014/main" xmlns="" id="{7C432AFE-B3D2-4BFF-BF8F-96C27AFF1AC7}"/>
               </a:ext>
               <a:ext uri="{C183D7F6-B498-43B3-948B-1728B52AA6E4}">
-                <adec:decorative xmlns="" xmlns:adec="http://schemas.microsoft.com/office/drawing/2017/decorative" val="1"/>
+                <adec:decorative xmlns:adec="http://schemas.microsoft.com/office/drawing/2017/decorative" xmlns="" val="1"/>
               </a:ext>
             </a:extLst>
           </p:cNvPr>
@@ -4646,7 +4646,7 @@
           <p:nvPr>
             <p:extLst>
               <p:ext uri="{386F3935-93C4-4BCD-93E2-E3B085C9AB24}">
-                <p16:designElem xmlns="" xmlns:p16="http://schemas.microsoft.com/office/powerpoint/2015/main" val="1"/>
+                <p16:designElem xmlns:p16="http://schemas.microsoft.com/office/powerpoint/2015/main" xmlns="" val="1"/>
               </p:ext>
             </p:extLst>
           </p:nvPr>
@@ -4693,7 +4693,7 @@
           <p:cNvPr id="15364" name="Picture 4" descr="Curiosidades de la Navidad - La palabra “Navidad”">
             <a:extLst>
               <a:ext uri="{FF2B5EF4-FFF2-40B4-BE49-F238E27FC236}">
-                <a16:creationId xmlns="" xmlns:a16="http://schemas.microsoft.com/office/drawing/2014/main" id="{B94466BE-747F-BB49-B11C-064FC38F350F}"/>
+                <a16:creationId xmlns:a16="http://schemas.microsoft.com/office/drawing/2014/main" xmlns="" id="{B94466BE-747F-BB49-B11C-064FC38F350F}"/>
               </a:ext>
             </a:extLst>
           </p:cNvPr>
@@ -4739,7 +4739,7 @@
           <p:cNvPr id="2" name="Título 1">
             <a:extLst>
               <a:ext uri="{FF2B5EF4-FFF2-40B4-BE49-F238E27FC236}">
-                <a16:creationId xmlns="" xmlns:a16="http://schemas.microsoft.com/office/drawing/2014/main" id="{14DD8BC0-9F9B-0646-B0CE-8DC5EAA91D4F}"/>
+                <a16:creationId xmlns:a16="http://schemas.microsoft.com/office/drawing/2014/main" xmlns="" id="{14DD8BC0-9F9B-0646-B0CE-8DC5EAA91D4F}"/>
               </a:ext>
             </a:extLst>
           </p:cNvPr>
@@ -4774,10 +4774,10 @@
           <p:cNvPr id="139" name="Rectangle 138">
             <a:extLst>
               <a:ext uri="{FF2B5EF4-FFF2-40B4-BE49-F238E27FC236}">
-                <a16:creationId xmlns="" xmlns:a16="http://schemas.microsoft.com/office/drawing/2014/main" id="{AF2F604E-43BE-4DC3-B983-E071523364F8}"/>
+                <a16:creationId xmlns:a16="http://schemas.microsoft.com/office/drawing/2014/main" xmlns="" id="{AF2F604E-43BE-4DC3-B983-E071523364F8}"/>
               </a:ext>
               <a:ext uri="{C183D7F6-B498-43B3-948B-1728B52AA6E4}">
-                <adec:decorative xmlns="" xmlns:adec="http://schemas.microsoft.com/office/drawing/2017/decorative" val="1"/>
+                <adec:decorative xmlns:adec="http://schemas.microsoft.com/office/drawing/2017/decorative" xmlns="" val="1"/>
               </a:ext>
             </a:extLst>
           </p:cNvPr>
@@ -4787,7 +4787,7 @@
           <p:nvPr>
             <p:extLst>
               <p:ext uri="{386F3935-93C4-4BCD-93E2-E3B085C9AB24}">
-                <p16:designElem xmlns="" xmlns:p16="http://schemas.microsoft.com/office/powerpoint/2015/main" val="1"/>
+                <p16:designElem xmlns:p16="http://schemas.microsoft.com/office/powerpoint/2015/main" xmlns="" val="1"/>
               </p:ext>
             </p:extLst>
           </p:nvPr>
@@ -4842,10 +4842,10 @@
           <p:cNvPr id="141" name="Rectangle 140">
             <a:extLst>
               <a:ext uri="{FF2B5EF4-FFF2-40B4-BE49-F238E27FC236}">
-                <a16:creationId xmlns="" xmlns:a16="http://schemas.microsoft.com/office/drawing/2014/main" id="{08C9B587-E65E-4B52-B37C-ABEBB6E87928}"/>
+                <a16:creationId xmlns:a16="http://schemas.microsoft.com/office/drawing/2014/main" xmlns="" id="{08C9B587-E65E-4B52-B37C-ABEBB6E87928}"/>
               </a:ext>
               <a:ext uri="{C183D7F6-B498-43B3-948B-1728B52AA6E4}">
-                <adec:decorative xmlns="" xmlns:adec="http://schemas.microsoft.com/office/drawing/2017/decorative" val="1"/>
+                <adec:decorative xmlns:adec="http://schemas.microsoft.com/office/drawing/2017/decorative" xmlns="" val="1"/>
               </a:ext>
             </a:extLst>
           </p:cNvPr>
@@ -4855,7 +4855,7 @@
           <p:nvPr>
             <p:extLst>
               <p:ext uri="{386F3935-93C4-4BCD-93E2-E3B085C9AB24}">
-                <p16:designElem xmlns="" xmlns:p16="http://schemas.microsoft.com/office/powerpoint/2015/main" val="1"/>
+                <p16:designElem xmlns:p16="http://schemas.microsoft.com/office/powerpoint/2015/main" xmlns="" val="1"/>
               </p:ext>
             </p:extLst>
           </p:nvPr>
@@ -4935,7 +4935,7 @@
           <p:cNvPr id="3" name="Marcador de contenido 2">
             <a:extLst>
               <a:ext uri="{FF2B5EF4-FFF2-40B4-BE49-F238E27FC236}">
-                <a16:creationId xmlns="" xmlns:a16="http://schemas.microsoft.com/office/drawing/2014/main" id="{558EA87C-5DD2-CE40-9A94-48E4FFD28EE5}"/>
+                <a16:creationId xmlns:a16="http://schemas.microsoft.com/office/drawing/2014/main" xmlns="" id="{558EA87C-5DD2-CE40-9A94-48E4FFD28EE5}"/>
               </a:ext>
             </a:extLst>
           </p:cNvPr>
@@ -5032,7 +5032,7 @@
           <p:cNvPr id="75" name="Rectángulo redondeado 74">
             <a:extLst>
               <a:ext uri="{FF2B5EF4-FFF2-40B4-BE49-F238E27FC236}">
-                <a16:creationId xmlns="" xmlns:a16="http://schemas.microsoft.com/office/drawing/2014/main" id="{276D2BF0-FEA7-074E-B85A-D08F0CE6ACC1}"/>
+                <a16:creationId xmlns:a16="http://schemas.microsoft.com/office/drawing/2014/main" xmlns="" id="{276D2BF0-FEA7-074E-B85A-D08F0CE6ACC1}"/>
               </a:ext>
             </a:extLst>
           </p:cNvPr>
@@ -5086,7 +5086,7 @@
           <p:cNvPr id="41" name="Rectángulo redondeado 40">
             <a:extLst>
               <a:ext uri="{FF2B5EF4-FFF2-40B4-BE49-F238E27FC236}">
-                <a16:creationId xmlns="" xmlns:a16="http://schemas.microsoft.com/office/drawing/2014/main" id="{71318C34-2D38-0941-B123-672C0259404B}"/>
+                <a16:creationId xmlns:a16="http://schemas.microsoft.com/office/drawing/2014/main" xmlns="" id="{71318C34-2D38-0941-B123-672C0259404B}"/>
               </a:ext>
             </a:extLst>
           </p:cNvPr>
@@ -5143,7 +5143,7 @@
           <p:cNvPr id="40" name="Rectángulo redondeado 39">
             <a:extLst>
               <a:ext uri="{FF2B5EF4-FFF2-40B4-BE49-F238E27FC236}">
-                <a16:creationId xmlns="" xmlns:a16="http://schemas.microsoft.com/office/drawing/2014/main" id="{51C5301F-34EA-CD42-B059-03AAF31629B9}"/>
+                <a16:creationId xmlns:a16="http://schemas.microsoft.com/office/drawing/2014/main" xmlns="" id="{51C5301F-34EA-CD42-B059-03AAF31629B9}"/>
               </a:ext>
             </a:extLst>
           </p:cNvPr>
@@ -5197,7 +5197,7 @@
           <p:cNvPr id="5" name="Grupo 4">
             <a:extLst>
               <a:ext uri="{FF2B5EF4-FFF2-40B4-BE49-F238E27FC236}">
-                <a16:creationId xmlns="" xmlns:a16="http://schemas.microsoft.com/office/drawing/2014/main" id="{EBCFDA25-BDE9-5843-87EF-6C2A80967D3F}"/>
+                <a16:creationId xmlns:a16="http://schemas.microsoft.com/office/drawing/2014/main" xmlns="" id="{EBCFDA25-BDE9-5843-87EF-6C2A80967D3F}"/>
               </a:ext>
             </a:extLst>
           </p:cNvPr>
@@ -5217,7 +5217,7 @@
             <p:cNvPr id="4" name="Rectángulo redondeado 3">
               <a:extLst>
                 <a:ext uri="{FF2B5EF4-FFF2-40B4-BE49-F238E27FC236}">
-                  <a16:creationId xmlns="" xmlns:a16="http://schemas.microsoft.com/office/drawing/2014/main" id="{67763721-9CB6-8A44-B86C-48B41264D04F}"/>
+                  <a16:creationId xmlns:a16="http://schemas.microsoft.com/office/drawing/2014/main" xmlns="" id="{67763721-9CB6-8A44-B86C-48B41264D04F}"/>
                 </a:ext>
               </a:extLst>
             </p:cNvPr>
@@ -5271,7 +5271,7 @@
             <p:cNvPr id="1026" name="Picture 2" descr="Iconos MongoDB - Descarga gratuita, PNG y SVG">
               <a:extLst>
                 <a:ext uri="{FF2B5EF4-FFF2-40B4-BE49-F238E27FC236}">
-                  <a16:creationId xmlns="" xmlns:a16="http://schemas.microsoft.com/office/drawing/2014/main" id="{DA18F0C9-4F14-EF44-8355-9C7481F70F1D}"/>
+                  <a16:creationId xmlns:a16="http://schemas.microsoft.com/office/drawing/2014/main" xmlns="" id="{DA18F0C9-4F14-EF44-8355-9C7481F70F1D}"/>
                 </a:ext>
               </a:extLst>
             </p:cNvPr>
@@ -5319,7 +5319,7 @@
           <p:cNvPr id="6" name="Grupo 5">
             <a:extLst>
               <a:ext uri="{FF2B5EF4-FFF2-40B4-BE49-F238E27FC236}">
-                <a16:creationId xmlns="" xmlns:a16="http://schemas.microsoft.com/office/drawing/2014/main" id="{7D8BF033-5F22-8B42-873E-9BC3E52139F6}"/>
+                <a16:creationId xmlns:a16="http://schemas.microsoft.com/office/drawing/2014/main" xmlns="" id="{7D8BF033-5F22-8B42-873E-9BC3E52139F6}"/>
               </a:ext>
             </a:extLst>
           </p:cNvPr>
@@ -5339,7 +5339,7 @@
             <p:cNvPr id="8" name="Rectángulo redondeado 7">
               <a:extLst>
                 <a:ext uri="{FF2B5EF4-FFF2-40B4-BE49-F238E27FC236}">
-                  <a16:creationId xmlns="" xmlns:a16="http://schemas.microsoft.com/office/drawing/2014/main" id="{69567639-E243-4E4C-8F3A-BE5D8D04E2D1}"/>
+                  <a16:creationId xmlns:a16="http://schemas.microsoft.com/office/drawing/2014/main" xmlns="" id="{69567639-E243-4E4C-8F3A-BE5D8D04E2D1}"/>
                 </a:ext>
               </a:extLst>
             </p:cNvPr>
@@ -5393,7 +5393,7 @@
             <p:cNvPr id="1028" name="Picture 4" descr="CodeBuddies | About">
               <a:extLst>
                 <a:ext uri="{FF2B5EF4-FFF2-40B4-BE49-F238E27FC236}">
-                  <a16:creationId xmlns="" xmlns:a16="http://schemas.microsoft.com/office/drawing/2014/main" id="{9CABD94C-2774-1147-AB56-74ECA52C217C}"/>
+                  <a16:creationId xmlns:a16="http://schemas.microsoft.com/office/drawing/2014/main" xmlns="" id="{9CABD94C-2774-1147-AB56-74ECA52C217C}"/>
                 </a:ext>
               </a:extLst>
             </p:cNvPr>
@@ -5441,7 +5441,7 @@
           <p:cNvPr id="1030" name="Picture 6">
             <a:extLst>
               <a:ext uri="{FF2B5EF4-FFF2-40B4-BE49-F238E27FC236}">
-                <a16:creationId xmlns="" xmlns:a16="http://schemas.microsoft.com/office/drawing/2014/main" id="{A605414E-CB3A-F74F-9B89-41F691805983}"/>
+                <a16:creationId xmlns:a16="http://schemas.microsoft.com/office/drawing/2014/main" xmlns="" id="{A605414E-CB3A-F74F-9B89-41F691805983}"/>
               </a:ext>
             </a:extLst>
           </p:cNvPr>
@@ -5488,7 +5488,7 @@
           <p:cNvPr id="7" name="Grupo 6">
             <a:extLst>
               <a:ext uri="{FF2B5EF4-FFF2-40B4-BE49-F238E27FC236}">
-                <a16:creationId xmlns="" xmlns:a16="http://schemas.microsoft.com/office/drawing/2014/main" id="{8A807993-2303-9344-B4F4-8704A52F0B20}"/>
+                <a16:creationId xmlns:a16="http://schemas.microsoft.com/office/drawing/2014/main" xmlns="" id="{8A807993-2303-9344-B4F4-8704A52F0B20}"/>
               </a:ext>
             </a:extLst>
           </p:cNvPr>
@@ -5508,7 +5508,7 @@
             <p:cNvPr id="13" name="Rectángulo redondeado 12">
               <a:extLst>
                 <a:ext uri="{FF2B5EF4-FFF2-40B4-BE49-F238E27FC236}">
-                  <a16:creationId xmlns="" xmlns:a16="http://schemas.microsoft.com/office/drawing/2014/main" id="{3055160A-67FF-6742-8896-2E53A70C9B13}"/>
+                  <a16:creationId xmlns:a16="http://schemas.microsoft.com/office/drawing/2014/main" xmlns="" id="{3055160A-67FF-6742-8896-2E53A70C9B13}"/>
                 </a:ext>
               </a:extLst>
             </p:cNvPr>
@@ -5562,7 +5562,7 @@
             <p:cNvPr id="1034" name="Picture 10" descr="Sql Logo Icon of Flat style - Available in SVG, PNG, EPS, AI &amp; Icon fonts">
               <a:extLst>
                 <a:ext uri="{FF2B5EF4-FFF2-40B4-BE49-F238E27FC236}">
-                  <a16:creationId xmlns="" xmlns:a16="http://schemas.microsoft.com/office/drawing/2014/main" id="{53FF9229-AA4B-1F4F-98F7-B558F6EC1F20}"/>
+                  <a16:creationId xmlns:a16="http://schemas.microsoft.com/office/drawing/2014/main" xmlns="" id="{53FF9229-AA4B-1F4F-98F7-B558F6EC1F20}"/>
                 </a:ext>
               </a:extLst>
             </p:cNvPr>
@@ -5610,7 +5610,7 @@
           <p:cNvPr id="15" name="Picture 8" descr="Website icon png, Website icon png Transparent FREE for download on  WebStockReview 2020">
             <a:extLst>
               <a:ext uri="{FF2B5EF4-FFF2-40B4-BE49-F238E27FC236}">
-                <a16:creationId xmlns="" xmlns:a16="http://schemas.microsoft.com/office/drawing/2014/main" id="{9C82FF5A-12ED-3445-9C31-F030E4C50480}"/>
+                <a16:creationId xmlns:a16="http://schemas.microsoft.com/office/drawing/2014/main" xmlns="" id="{9C82FF5A-12ED-3445-9C31-F030E4C50480}"/>
               </a:ext>
             </a:extLst>
           </p:cNvPr>
@@ -5657,7 +5657,7 @@
           <p:cNvPr id="1040" name="Picture 16" descr="Cómo abrir un archivo .csv en Excell - TuriTop Sistema de Reservas">
             <a:extLst>
               <a:ext uri="{FF2B5EF4-FFF2-40B4-BE49-F238E27FC236}">
-                <a16:creationId xmlns="" xmlns:a16="http://schemas.microsoft.com/office/drawing/2014/main" id="{0E316A26-4918-A94C-A6CD-86CF67CE96FC}"/>
+                <a16:creationId xmlns:a16="http://schemas.microsoft.com/office/drawing/2014/main" xmlns="" id="{0E316A26-4918-A94C-A6CD-86CF67CE96FC}"/>
               </a:ext>
             </a:extLst>
           </p:cNvPr>
@@ -5704,7 +5704,7 @@
           <p:cNvPr id="9" name="CuadroTexto 8">
             <a:extLst>
               <a:ext uri="{FF2B5EF4-FFF2-40B4-BE49-F238E27FC236}">
-                <a16:creationId xmlns="" xmlns:a16="http://schemas.microsoft.com/office/drawing/2014/main" id="{29690C27-C62C-1D42-A099-22E547D04C01}"/>
+                <a16:creationId xmlns:a16="http://schemas.microsoft.com/office/drawing/2014/main" xmlns="" id="{29690C27-C62C-1D42-A099-22E547D04C01}"/>
               </a:ext>
             </a:extLst>
           </p:cNvPr>
@@ -5744,7 +5744,7 @@
           <p:cNvPr id="11" name="Conector recto de flecha 10">
             <a:extLst>
               <a:ext uri="{FF2B5EF4-FFF2-40B4-BE49-F238E27FC236}">
-                <a16:creationId xmlns="" xmlns:a16="http://schemas.microsoft.com/office/drawing/2014/main" id="{17BD83CF-2E14-CC4C-BE8E-D9AD130CF23C}"/>
+                <a16:creationId xmlns:a16="http://schemas.microsoft.com/office/drawing/2014/main" xmlns="" id="{17BD83CF-2E14-CC4C-BE8E-D9AD130CF23C}"/>
               </a:ext>
             </a:extLst>
           </p:cNvPr>
@@ -5786,7 +5786,7 @@
           <p:cNvPr id="22" name="CuadroTexto 21">
             <a:extLst>
               <a:ext uri="{FF2B5EF4-FFF2-40B4-BE49-F238E27FC236}">
-                <a16:creationId xmlns="" xmlns:a16="http://schemas.microsoft.com/office/drawing/2014/main" id="{C75A3430-04E3-0244-855C-3F8920C9D881}"/>
+                <a16:creationId xmlns:a16="http://schemas.microsoft.com/office/drawing/2014/main" xmlns="" id="{C75A3430-04E3-0244-855C-3F8920C9D881}"/>
               </a:ext>
             </a:extLst>
           </p:cNvPr>
@@ -5830,7 +5830,7 @@
           <p:cNvPr id="1042" name="Picture 18" descr="Json - Iconos gratis de interfaz">
             <a:extLst>
               <a:ext uri="{FF2B5EF4-FFF2-40B4-BE49-F238E27FC236}">
-                <a16:creationId xmlns="" xmlns:a16="http://schemas.microsoft.com/office/drawing/2014/main" id="{3A5CB2CA-0A5C-8545-B323-2CE4D98C9D6B}"/>
+                <a16:creationId xmlns:a16="http://schemas.microsoft.com/office/drawing/2014/main" xmlns="" id="{3A5CB2CA-0A5C-8545-B323-2CE4D98C9D6B}"/>
               </a:ext>
             </a:extLst>
           </p:cNvPr>
@@ -5877,7 +5877,7 @@
           <p:cNvPr id="24" name="Conector recto de flecha 23">
             <a:extLst>
               <a:ext uri="{FF2B5EF4-FFF2-40B4-BE49-F238E27FC236}">
-                <a16:creationId xmlns="" xmlns:a16="http://schemas.microsoft.com/office/drawing/2014/main" id="{B1AAEC1D-42B1-A94D-BF10-ECF0AD3AF46C}"/>
+                <a16:creationId xmlns:a16="http://schemas.microsoft.com/office/drawing/2014/main" xmlns="" id="{B1AAEC1D-42B1-A94D-BF10-ECF0AD3AF46C}"/>
               </a:ext>
             </a:extLst>
           </p:cNvPr>
@@ -5920,7 +5920,7 @@
           <p:cNvPr id="27" name="CuadroTexto 26">
             <a:extLst>
               <a:ext uri="{FF2B5EF4-FFF2-40B4-BE49-F238E27FC236}">
-                <a16:creationId xmlns="" xmlns:a16="http://schemas.microsoft.com/office/drawing/2014/main" id="{EBCE8595-BC92-3144-87A7-64C1DA17CEA2}"/>
+                <a16:creationId xmlns:a16="http://schemas.microsoft.com/office/drawing/2014/main" xmlns="" id="{EBCE8595-BC92-3144-87A7-64C1DA17CEA2}"/>
               </a:ext>
             </a:extLst>
           </p:cNvPr>
@@ -5964,7 +5964,7 @@
           <p:cNvPr id="28" name="Grupo 27">
             <a:extLst>
               <a:ext uri="{FF2B5EF4-FFF2-40B4-BE49-F238E27FC236}">
-                <a16:creationId xmlns="" xmlns:a16="http://schemas.microsoft.com/office/drawing/2014/main" id="{75B6027D-FC6E-1B42-A2C6-A72C458E4B4A}"/>
+                <a16:creationId xmlns:a16="http://schemas.microsoft.com/office/drawing/2014/main" xmlns="" id="{75B6027D-FC6E-1B42-A2C6-A72C458E4B4A}"/>
               </a:ext>
             </a:extLst>
           </p:cNvPr>
@@ -5984,7 +5984,7 @@
             <p:cNvPr id="29" name="Rectángulo redondeado 28">
               <a:extLst>
                 <a:ext uri="{FF2B5EF4-FFF2-40B4-BE49-F238E27FC236}">
-                  <a16:creationId xmlns="" xmlns:a16="http://schemas.microsoft.com/office/drawing/2014/main" id="{C6A299AD-FC8B-484A-B118-F40F490E4C1B}"/>
+                  <a16:creationId xmlns:a16="http://schemas.microsoft.com/office/drawing/2014/main" xmlns="" id="{C6A299AD-FC8B-484A-B118-F40F490E4C1B}"/>
                 </a:ext>
               </a:extLst>
             </p:cNvPr>
@@ -6038,7 +6038,7 @@
             <p:cNvPr id="30" name="Picture 10" descr="Sql Logo Icon of Flat style - Available in SVG, PNG, EPS, AI &amp; Icon fonts">
               <a:extLst>
                 <a:ext uri="{FF2B5EF4-FFF2-40B4-BE49-F238E27FC236}">
-                  <a16:creationId xmlns="" xmlns:a16="http://schemas.microsoft.com/office/drawing/2014/main" id="{187F97C1-EF46-ED49-9464-DCA62151F27D}"/>
+                  <a16:creationId xmlns:a16="http://schemas.microsoft.com/office/drawing/2014/main" xmlns="" id="{187F97C1-EF46-ED49-9464-DCA62151F27D}"/>
                 </a:ext>
               </a:extLst>
             </p:cNvPr>
@@ -6086,7 +6086,7 @@
           <p:cNvPr id="31" name="CuadroTexto 30">
             <a:extLst>
               <a:ext uri="{FF2B5EF4-FFF2-40B4-BE49-F238E27FC236}">
-                <a16:creationId xmlns="" xmlns:a16="http://schemas.microsoft.com/office/drawing/2014/main" id="{53BC43F8-8B7D-7A4D-A49C-084C48EA91DE}"/>
+                <a16:creationId xmlns:a16="http://schemas.microsoft.com/office/drawing/2014/main" xmlns="" id="{53BC43F8-8B7D-7A4D-A49C-084C48EA91DE}"/>
               </a:ext>
             </a:extLst>
           </p:cNvPr>
@@ -6126,7 +6126,7 @@
           <p:cNvPr id="32" name="CuadroTexto 31">
             <a:extLst>
               <a:ext uri="{FF2B5EF4-FFF2-40B4-BE49-F238E27FC236}">
-                <a16:creationId xmlns="" xmlns:a16="http://schemas.microsoft.com/office/drawing/2014/main" id="{DBB919DE-C613-824E-AFA2-5840A7654D9E}"/>
+                <a16:creationId xmlns:a16="http://schemas.microsoft.com/office/drawing/2014/main" xmlns="" id="{DBB919DE-C613-824E-AFA2-5840A7654D9E}"/>
               </a:ext>
             </a:extLst>
           </p:cNvPr>
@@ -6170,7 +6170,7 @@
           <p:cNvPr id="33" name="CuadroTexto 32">
             <a:extLst>
               <a:ext uri="{FF2B5EF4-FFF2-40B4-BE49-F238E27FC236}">
-                <a16:creationId xmlns="" xmlns:a16="http://schemas.microsoft.com/office/drawing/2014/main" id="{6504F3E0-D2BD-0E42-9C14-93D63EB4785A}"/>
+                <a16:creationId xmlns:a16="http://schemas.microsoft.com/office/drawing/2014/main" xmlns="" id="{6504F3E0-D2BD-0E42-9C14-93D63EB4785A}"/>
               </a:ext>
             </a:extLst>
           </p:cNvPr>
@@ -6214,7 +6214,7 @@
           <p:cNvPr id="34" name="Conector recto de flecha 33">
             <a:extLst>
               <a:ext uri="{FF2B5EF4-FFF2-40B4-BE49-F238E27FC236}">
-                <a16:creationId xmlns="" xmlns:a16="http://schemas.microsoft.com/office/drawing/2014/main" id="{DBE74CBF-E929-E54B-A14C-C2574DD96111}"/>
+                <a16:creationId xmlns:a16="http://schemas.microsoft.com/office/drawing/2014/main" xmlns="" id="{DBE74CBF-E929-E54B-A14C-C2574DD96111}"/>
               </a:ext>
             </a:extLst>
           </p:cNvPr>
@@ -6257,7 +6257,7 @@
           <p:cNvPr id="37" name="CuadroTexto 36">
             <a:extLst>
               <a:ext uri="{FF2B5EF4-FFF2-40B4-BE49-F238E27FC236}">
-                <a16:creationId xmlns="" xmlns:a16="http://schemas.microsoft.com/office/drawing/2014/main" id="{30E70801-206B-EC46-B308-795F6642E94E}"/>
+                <a16:creationId xmlns:a16="http://schemas.microsoft.com/office/drawing/2014/main" xmlns="" id="{30E70801-206B-EC46-B308-795F6642E94E}"/>
               </a:ext>
             </a:extLst>
           </p:cNvPr>
@@ -6301,7 +6301,7 @@
           <p:cNvPr id="1044" name="Picture 20" descr="Firebase Brand Guidelines">
             <a:extLst>
               <a:ext uri="{FF2B5EF4-FFF2-40B4-BE49-F238E27FC236}">
-                <a16:creationId xmlns="" xmlns:a16="http://schemas.microsoft.com/office/drawing/2014/main" id="{CF571F3B-ED30-D74E-862D-FB2973099759}"/>
+                <a16:creationId xmlns:a16="http://schemas.microsoft.com/office/drawing/2014/main" xmlns="" id="{CF571F3B-ED30-D74E-862D-FB2973099759}"/>
               </a:ext>
             </a:extLst>
           </p:cNvPr>
@@ -6348,7 +6348,7 @@
           <p:cNvPr id="39" name="Picture 8" descr="Website icon png, Website icon png Transparent FREE for download on  WebStockReview 2020">
             <a:extLst>
               <a:ext uri="{FF2B5EF4-FFF2-40B4-BE49-F238E27FC236}">
-                <a16:creationId xmlns="" xmlns:a16="http://schemas.microsoft.com/office/drawing/2014/main" id="{00B0C0A4-054B-5647-91E5-9C1A81DB25E8}"/>
+                <a16:creationId xmlns:a16="http://schemas.microsoft.com/office/drawing/2014/main" xmlns="" id="{00B0C0A4-054B-5647-91E5-9C1A81DB25E8}"/>
               </a:ext>
             </a:extLst>
           </p:cNvPr>
@@ -6395,7 +6395,7 @@
           <p:cNvPr id="18" name="Lata 17">
             <a:extLst>
               <a:ext uri="{FF2B5EF4-FFF2-40B4-BE49-F238E27FC236}">
-                <a16:creationId xmlns="" xmlns:a16="http://schemas.microsoft.com/office/drawing/2014/main" id="{34A5BC9F-6377-5646-A545-DCCABD620AC5}"/>
+                <a16:creationId xmlns:a16="http://schemas.microsoft.com/office/drawing/2014/main" xmlns="" id="{34A5BC9F-6377-5646-A545-DCCABD620AC5}"/>
               </a:ext>
             </a:extLst>
           </p:cNvPr>
@@ -6447,7 +6447,7 @@
           <p:cNvPr id="43" name="CuadroTexto 42">
             <a:extLst>
               <a:ext uri="{FF2B5EF4-FFF2-40B4-BE49-F238E27FC236}">
-                <a16:creationId xmlns="" xmlns:a16="http://schemas.microsoft.com/office/drawing/2014/main" id="{4F533301-760A-2541-8B00-1BF23F5D53D0}"/>
+                <a16:creationId xmlns:a16="http://schemas.microsoft.com/office/drawing/2014/main" xmlns="" id="{4F533301-760A-2541-8B00-1BF23F5D53D0}"/>
               </a:ext>
             </a:extLst>
           </p:cNvPr>
@@ -6487,7 +6487,7 @@
           <p:cNvPr id="44" name="Conector recto de flecha 43">
             <a:extLst>
               <a:ext uri="{FF2B5EF4-FFF2-40B4-BE49-F238E27FC236}">
-                <a16:creationId xmlns="" xmlns:a16="http://schemas.microsoft.com/office/drawing/2014/main" id="{1B76658D-700F-9048-858B-1F4779A2364E}"/>
+                <a16:creationId xmlns:a16="http://schemas.microsoft.com/office/drawing/2014/main" xmlns="" id="{1B76658D-700F-9048-858B-1F4779A2364E}"/>
               </a:ext>
             </a:extLst>
           </p:cNvPr>
@@ -6530,7 +6530,7 @@
           <p:cNvPr id="47" name="Conector recto de flecha 46">
             <a:extLst>
               <a:ext uri="{FF2B5EF4-FFF2-40B4-BE49-F238E27FC236}">
-                <a16:creationId xmlns="" xmlns:a16="http://schemas.microsoft.com/office/drawing/2014/main" id="{3E6867DD-73AD-CD4C-8B00-1265336342BE}"/>
+                <a16:creationId xmlns:a16="http://schemas.microsoft.com/office/drawing/2014/main" xmlns="" id="{3E6867DD-73AD-CD4C-8B00-1265336342BE}"/>
               </a:ext>
             </a:extLst>
           </p:cNvPr>
@@ -6573,7 +6573,7 @@
           <p:cNvPr id="50" name="Conector recto de flecha 49">
             <a:extLst>
               <a:ext uri="{FF2B5EF4-FFF2-40B4-BE49-F238E27FC236}">
-                <a16:creationId xmlns="" xmlns:a16="http://schemas.microsoft.com/office/drawing/2014/main" id="{9B03C33B-38B5-794C-9FC8-C0CD1246B879}"/>
+                <a16:creationId xmlns:a16="http://schemas.microsoft.com/office/drawing/2014/main" xmlns="" id="{9B03C33B-38B5-794C-9FC8-C0CD1246B879}"/>
               </a:ext>
             </a:extLst>
           </p:cNvPr>
@@ -6616,7 +6616,7 @@
           <p:cNvPr id="53" name="Conector recto de flecha 52">
             <a:extLst>
               <a:ext uri="{FF2B5EF4-FFF2-40B4-BE49-F238E27FC236}">
-                <a16:creationId xmlns="" xmlns:a16="http://schemas.microsoft.com/office/drawing/2014/main" id="{016A997F-F722-9F4C-A30F-F2F31E99CE43}"/>
+                <a16:creationId xmlns:a16="http://schemas.microsoft.com/office/drawing/2014/main" xmlns="" id="{016A997F-F722-9F4C-A30F-F2F31E99CE43}"/>
               </a:ext>
             </a:extLst>
           </p:cNvPr>
@@ -6659,7 +6659,7 @@
           <p:cNvPr id="59" name="Conector recto de flecha 58">
             <a:extLst>
               <a:ext uri="{FF2B5EF4-FFF2-40B4-BE49-F238E27FC236}">
-                <a16:creationId xmlns="" xmlns:a16="http://schemas.microsoft.com/office/drawing/2014/main" id="{0B97E1BD-62A7-6B42-A80A-9E77382856CE}"/>
+                <a16:creationId xmlns:a16="http://schemas.microsoft.com/office/drawing/2014/main" xmlns="" id="{0B97E1BD-62A7-6B42-A80A-9E77382856CE}"/>
               </a:ext>
             </a:extLst>
           </p:cNvPr>
@@ -6702,7 +6702,7 @@
           <p:cNvPr id="1046" name="Picture 22" descr="Foundations of Data Extraction Transform Load (ETL) - EWSolutions">
             <a:extLst>
               <a:ext uri="{FF2B5EF4-FFF2-40B4-BE49-F238E27FC236}">
-                <a16:creationId xmlns="" xmlns:a16="http://schemas.microsoft.com/office/drawing/2014/main" id="{2A8B4BE4-1FCC-204A-9A33-315B9426BA49}"/>
+                <a16:creationId xmlns:a16="http://schemas.microsoft.com/office/drawing/2014/main" xmlns="" id="{2A8B4BE4-1FCC-204A-9A33-315B9426BA49}"/>
               </a:ext>
             </a:extLst>
           </p:cNvPr>
@@ -6749,7 +6749,7 @@
           <p:cNvPr id="64" name="Picture 22" descr="Foundations of Data Extraction Transform Load (ETL) - EWSolutions">
             <a:extLst>
               <a:ext uri="{FF2B5EF4-FFF2-40B4-BE49-F238E27FC236}">
-                <a16:creationId xmlns="" xmlns:a16="http://schemas.microsoft.com/office/drawing/2014/main" id="{570980C1-3094-484F-B24F-404D37783062}"/>
+                <a16:creationId xmlns:a16="http://schemas.microsoft.com/office/drawing/2014/main" xmlns="" id="{570980C1-3094-484F-B24F-404D37783062}"/>
               </a:ext>
             </a:extLst>
           </p:cNvPr>
@@ -6796,7 +6796,7 @@
           <p:cNvPr id="65" name="Picture 22" descr="Foundations of Data Extraction Transform Load (ETL) - EWSolutions">
             <a:extLst>
               <a:ext uri="{FF2B5EF4-FFF2-40B4-BE49-F238E27FC236}">
-                <a16:creationId xmlns="" xmlns:a16="http://schemas.microsoft.com/office/drawing/2014/main" id="{486FF8A8-C309-2C4E-BEA1-BF3DF3D9A607}"/>
+                <a16:creationId xmlns:a16="http://schemas.microsoft.com/office/drawing/2014/main" xmlns="" id="{486FF8A8-C309-2C4E-BEA1-BF3DF3D9A607}"/>
               </a:ext>
             </a:extLst>
           </p:cNvPr>
@@ -6843,7 +6843,7 @@
           <p:cNvPr id="66" name="Picture 22" descr="Foundations of Data Extraction Transform Load (ETL) - EWSolutions">
             <a:extLst>
               <a:ext uri="{FF2B5EF4-FFF2-40B4-BE49-F238E27FC236}">
-                <a16:creationId xmlns="" xmlns:a16="http://schemas.microsoft.com/office/drawing/2014/main" id="{1FF112B0-6A69-4449-8936-9D19925BD83A}"/>
+                <a16:creationId xmlns:a16="http://schemas.microsoft.com/office/drawing/2014/main" xmlns="" id="{1FF112B0-6A69-4449-8936-9D19925BD83A}"/>
               </a:ext>
             </a:extLst>
           </p:cNvPr>
@@ -6890,7 +6890,7 @@
           <p:cNvPr id="68" name="Picture 10" descr="Sql Logo Icon of Flat style - Available in SVG, PNG, EPS, AI &amp; Icon fonts">
             <a:extLst>
               <a:ext uri="{FF2B5EF4-FFF2-40B4-BE49-F238E27FC236}">
-                <a16:creationId xmlns="" xmlns:a16="http://schemas.microsoft.com/office/drawing/2014/main" id="{ECDB5EE7-11E7-544A-9154-4C4189D9392D}"/>
+                <a16:creationId xmlns:a16="http://schemas.microsoft.com/office/drawing/2014/main" xmlns="" id="{ECDB5EE7-11E7-544A-9154-4C4189D9392D}"/>
               </a:ext>
             </a:extLst>
           </p:cNvPr>
@@ -6937,7 +6937,7 @@
           <p:cNvPr id="48" name="Grupo 47">
             <a:extLst>
               <a:ext uri="{FF2B5EF4-FFF2-40B4-BE49-F238E27FC236}">
-                <a16:creationId xmlns="" xmlns:a16="http://schemas.microsoft.com/office/drawing/2014/main" id="{3B330F6C-9EF4-5747-9BAE-C3CC6D80DCB2}"/>
+                <a16:creationId xmlns:a16="http://schemas.microsoft.com/office/drawing/2014/main" xmlns="" id="{3B330F6C-9EF4-5747-9BAE-C3CC6D80DCB2}"/>
               </a:ext>
             </a:extLst>
           </p:cNvPr>
@@ -6957,7 +6957,7 @@
             <p:cNvPr id="70" name="Rectángulo redondeado 69">
               <a:extLst>
                 <a:ext uri="{FF2B5EF4-FFF2-40B4-BE49-F238E27FC236}">
-                  <a16:creationId xmlns="" xmlns:a16="http://schemas.microsoft.com/office/drawing/2014/main" id="{A6A51406-B59C-5D4D-88FE-039B97751A6F}"/>
+                  <a16:creationId xmlns:a16="http://schemas.microsoft.com/office/drawing/2014/main" xmlns="" id="{A6A51406-B59C-5D4D-88FE-039B97751A6F}"/>
                 </a:ext>
               </a:extLst>
             </p:cNvPr>
@@ -7009,7 +7009,7 @@
             <p:cNvPr id="1048" name="Picture 24" descr="Cuadros de Mando con Power BI – Next-Step Consultores">
               <a:extLst>
                 <a:ext uri="{FF2B5EF4-FFF2-40B4-BE49-F238E27FC236}">
-                  <a16:creationId xmlns="" xmlns:a16="http://schemas.microsoft.com/office/drawing/2014/main" id="{C1FB73CF-5F1A-D449-A49A-333A6C309919}"/>
+                  <a16:creationId xmlns:a16="http://schemas.microsoft.com/office/drawing/2014/main" xmlns="" id="{C1FB73CF-5F1A-D449-A49A-333A6C309919}"/>
                 </a:ext>
               </a:extLst>
             </p:cNvPr>
@@ -7055,7 +7055,7 @@
           <p:cNvPr id="51" name="Conector angular 50">
             <a:extLst>
               <a:ext uri="{FF2B5EF4-FFF2-40B4-BE49-F238E27FC236}">
-                <a16:creationId xmlns="" xmlns:a16="http://schemas.microsoft.com/office/drawing/2014/main" id="{ED912C9B-A5C5-634D-941E-2997E134B0BA}"/>
+                <a16:creationId xmlns:a16="http://schemas.microsoft.com/office/drawing/2014/main" xmlns="" id="{ED912C9B-A5C5-634D-941E-2997E134B0BA}"/>
               </a:ext>
             </a:extLst>
           </p:cNvPr>
@@ -7097,7 +7097,7 @@
           <p:cNvPr id="1050" name="Picture 26" descr="pngfind.com-excel-logo-png-383271 - Right Column">
             <a:extLst>
               <a:ext uri="{FF2B5EF4-FFF2-40B4-BE49-F238E27FC236}">
-                <a16:creationId xmlns="" xmlns:a16="http://schemas.microsoft.com/office/drawing/2014/main" id="{E16C6842-019C-514E-8EF8-ADCE68977063}"/>
+                <a16:creationId xmlns:a16="http://schemas.microsoft.com/office/drawing/2014/main" xmlns="" id="{E16C6842-019C-514E-8EF8-ADCE68977063}"/>
               </a:ext>
             </a:extLst>
           </p:cNvPr>
@@ -7144,7 +7144,7 @@
           <p:cNvPr id="76" name="Conector angular 75">
             <a:extLst>
               <a:ext uri="{FF2B5EF4-FFF2-40B4-BE49-F238E27FC236}">
-                <a16:creationId xmlns="" xmlns:a16="http://schemas.microsoft.com/office/drawing/2014/main" id="{4CD54ADD-A177-B746-A680-0768F1AE5FDF}"/>
+                <a16:creationId xmlns:a16="http://schemas.microsoft.com/office/drawing/2014/main" xmlns="" id="{4CD54ADD-A177-B746-A680-0768F1AE5FDF}"/>
               </a:ext>
             </a:extLst>
           </p:cNvPr>
@@ -7187,7 +7187,7 @@
           <p:cNvPr id="1052" name="Picture 28" descr="Excel Sheet Icon #399324 - Free Icons Library">
             <a:extLst>
               <a:ext uri="{FF2B5EF4-FFF2-40B4-BE49-F238E27FC236}">
-                <a16:creationId xmlns="" xmlns:a16="http://schemas.microsoft.com/office/drawing/2014/main" id="{4143DE32-5E33-9A42-BB2E-114BB4EF6B1D}"/>
+                <a16:creationId xmlns:a16="http://schemas.microsoft.com/office/drawing/2014/main" xmlns="" id="{4143DE32-5E33-9A42-BB2E-114BB4EF6B1D}"/>
               </a:ext>
             </a:extLst>
           </p:cNvPr>
@@ -7234,7 +7234,7 @@
           <p:cNvPr id="1054" name="Picture 30" descr="Txt file Icon of Colored Outline style - Available in SVG, PNG, EPS, AI &amp;  Icon fonts">
             <a:extLst>
               <a:ext uri="{FF2B5EF4-FFF2-40B4-BE49-F238E27FC236}">
-                <a16:creationId xmlns="" xmlns:a16="http://schemas.microsoft.com/office/drawing/2014/main" id="{E5E92E09-E2C2-5448-92BE-E0023577E8A2}"/>
+                <a16:creationId xmlns:a16="http://schemas.microsoft.com/office/drawing/2014/main" xmlns="" id="{E5E92E09-E2C2-5448-92BE-E0023577E8A2}"/>
               </a:ext>
             </a:extLst>
           </p:cNvPr>
@@ -7281,7 +7281,7 @@
           <p:cNvPr id="1056" name="Picture 32" descr="Xml File Icon of Colored Outline style - Available in SVG, PNG, EPS, AI &amp;  Icon fonts">
             <a:extLst>
               <a:ext uri="{FF2B5EF4-FFF2-40B4-BE49-F238E27FC236}">
-                <a16:creationId xmlns="" xmlns:a16="http://schemas.microsoft.com/office/drawing/2014/main" id="{DC7C676D-8900-4743-AC04-136E2B8440B7}"/>
+                <a16:creationId xmlns:a16="http://schemas.microsoft.com/office/drawing/2014/main" xmlns="" id="{DC7C676D-8900-4743-AC04-136E2B8440B7}"/>
               </a:ext>
             </a:extLst>
           </p:cNvPr>
@@ -7328,7 +7328,7 @@
           <p:cNvPr id="85" name="Conector recto de flecha 84">
             <a:extLst>
               <a:ext uri="{FF2B5EF4-FFF2-40B4-BE49-F238E27FC236}">
-                <a16:creationId xmlns="" xmlns:a16="http://schemas.microsoft.com/office/drawing/2014/main" id="{9F402635-1A32-5E43-8EF3-87139FF7F4AB}"/>
+                <a16:creationId xmlns:a16="http://schemas.microsoft.com/office/drawing/2014/main" xmlns="" id="{9F402635-1A32-5E43-8EF3-87139FF7F4AB}"/>
               </a:ext>
             </a:extLst>
           </p:cNvPr>
@@ -7371,7 +7371,7 @@
           <p:cNvPr id="88" name="Conector recto de flecha 87">
             <a:extLst>
               <a:ext uri="{FF2B5EF4-FFF2-40B4-BE49-F238E27FC236}">
-                <a16:creationId xmlns="" xmlns:a16="http://schemas.microsoft.com/office/drawing/2014/main" id="{3EFE6B3F-85F4-4F4E-9AA9-12BCC0278AB0}"/>
+                <a16:creationId xmlns:a16="http://schemas.microsoft.com/office/drawing/2014/main" xmlns="" id="{3EFE6B3F-85F4-4F4E-9AA9-12BCC0278AB0}"/>
               </a:ext>
             </a:extLst>
           </p:cNvPr>
@@ -7414,7 +7414,7 @@
           <p:cNvPr id="91" name="Conector recto de flecha 90">
             <a:extLst>
               <a:ext uri="{FF2B5EF4-FFF2-40B4-BE49-F238E27FC236}">
-                <a16:creationId xmlns="" xmlns:a16="http://schemas.microsoft.com/office/drawing/2014/main" id="{1680DF7B-3ADA-6449-8548-9ED4302AE385}"/>
+                <a16:creationId xmlns:a16="http://schemas.microsoft.com/office/drawing/2014/main" xmlns="" id="{1680DF7B-3ADA-6449-8548-9ED4302AE385}"/>
               </a:ext>
             </a:extLst>
           </p:cNvPr>
@@ -7457,7 +7457,7 @@
           <p:cNvPr id="94" name="Picture 22" descr="Foundations of Data Extraction Transform Load (ETL) - EWSolutions">
             <a:extLst>
               <a:ext uri="{FF2B5EF4-FFF2-40B4-BE49-F238E27FC236}">
-                <a16:creationId xmlns="" xmlns:a16="http://schemas.microsoft.com/office/drawing/2014/main" id="{B30C5C87-8C53-4C4B-8A4C-364EAE30824A}"/>
+                <a16:creationId xmlns:a16="http://schemas.microsoft.com/office/drawing/2014/main" xmlns="" id="{B30C5C87-8C53-4C4B-8A4C-364EAE30824A}"/>
               </a:ext>
             </a:extLst>
           </p:cNvPr>
@@ -7542,7 +7542,7 @@
           <p:cNvPr id="2" name="Título 1">
             <a:extLst>
               <a:ext uri="{FF2B5EF4-FFF2-40B4-BE49-F238E27FC236}">
-                <a16:creationId xmlns="" xmlns:a16="http://schemas.microsoft.com/office/drawing/2014/main" id="{9E49CA22-4C83-6340-AC8B-9C720FF31B17}"/>
+                <a16:creationId xmlns:a16="http://schemas.microsoft.com/office/drawing/2014/main" xmlns="" id="{9E49CA22-4C83-6340-AC8B-9C720FF31B17}"/>
               </a:ext>
             </a:extLst>
           </p:cNvPr>
@@ -7574,7 +7574,7 @@
           <p:cNvPr id="3" name="Marcador de contenido 2">
             <a:extLst>
               <a:ext uri="{FF2B5EF4-FFF2-40B4-BE49-F238E27FC236}">
-                <a16:creationId xmlns="" xmlns:a16="http://schemas.microsoft.com/office/drawing/2014/main" id="{A7A84354-4B8C-2840-9DEB-955C34342337}"/>
+                <a16:creationId xmlns:a16="http://schemas.microsoft.com/office/drawing/2014/main" xmlns="" id="{A7A84354-4B8C-2840-9DEB-955C34342337}"/>
               </a:ext>
             </a:extLst>
           </p:cNvPr>
@@ -7644,7 +7644,7 @@
           <p:cNvPr id="4" name="Grupo 3">
             <a:extLst>
               <a:ext uri="{FF2B5EF4-FFF2-40B4-BE49-F238E27FC236}">
-                <a16:creationId xmlns="" xmlns:a16="http://schemas.microsoft.com/office/drawing/2014/main" id="{61989F6F-50B9-A349-93F3-96C972391873}"/>
+                <a16:creationId xmlns:a16="http://schemas.microsoft.com/office/drawing/2014/main" xmlns="" id="{61989F6F-50B9-A349-93F3-96C972391873}"/>
               </a:ext>
             </a:extLst>
           </p:cNvPr>
@@ -7664,7 +7664,7 @@
             <p:cNvPr id="5" name="Rectángulo redondeado 4">
               <a:extLst>
                 <a:ext uri="{FF2B5EF4-FFF2-40B4-BE49-F238E27FC236}">
-                  <a16:creationId xmlns="" xmlns:a16="http://schemas.microsoft.com/office/drawing/2014/main" id="{0EDE425B-3EA4-634E-BE1D-392FE1707790}"/>
+                  <a16:creationId xmlns:a16="http://schemas.microsoft.com/office/drawing/2014/main" xmlns="" id="{0EDE425B-3EA4-634E-BE1D-392FE1707790}"/>
                 </a:ext>
               </a:extLst>
             </p:cNvPr>
@@ -7718,7 +7718,7 @@
             <p:cNvPr id="6" name="Picture 4" descr="CodeBuddies | About">
               <a:extLst>
                 <a:ext uri="{FF2B5EF4-FFF2-40B4-BE49-F238E27FC236}">
-                  <a16:creationId xmlns="" xmlns:a16="http://schemas.microsoft.com/office/drawing/2014/main" id="{925C6398-1E14-724A-90FF-BE798069BF36}"/>
+                  <a16:creationId xmlns:a16="http://schemas.microsoft.com/office/drawing/2014/main" xmlns="" id="{925C6398-1E14-724A-90FF-BE798069BF36}"/>
                 </a:ext>
               </a:extLst>
             </p:cNvPr>
@@ -7766,7 +7766,7 @@
           <p:cNvPr id="7" name="Picture 8" descr="Website icon png, Website icon png Transparent FREE for download on  WebStockReview 2020">
             <a:extLst>
               <a:ext uri="{FF2B5EF4-FFF2-40B4-BE49-F238E27FC236}">
-                <a16:creationId xmlns="" xmlns:a16="http://schemas.microsoft.com/office/drawing/2014/main" id="{3EBC31D2-D245-BE45-9943-6EDD85BC7724}"/>
+                <a16:creationId xmlns:a16="http://schemas.microsoft.com/office/drawing/2014/main" xmlns="" id="{3EBC31D2-D245-BE45-9943-6EDD85BC7724}"/>
               </a:ext>
             </a:extLst>
           </p:cNvPr>
@@ -7813,7 +7813,7 @@
           <p:cNvPr id="8" name="CuadroTexto 7">
             <a:extLst>
               <a:ext uri="{FF2B5EF4-FFF2-40B4-BE49-F238E27FC236}">
-                <a16:creationId xmlns="" xmlns:a16="http://schemas.microsoft.com/office/drawing/2014/main" id="{7B3DE214-DE10-754E-B261-4519DF1BD84E}"/>
+                <a16:creationId xmlns:a16="http://schemas.microsoft.com/office/drawing/2014/main" xmlns="" id="{7B3DE214-DE10-754E-B261-4519DF1BD84E}"/>
               </a:ext>
             </a:extLst>
           </p:cNvPr>
@@ -7893,7 +7893,7 @@
           <p:cNvPr id="2" name="Título 1">
             <a:extLst>
               <a:ext uri="{FF2B5EF4-FFF2-40B4-BE49-F238E27FC236}">
-                <a16:creationId xmlns="" xmlns:a16="http://schemas.microsoft.com/office/drawing/2014/main" id="{9E49CA22-4C83-6340-AC8B-9C720FF31B17}"/>
+                <a16:creationId xmlns:a16="http://schemas.microsoft.com/office/drawing/2014/main" xmlns="" id="{9E49CA22-4C83-6340-AC8B-9C720FF31B17}"/>
               </a:ext>
             </a:extLst>
           </p:cNvPr>
@@ -7925,7 +7925,7 @@
           <p:cNvPr id="3" name="Marcador de contenido 2">
             <a:extLst>
               <a:ext uri="{FF2B5EF4-FFF2-40B4-BE49-F238E27FC236}">
-                <a16:creationId xmlns="" xmlns:a16="http://schemas.microsoft.com/office/drawing/2014/main" id="{A7A84354-4B8C-2840-9DEB-955C34342337}"/>
+                <a16:creationId xmlns:a16="http://schemas.microsoft.com/office/drawing/2014/main" xmlns="" id="{A7A84354-4B8C-2840-9DEB-955C34342337}"/>
               </a:ext>
             </a:extLst>
           </p:cNvPr>
@@ -7992,7 +7992,7 @@
           <p:cNvPr id="9" name="Grupo 8">
             <a:extLst>
               <a:ext uri="{FF2B5EF4-FFF2-40B4-BE49-F238E27FC236}">
-                <a16:creationId xmlns="" xmlns:a16="http://schemas.microsoft.com/office/drawing/2014/main" id="{0EC20DD4-FBED-134C-A19D-1BC98B8CB053}"/>
+                <a16:creationId xmlns:a16="http://schemas.microsoft.com/office/drawing/2014/main" xmlns="" id="{0EC20DD4-FBED-134C-A19D-1BC98B8CB053}"/>
               </a:ext>
             </a:extLst>
           </p:cNvPr>
@@ -8012,7 +8012,7 @@
             <p:cNvPr id="10" name="Rectángulo redondeado 9">
               <a:extLst>
                 <a:ext uri="{FF2B5EF4-FFF2-40B4-BE49-F238E27FC236}">
-                  <a16:creationId xmlns="" xmlns:a16="http://schemas.microsoft.com/office/drawing/2014/main" id="{B2940871-60DE-0046-ACF0-0CD150884FAA}"/>
+                  <a16:creationId xmlns:a16="http://schemas.microsoft.com/office/drawing/2014/main" xmlns="" id="{B2940871-60DE-0046-ACF0-0CD150884FAA}"/>
                 </a:ext>
               </a:extLst>
             </p:cNvPr>
@@ -8066,7 +8066,7 @@
             <p:cNvPr id="11" name="Picture 2" descr="Iconos MongoDB - Descarga gratuita, PNG y SVG">
               <a:extLst>
                 <a:ext uri="{FF2B5EF4-FFF2-40B4-BE49-F238E27FC236}">
-                  <a16:creationId xmlns="" xmlns:a16="http://schemas.microsoft.com/office/drawing/2014/main" id="{ECCD7FAB-E147-214B-807B-4E7255D633DD}"/>
+                  <a16:creationId xmlns:a16="http://schemas.microsoft.com/office/drawing/2014/main" xmlns="" id="{ECCD7FAB-E147-214B-807B-4E7255D633DD}"/>
                 </a:ext>
               </a:extLst>
             </p:cNvPr>
@@ -8154,7 +8154,7 @@
           <p:cNvPr id="2" name="Título 1">
             <a:extLst>
               <a:ext uri="{FF2B5EF4-FFF2-40B4-BE49-F238E27FC236}">
-                <a16:creationId xmlns="" xmlns:a16="http://schemas.microsoft.com/office/drawing/2014/main" id="{9E49CA22-4C83-6340-AC8B-9C720FF31B17}"/>
+                <a16:creationId xmlns:a16="http://schemas.microsoft.com/office/drawing/2014/main" xmlns="" id="{9E49CA22-4C83-6340-AC8B-9C720FF31B17}"/>
               </a:ext>
             </a:extLst>
           </p:cNvPr>
@@ -8186,7 +8186,7 @@
           <p:cNvPr id="3" name="Marcador de contenido 2">
             <a:extLst>
               <a:ext uri="{FF2B5EF4-FFF2-40B4-BE49-F238E27FC236}">
-                <a16:creationId xmlns="" xmlns:a16="http://schemas.microsoft.com/office/drawing/2014/main" id="{A7A84354-4B8C-2840-9DEB-955C34342337}"/>
+                <a16:creationId xmlns:a16="http://schemas.microsoft.com/office/drawing/2014/main" xmlns="" id="{A7A84354-4B8C-2840-9DEB-955C34342337}"/>
               </a:ext>
             </a:extLst>
           </p:cNvPr>
@@ -8285,7 +8285,7 @@
           <p:cNvPr id="5" name="Imagen 4" descr="Texto&#10;&#10;Descripción generada automáticamente">
             <a:extLst>
               <a:ext uri="{FF2B5EF4-FFF2-40B4-BE49-F238E27FC236}">
-                <a16:creationId xmlns="" xmlns:a16="http://schemas.microsoft.com/office/drawing/2014/main" id="{57F741D4-5B99-5949-8FD5-469477BF61E6}"/>
+                <a16:creationId xmlns:a16="http://schemas.microsoft.com/office/drawing/2014/main" xmlns="" id="{57F741D4-5B99-5949-8FD5-469477BF61E6}"/>
               </a:ext>
             </a:extLst>
           </p:cNvPr>
@@ -8355,7 +8355,7 @@
           <p:cNvPr id="2" name="Título 1">
             <a:extLst>
               <a:ext uri="{FF2B5EF4-FFF2-40B4-BE49-F238E27FC236}">
-                <a16:creationId xmlns="" xmlns:a16="http://schemas.microsoft.com/office/drawing/2014/main" id="{9E49CA22-4C83-6340-AC8B-9C720FF31B17}"/>
+                <a16:creationId xmlns:a16="http://schemas.microsoft.com/office/drawing/2014/main" xmlns="" id="{9E49CA22-4C83-6340-AC8B-9C720FF31B17}"/>
               </a:ext>
             </a:extLst>
           </p:cNvPr>
@@ -8387,7 +8387,7 @@
           <p:cNvPr id="3" name="Marcador de contenido 2">
             <a:extLst>
               <a:ext uri="{FF2B5EF4-FFF2-40B4-BE49-F238E27FC236}">
-                <a16:creationId xmlns="" xmlns:a16="http://schemas.microsoft.com/office/drawing/2014/main" id="{A7A84354-4B8C-2840-9DEB-955C34342337}"/>
+                <a16:creationId xmlns:a16="http://schemas.microsoft.com/office/drawing/2014/main" xmlns="" id="{A7A84354-4B8C-2840-9DEB-955C34342337}"/>
               </a:ext>
             </a:extLst>
           </p:cNvPr>
@@ -8485,7 +8485,7 @@
           <p:cNvPr id="6" name="Imagen 5">
             <a:extLst>
               <a:ext uri="{FF2B5EF4-FFF2-40B4-BE49-F238E27FC236}">
-                <a16:creationId xmlns="" xmlns:a16="http://schemas.microsoft.com/office/drawing/2014/main" id="{48399839-1272-0E4B-9538-339770748B16}"/>
+                <a16:creationId xmlns:a16="http://schemas.microsoft.com/office/drawing/2014/main" xmlns="" id="{48399839-1272-0E4B-9538-339770748B16}"/>
               </a:ext>
             </a:extLst>
           </p:cNvPr>
@@ -8555,7 +8555,7 @@
           <p:cNvPr id="2" name="Título 1">
             <a:extLst>
               <a:ext uri="{FF2B5EF4-FFF2-40B4-BE49-F238E27FC236}">
-                <a16:creationId xmlns="" xmlns:a16="http://schemas.microsoft.com/office/drawing/2014/main" id="{9E49CA22-4C83-6340-AC8B-9C720FF31B17}"/>
+                <a16:creationId xmlns:a16="http://schemas.microsoft.com/office/drawing/2014/main" xmlns="" id="{9E49CA22-4C83-6340-AC8B-9C720FF31B17}"/>
               </a:ext>
             </a:extLst>
           </p:cNvPr>
@@ -8587,7 +8587,7 @@
           <p:cNvPr id="3" name="Marcador de contenido 2">
             <a:extLst>
               <a:ext uri="{FF2B5EF4-FFF2-40B4-BE49-F238E27FC236}">
-                <a16:creationId xmlns="" xmlns:a16="http://schemas.microsoft.com/office/drawing/2014/main" id="{A7A84354-4B8C-2840-9DEB-955C34342337}"/>
+                <a16:creationId xmlns:a16="http://schemas.microsoft.com/office/drawing/2014/main" xmlns="" id="{A7A84354-4B8C-2840-9DEB-955C34342337}"/>
               </a:ext>
             </a:extLst>
           </p:cNvPr>
@@ -8701,7 +8701,7 @@
           <p:cNvPr id="5" name="Imagen 4">
             <a:extLst>
               <a:ext uri="{FF2B5EF4-FFF2-40B4-BE49-F238E27FC236}">
-                <a16:creationId xmlns="" xmlns:a16="http://schemas.microsoft.com/office/drawing/2014/main" id="{A249441E-68E8-0F4B-BC0B-616F8C2F73E8}"/>
+                <a16:creationId xmlns:a16="http://schemas.microsoft.com/office/drawing/2014/main" xmlns="" id="{A249441E-68E8-0F4B-BC0B-616F8C2F73E8}"/>
               </a:ext>
             </a:extLst>
           </p:cNvPr>
@@ -8771,7 +8771,7 @@
           <p:cNvPr id="2" name="Título 1">
             <a:extLst>
               <a:ext uri="{FF2B5EF4-FFF2-40B4-BE49-F238E27FC236}">
-                <a16:creationId xmlns="" xmlns:a16="http://schemas.microsoft.com/office/drawing/2014/main" id="{9E49CA22-4C83-6340-AC8B-9C720FF31B17}"/>
+                <a16:creationId xmlns:a16="http://schemas.microsoft.com/office/drawing/2014/main" xmlns="" id="{9E49CA22-4C83-6340-AC8B-9C720FF31B17}"/>
               </a:ext>
             </a:extLst>
           </p:cNvPr>
@@ -8803,7 +8803,7 @@
           <p:cNvPr id="3" name="Marcador de contenido 2">
             <a:extLst>
               <a:ext uri="{FF2B5EF4-FFF2-40B4-BE49-F238E27FC236}">
-                <a16:creationId xmlns="" xmlns:a16="http://schemas.microsoft.com/office/drawing/2014/main" id="{A7A84354-4B8C-2840-9DEB-955C34342337}"/>
+                <a16:creationId xmlns:a16="http://schemas.microsoft.com/office/drawing/2014/main" xmlns="" id="{A7A84354-4B8C-2840-9DEB-955C34342337}"/>
               </a:ext>
             </a:extLst>
           </p:cNvPr>
@@ -8854,7 +8854,7 @@
           <p:cNvPr id="6" name="Imagen 5" descr="Texto&#10;&#10;Descripción generada automáticamente">
             <a:extLst>
               <a:ext uri="{FF2B5EF4-FFF2-40B4-BE49-F238E27FC236}">
-                <a16:creationId xmlns="" xmlns:a16="http://schemas.microsoft.com/office/drawing/2014/main" id="{4169F0F7-F8F1-2D4E-83F9-772C80695E34}"/>
+                <a16:creationId xmlns:a16="http://schemas.microsoft.com/office/drawing/2014/main" xmlns="" id="{4169F0F7-F8F1-2D4E-83F9-772C80695E34}"/>
               </a:ext>
             </a:extLst>
           </p:cNvPr>
@@ -8884,7 +8884,7 @@
           <p:cNvPr id="8" name="Imagen 7">
             <a:extLst>
               <a:ext uri="{FF2B5EF4-FFF2-40B4-BE49-F238E27FC236}">
-                <a16:creationId xmlns="" xmlns:a16="http://schemas.microsoft.com/office/drawing/2014/main" id="{B2586AF9-B491-014A-94E7-CCED2F94FCC1}"/>
+                <a16:creationId xmlns:a16="http://schemas.microsoft.com/office/drawing/2014/main" xmlns="" id="{B2586AF9-B491-014A-94E7-CCED2F94FCC1}"/>
               </a:ext>
             </a:extLst>
           </p:cNvPr>
@@ -8914,7 +8914,7 @@
           <p:cNvPr id="10" name="Imagen 9">
             <a:extLst>
               <a:ext uri="{FF2B5EF4-FFF2-40B4-BE49-F238E27FC236}">
-                <a16:creationId xmlns="" xmlns:a16="http://schemas.microsoft.com/office/drawing/2014/main" id="{F3EAC855-FE29-F74D-8D3F-F318E43F5899}"/>
+                <a16:creationId xmlns:a16="http://schemas.microsoft.com/office/drawing/2014/main" xmlns="" id="{F3EAC855-FE29-F74D-8D3F-F318E43F5899}"/>
               </a:ext>
             </a:extLst>
           </p:cNvPr>
@@ -8944,7 +8944,7 @@
           <p:cNvPr id="11" name="Picture 28" descr="Excel Sheet Icon #399324 - Free Icons Library">
             <a:extLst>
               <a:ext uri="{FF2B5EF4-FFF2-40B4-BE49-F238E27FC236}">
-                <a16:creationId xmlns="" xmlns:a16="http://schemas.microsoft.com/office/drawing/2014/main" id="{80D16F51-5D5D-6B49-A988-DA3693AE50A8}"/>
+                <a16:creationId xmlns:a16="http://schemas.microsoft.com/office/drawing/2014/main" xmlns="" id="{80D16F51-5D5D-6B49-A988-DA3693AE50A8}"/>
               </a:ext>
             </a:extLst>
           </p:cNvPr>
@@ -8991,7 +8991,7 @@
           <p:cNvPr id="12" name="Picture 30" descr="Txt file Icon of Colored Outline style - Available in SVG, PNG, EPS, AI &amp;  Icon fonts">
             <a:extLst>
               <a:ext uri="{FF2B5EF4-FFF2-40B4-BE49-F238E27FC236}">
-                <a16:creationId xmlns="" xmlns:a16="http://schemas.microsoft.com/office/drawing/2014/main" id="{47A169E9-3669-8741-BF13-CB80AD5D7F02}"/>
+                <a16:creationId xmlns:a16="http://schemas.microsoft.com/office/drawing/2014/main" xmlns="" id="{47A169E9-3669-8741-BF13-CB80AD5D7F02}"/>
               </a:ext>
             </a:extLst>
           </p:cNvPr>
@@ -9038,7 +9038,7 @@
           <p:cNvPr id="13" name="Picture 32" descr="Xml File Icon of Colored Outline style - Available in SVG, PNG, EPS, AI &amp;  Icon fonts">
             <a:extLst>
               <a:ext uri="{FF2B5EF4-FFF2-40B4-BE49-F238E27FC236}">
-                <a16:creationId xmlns="" xmlns:a16="http://schemas.microsoft.com/office/drawing/2014/main" id="{1E80B26B-9B53-5949-8D42-207635D06C24}"/>
+                <a16:creationId xmlns:a16="http://schemas.microsoft.com/office/drawing/2014/main" xmlns="" id="{1E80B26B-9B53-5949-8D42-207635D06C24}"/>
               </a:ext>
             </a:extLst>
           </p:cNvPr>
@@ -9125,7 +9125,7 @@
           <p:cNvPr id="2" name="Título 1">
             <a:extLst>
               <a:ext uri="{FF2B5EF4-FFF2-40B4-BE49-F238E27FC236}">
-                <a16:creationId xmlns="" xmlns:a16="http://schemas.microsoft.com/office/drawing/2014/main" id="{9E49CA22-4C83-6340-AC8B-9C720FF31B17}"/>
+                <a16:creationId xmlns:a16="http://schemas.microsoft.com/office/drawing/2014/main" xmlns="" id="{9E49CA22-4C83-6340-AC8B-9C720FF31B17}"/>
               </a:ext>
             </a:extLst>
           </p:cNvPr>
@@ -9157,7 +9157,7 @@
           <p:cNvPr id="3" name="Marcador de contenido 2">
             <a:extLst>
               <a:ext uri="{FF2B5EF4-FFF2-40B4-BE49-F238E27FC236}">
-                <a16:creationId xmlns="" xmlns:a16="http://schemas.microsoft.com/office/drawing/2014/main" id="{A7A84354-4B8C-2840-9DEB-955C34342337}"/>
+                <a16:creationId xmlns:a16="http://schemas.microsoft.com/office/drawing/2014/main" xmlns="" id="{A7A84354-4B8C-2840-9DEB-955C34342337}"/>
               </a:ext>
             </a:extLst>
           </p:cNvPr>
@@ -9247,7 +9247,7 @@
           <p:cNvPr id="14" name="Rectángulo redondeado 13">
             <a:extLst>
               <a:ext uri="{FF2B5EF4-FFF2-40B4-BE49-F238E27FC236}">
-                <a16:creationId xmlns="" xmlns:a16="http://schemas.microsoft.com/office/drawing/2014/main" id="{D13BC5B1-6BBE-8D46-86AA-D153993021C2}"/>
+                <a16:creationId xmlns:a16="http://schemas.microsoft.com/office/drawing/2014/main" xmlns="" id="{D13BC5B1-6BBE-8D46-86AA-D153993021C2}"/>
               </a:ext>
             </a:extLst>
           </p:cNvPr>
@@ -9301,7 +9301,7 @@
           <p:cNvPr id="15" name="Picture 20" descr="Firebase Brand Guidelines">
             <a:extLst>
               <a:ext uri="{FF2B5EF4-FFF2-40B4-BE49-F238E27FC236}">
-                <a16:creationId xmlns="" xmlns:a16="http://schemas.microsoft.com/office/drawing/2014/main" id="{A3B409FA-157C-F444-B5D2-67B86DF027E9}"/>
+                <a16:creationId xmlns:a16="http://schemas.microsoft.com/office/drawing/2014/main" xmlns="" id="{A3B409FA-157C-F444-B5D2-67B86DF027E9}"/>
               </a:ext>
             </a:extLst>
           </p:cNvPr>
@@ -9348,7 +9348,7 @@
           <p:cNvPr id="16" name="Picture 8" descr="Website icon png, Website icon png Transparent FREE for download on  WebStockReview 2020">
             <a:extLst>
               <a:ext uri="{FF2B5EF4-FFF2-40B4-BE49-F238E27FC236}">
-                <a16:creationId xmlns="" xmlns:a16="http://schemas.microsoft.com/office/drawing/2014/main" id="{DBB3C2C1-26B3-E54A-B780-6ECF1DCBC600}"/>
+                <a16:creationId xmlns:a16="http://schemas.microsoft.com/office/drawing/2014/main" xmlns="" id="{DBB3C2C1-26B3-E54A-B780-6ECF1DCBC600}"/>
               </a:ext>
             </a:extLst>
           </p:cNvPr>
@@ -9395,7 +9395,7 @@
           <p:cNvPr id="4" name="Rectángulo 3">
             <a:extLst>
               <a:ext uri="{FF2B5EF4-FFF2-40B4-BE49-F238E27FC236}">
-                <a16:creationId xmlns="" xmlns:a16="http://schemas.microsoft.com/office/drawing/2014/main" id="{87D37EEA-9332-AA43-8EC6-F3AF0CA7F818}"/>
+                <a16:creationId xmlns:a16="http://schemas.microsoft.com/office/drawing/2014/main" xmlns="" id="{87D37EEA-9332-AA43-8EC6-F3AF0CA7F818}"/>
               </a:ext>
             </a:extLst>
           </p:cNvPr>
@@ -9447,7 +9447,7 @@
           <p:cNvPr id="7" name="Imagen 6" descr="Tabla&#10;&#10;Descripción generada automáticamente">
             <a:extLst>
               <a:ext uri="{FF2B5EF4-FFF2-40B4-BE49-F238E27FC236}">
-                <a16:creationId xmlns="" xmlns:a16="http://schemas.microsoft.com/office/drawing/2014/main" id="{87A2A298-D90A-E547-ACD6-4CDB63263AE2}"/>
+                <a16:creationId xmlns:a16="http://schemas.microsoft.com/office/drawing/2014/main" xmlns="" id="{87A2A298-D90A-E547-ACD6-4CDB63263AE2}"/>
               </a:ext>
             </a:extLst>
           </p:cNvPr>
